--- a/лек6. Системи узагальнених операцій.pptx
+++ b/лек6. Системи узагальнених операцій.pptx
@@ -5,7 +5,7 @@
     <p:sldMasterId id="2147483660" r:id="rId1"/>
   </p:sldMasterIdLst>
   <p:notesMasterIdLst>
-    <p:notesMasterId r:id="rId32"/>
+    <p:notesMasterId r:id="rId31"/>
   </p:notesMasterIdLst>
   <p:sldIdLst>
     <p:sldId id="256" r:id="rId2"/>
@@ -33,11 +33,10 @@
     <p:sldId id="457" r:id="rId24"/>
     <p:sldId id="458" r:id="rId25"/>
     <p:sldId id="378" r:id="rId26"/>
-    <p:sldId id="438" r:id="rId27"/>
-    <p:sldId id="422" r:id="rId28"/>
-    <p:sldId id="423" r:id="rId29"/>
-    <p:sldId id="311" r:id="rId30"/>
-    <p:sldId id="274" r:id="rId31"/>
+    <p:sldId id="460" r:id="rId27"/>
+    <p:sldId id="423" r:id="rId28"/>
+    <p:sldId id="311" r:id="rId29"/>
+    <p:sldId id="274" r:id="rId30"/>
   </p:sldIdLst>
   <p:sldSz cx="9144000" cy="6858000" type="screen4x3"/>
   <p:notesSz cx="6858000" cy="9144000"/>
@@ -9468,7 +9467,7 @@
         <p:spPr>
           <a:xfrm>
             <a:off x="28576" y="1635628"/>
-            <a:ext cx="9144000" cy="400110"/>
+            <a:ext cx="9144000" cy="1015663"/>
           </a:xfrm>
           <a:prstGeom prst="rect">
             <a:avLst/>
@@ -9505,12 +9504,52 @@
               <a:t>. </a:t>
             </a:r>
             <a:r>
+              <a:rPr lang="uk-UA" sz="2000" dirty="0">
+                <a:solidFill>
+                  <a:srgbClr val="660066"/>
+                </a:solidFill>
+              </a:rPr>
+              <a:t>Р</a:t>
+            </a:r>
+            <a:r>
               <a:rPr lang="uk-UA" sz="2000" dirty="0" smtClean="0">
                 <a:solidFill>
-                  <a:srgbClr val="7030A0"/>
-                </a:solidFill>
-              </a:rPr>
-              <a:t>Реалізувати правило отримання похідної:</a:t>
+                  <a:srgbClr val="660066"/>
+                </a:solidFill>
+              </a:rPr>
+              <a:t>озробити програму, яка додає та віднімає раціональні функції, які подаються дробами, чисельник та знаменник яких є многочленами, наприклад: (х+1)</a:t>
+            </a:r>
+            <a:r>
+              <a:rPr lang="en-US" sz="2000" dirty="0" smtClean="0">
+                <a:solidFill>
+                  <a:srgbClr val="660066"/>
+                </a:solidFill>
+              </a:rPr>
+              <a:t>/(x</a:t>
+            </a:r>
+            <a:r>
+              <a:rPr lang="en-US" sz="2000" baseline="30000" dirty="0" smtClean="0">
+                <a:solidFill>
+                  <a:srgbClr val="660066"/>
+                </a:solidFill>
+              </a:rPr>
+              <a:t>3</a:t>
+            </a:r>
+            <a:r>
+              <a:rPr lang="en-US" sz="2000" dirty="0" smtClean="0">
+                <a:solidFill>
+                  <a:srgbClr val="660066"/>
+                </a:solidFill>
+              </a:rPr>
+              <a:t>+1)</a:t>
+            </a:r>
+            <a:r>
+              <a:rPr lang="uk-UA" sz="2000" dirty="0" smtClean="0">
+                <a:solidFill>
+                  <a:srgbClr val="660066"/>
+                </a:solidFill>
+              </a:rPr>
+              <a:t> </a:t>
             </a:r>
             <a:endParaRPr lang="uk-UA" sz="2000" dirty="0">
               <a:solidFill>
@@ -9528,8 +9567,8 @@
         </p:nvSpPr>
         <p:spPr>
           <a:xfrm>
-            <a:off x="-1" y="2854223"/>
-            <a:ext cx="9144000" cy="1323439"/>
+            <a:off x="14287" y="4198570"/>
+            <a:ext cx="9144000" cy="1015663"/>
           </a:xfrm>
           <a:prstGeom prst="rect">
             <a:avLst/>
@@ -9556,7 +9595,15 @@
                   <a:srgbClr val="0000CC"/>
                 </a:solidFill>
               </a:rPr>
-              <a:t>2</a:t>
+              <a:t>3</a:t>
+            </a:r>
+            <a:r>
+              <a:rPr lang="uk-UA" sz="2000" dirty="0" smtClean="0">
+                <a:solidFill>
+                  <a:srgbClr val="0000CC"/>
+                </a:solidFill>
+              </a:rPr>
+              <a:t>. </a:t>
             </a:r>
             <a:r>
               <a:rPr lang="uk-UA" sz="2000" dirty="0">
@@ -9564,7 +9611,7 @@
                   <a:srgbClr val="0000CC"/>
                 </a:solidFill>
               </a:rPr>
-              <a:t>. </a:t>
+              <a:t>Розробити програму, яка </a:t>
             </a:r>
             <a:r>
               <a:rPr lang="uk-UA" sz="2000" dirty="0" smtClean="0">
@@ -9572,7 +9619,7 @@
                   <a:srgbClr val="0000CC"/>
                 </a:solidFill>
               </a:rPr>
-              <a:t>Визначте </a:t>
+              <a:t>скорочує та приводить до найменшого знаменника раціональні функції, які </a:t>
             </a:r>
             <a:r>
               <a:rPr lang="uk-UA" sz="2000" dirty="0">
@@ -9580,31 +9627,7 @@
                   <a:srgbClr val="0000CC"/>
                 </a:solidFill>
               </a:rPr>
-              <a:t>узагальнений предикат рівності </a:t>
-            </a:r>
-            <a:r>
-              <a:rPr lang="en-US" sz="2000" dirty="0" err="1">
-                <a:solidFill>
-                  <a:srgbClr val="0000CC"/>
-                </a:solidFill>
-              </a:rPr>
-              <a:t>equ</a:t>
-            </a:r>
-            <a:r>
-              <a:rPr lang="en-US" sz="2000" dirty="0">
-                <a:solidFill>
-                  <a:srgbClr val="0000CC"/>
-                </a:solidFill>
-              </a:rPr>
-              <a:t> ?, </a:t>
-            </a:r>
-            <a:r>
-              <a:rPr lang="uk-UA" sz="2000" dirty="0">
-                <a:solidFill>
-                  <a:srgbClr val="0000CC"/>
-                </a:solidFill>
-              </a:rPr>
-              <a:t>який перевіряє два числа на </a:t>
+              <a:t>подаються дробами, чисельник та знаменник яких є многочленами, наприклад</a:t>
             </a:r>
             <a:r>
               <a:rPr lang="uk-UA" sz="2000" dirty="0" smtClean="0">
@@ -9612,294 +9635,19 @@
                   <a:srgbClr val="0000CC"/>
                 </a:solidFill>
               </a:rPr>
-              <a:t>рівність, і </a:t>
-            </a:r>
-            <a:r>
-              <a:rPr lang="uk-UA" sz="2000" dirty="0">
-                <a:solidFill>
-                  <a:srgbClr val="0000CC"/>
-                </a:solidFill>
-              </a:rPr>
-              <a:t>вставте його в пакет узагальненої </a:t>
-            </a:r>
-            <a:r>
-              <a:rPr lang="uk-UA" sz="2000" dirty="0" smtClean="0">
-                <a:solidFill>
-                  <a:srgbClr val="0000CC"/>
-                </a:solidFill>
-              </a:rPr>
-              <a:t>арифметики з операціями +</a:t>
-            </a:r>
-            <a:r>
-              <a:rPr lang="en-US" sz="2000" dirty="0" smtClean="0">
-                <a:solidFill>
-                  <a:srgbClr val="0000CC"/>
-                </a:solidFill>
-              </a:rPr>
-              <a:t>,</a:t>
-            </a:r>
-            <a:r>
-              <a:rPr lang="uk-UA" sz="2000" dirty="0" smtClean="0">
-                <a:solidFill>
-                  <a:srgbClr val="0000CC"/>
-                </a:solidFill>
-              </a:rPr>
-              <a:t> </a:t>
-            </a:r>
-            <a:r>
-              <a:rPr lang="en-US" sz="2000" dirty="0" smtClean="0">
-                <a:solidFill>
-                  <a:srgbClr val="0000CC"/>
-                </a:solidFill>
-              </a:rPr>
-              <a:t> </a:t>
-            </a:r>
-            <a:r>
-              <a:rPr lang="uk-UA" sz="2000" dirty="0" smtClean="0">
-                <a:solidFill>
-                  <a:srgbClr val="0000CC"/>
-                </a:solidFill>
-              </a:rPr>
-              <a:t>-, *, </a:t>
-            </a:r>
-            <a:r>
-              <a:rPr lang="en-US" sz="2000" dirty="0" smtClean="0">
-                <a:solidFill>
-                  <a:srgbClr val="0000CC"/>
-                </a:solidFill>
-              </a:rPr>
-              <a:t>/</a:t>
-            </a:r>
-            <a:r>
-              <a:rPr lang="uk-UA" sz="2000" dirty="0" smtClean="0">
-                <a:solidFill>
-                  <a:srgbClr val="0000CC"/>
-                </a:solidFill>
-              </a:rPr>
-              <a:t>. </a:t>
-            </a:r>
-            <a:r>
-              <a:rPr lang="uk-UA" sz="2000" dirty="0">
-                <a:solidFill>
-                  <a:srgbClr val="0000CC"/>
-                </a:solidFill>
-              </a:rPr>
-              <a:t>Операція повинна працювати для </a:t>
-            </a:r>
-            <a:r>
-              <a:rPr lang="uk-UA" sz="2000" dirty="0" smtClean="0">
-                <a:solidFill>
-                  <a:srgbClr val="0000CC"/>
-                </a:solidFill>
-              </a:rPr>
-              <a:t>натуральних чисел, раціональних </a:t>
-            </a:r>
-            <a:r>
-              <a:rPr lang="uk-UA" sz="2000" dirty="0">
-                <a:solidFill>
-                  <a:srgbClr val="0000CC"/>
-                </a:solidFill>
-              </a:rPr>
-              <a:t>і комплексних.</a:t>
-            </a:r>
-          </a:p>
-        </p:txBody>
-      </p:sp>
-      <p:sp>
-        <p:nvSpPr>
-          <p:cNvPr id="8" name="Прямоугольник 7"/>
-          <p:cNvSpPr/>
-          <p:nvPr/>
-        </p:nvSpPr>
-        <p:spPr>
-          <a:xfrm>
-            <a:off x="-14289" y="4433516"/>
-            <a:ext cx="9172576" cy="1323439"/>
-          </a:xfrm>
-          <a:prstGeom prst="rect">
-            <a:avLst/>
-          </a:prstGeom>
-        </p:spPr>
-        <p:txBody>
-          <a:bodyPr wrap="square">
-            <a:spAutoFit/>
-          </a:bodyPr>
-          <a:lstStyle/>
-          <a:p>
-            <a:r>
-              <a:rPr lang="uk-UA" sz="2000" b="1" dirty="0">
-                <a:solidFill>
-                  <a:srgbClr val="C00000"/>
-                </a:solidFill>
-              </a:rPr>
-              <a:t>Варіант </a:t>
-            </a:r>
-            <a:r>
-              <a:rPr lang="uk-UA" sz="2000" b="1" dirty="0" smtClean="0">
-                <a:solidFill>
-                  <a:srgbClr val="C00000"/>
-                </a:solidFill>
-              </a:rPr>
-              <a:t>3</a:t>
-            </a:r>
-            <a:r>
-              <a:rPr lang="uk-UA" sz="2000" dirty="0" smtClean="0">
-                <a:solidFill>
-                  <a:srgbClr val="C00000"/>
-                </a:solidFill>
-              </a:rPr>
-              <a:t>. </a:t>
-            </a:r>
-            <a:r>
-              <a:rPr lang="uk-UA" sz="2000" dirty="0">
-                <a:solidFill>
-                  <a:srgbClr val="C00000"/>
-                </a:solidFill>
-              </a:rPr>
-              <a:t>Визначте узагальнений предикат = </a:t>
-            </a:r>
-            <a:r>
-              <a:rPr lang="en-US" sz="2000" dirty="0">
-                <a:solidFill>
-                  <a:srgbClr val="C00000"/>
-                </a:solidFill>
-              </a:rPr>
-              <a:t>zero ?, </a:t>
-            </a:r>
-            <a:r>
-              <a:rPr lang="uk-UA" sz="2000" dirty="0">
-                <a:solidFill>
-                  <a:srgbClr val="C00000"/>
-                </a:solidFill>
-              </a:rPr>
-              <a:t>який перевіряє, чи рівний його аргумент нулю, </a:t>
-            </a:r>
-            <a:r>
-              <a:rPr lang="uk-UA" sz="2000" dirty="0" smtClean="0">
-                <a:solidFill>
-                  <a:srgbClr val="C00000"/>
-                </a:solidFill>
-              </a:rPr>
-              <a:t>і вставте </a:t>
-            </a:r>
-            <a:r>
-              <a:rPr lang="uk-UA" sz="2000" dirty="0">
-                <a:solidFill>
-                  <a:srgbClr val="C00000"/>
-                </a:solidFill>
-              </a:rPr>
-              <a:t>його в пакет узагальненої </a:t>
-            </a:r>
-            <a:r>
-              <a:rPr lang="uk-UA" sz="2000" dirty="0" smtClean="0">
-                <a:solidFill>
-                  <a:srgbClr val="C00000"/>
-                </a:solidFill>
-              </a:rPr>
-              <a:t>арифметики</a:t>
-            </a:r>
-            <a:r>
-              <a:rPr lang="en-US" sz="2000" dirty="0" smtClean="0">
-                <a:solidFill>
-                  <a:srgbClr val="C00000"/>
-                </a:solidFill>
-              </a:rPr>
-              <a:t> </a:t>
-            </a:r>
-            <a:r>
-              <a:rPr lang="uk-UA" sz="2000" dirty="0">
-                <a:solidFill>
-                  <a:srgbClr val="C00000"/>
-                </a:solidFill>
-              </a:rPr>
-              <a:t>з операціями +</a:t>
-            </a:r>
-            <a:r>
-              <a:rPr lang="en-US" sz="2000" dirty="0">
-                <a:solidFill>
-                  <a:srgbClr val="C00000"/>
-                </a:solidFill>
-              </a:rPr>
-              <a:t>,</a:t>
-            </a:r>
-            <a:r>
-              <a:rPr lang="uk-UA" sz="2000" dirty="0">
-                <a:solidFill>
-                  <a:srgbClr val="C00000"/>
-                </a:solidFill>
-              </a:rPr>
-              <a:t> </a:t>
-            </a:r>
-            <a:r>
-              <a:rPr lang="en-US" sz="2000" dirty="0">
-                <a:solidFill>
-                  <a:srgbClr val="C00000"/>
-                </a:solidFill>
-              </a:rPr>
-              <a:t> </a:t>
-            </a:r>
-            <a:r>
-              <a:rPr lang="uk-UA" sz="2000" dirty="0">
-                <a:solidFill>
-                  <a:srgbClr val="C00000"/>
-                </a:solidFill>
-              </a:rPr>
-              <a:t>-, *, </a:t>
-            </a:r>
-            <a:r>
-              <a:rPr lang="en-US" sz="2000" dirty="0">
-                <a:solidFill>
-                  <a:srgbClr val="C00000"/>
-                </a:solidFill>
-              </a:rPr>
-              <a:t>/</a:t>
-            </a:r>
-            <a:r>
-              <a:rPr lang="uk-UA" sz="2000" dirty="0" smtClean="0">
-                <a:solidFill>
-                  <a:srgbClr val="C00000"/>
-                </a:solidFill>
-              </a:rPr>
-              <a:t>. </a:t>
-            </a:r>
-            <a:r>
-              <a:rPr lang="uk-UA" sz="2000" dirty="0">
-                <a:solidFill>
-                  <a:srgbClr val="C00000"/>
-                </a:solidFill>
-              </a:rPr>
-              <a:t>Предикат повинен працювати для </a:t>
-            </a:r>
-            <a:r>
-              <a:rPr lang="ru-RU" sz="2000" dirty="0" err="1" smtClean="0">
-                <a:solidFill>
-                  <a:srgbClr val="C00000"/>
-                </a:solidFill>
-              </a:rPr>
-              <a:t>натуральних</a:t>
-            </a:r>
-            <a:r>
-              <a:rPr lang="uk-UA" sz="2000" dirty="0" smtClean="0">
-                <a:solidFill>
-                  <a:srgbClr val="C00000"/>
-                </a:solidFill>
-              </a:rPr>
-              <a:t>, раціональних </a:t>
-            </a:r>
-            <a:r>
-              <a:rPr lang="uk-UA" sz="2000" dirty="0">
-                <a:solidFill>
-                  <a:srgbClr val="C00000"/>
-                </a:solidFill>
-              </a:rPr>
-              <a:t>і комплексних чисел.</a:t>
-            </a:r>
+              <a:t>:</a:t>
+            </a:r>
+            <a:endParaRPr lang="uk-UA" sz="2000" dirty="0">
+              <a:solidFill>
+                <a:srgbClr val="0000CC"/>
+              </a:solidFill>
+            </a:endParaRPr>
           </a:p>
         </p:txBody>
       </p:sp>
       <p:pic>
         <p:nvPicPr>
-          <p:cNvPr id="5" name="Рисунок 4"/>
+          <p:cNvPr id="9" name="Рисунок 8"/>
           <p:cNvPicPr>
             <a:picLocks noChangeAspect="1"/>
           </p:cNvPicPr>
@@ -9913,14 +9661,115 @@
         </p:blipFill>
         <p:spPr>
           <a:xfrm>
-            <a:off x="2790824" y="2089693"/>
-            <a:ext cx="2640605" cy="613963"/>
+            <a:off x="2261838" y="5505513"/>
+            <a:ext cx="4140627" cy="563247"/>
           </a:xfrm>
           <a:prstGeom prst="rect">
             <a:avLst/>
           </a:prstGeom>
         </p:spPr>
       </p:pic>
+      <p:sp>
+        <p:nvSpPr>
+          <p:cNvPr id="12" name="Прямоугольник 11"/>
+          <p:cNvSpPr/>
+          <p:nvPr/>
+        </p:nvSpPr>
+        <p:spPr>
+          <a:xfrm>
+            <a:off x="14287" y="2891627"/>
+            <a:ext cx="9144000" cy="1015663"/>
+          </a:xfrm>
+          <a:prstGeom prst="rect">
+            <a:avLst/>
+          </a:prstGeom>
+        </p:spPr>
+        <p:txBody>
+          <a:bodyPr wrap="square">
+            <a:spAutoFit/>
+          </a:bodyPr>
+          <a:lstStyle/>
+          <a:p>
+            <a:r>
+              <a:rPr lang="uk-UA" sz="2000" b="1" dirty="0">
+                <a:solidFill>
+                  <a:srgbClr val="C00000"/>
+                </a:solidFill>
+              </a:rPr>
+              <a:t>Варіант </a:t>
+            </a:r>
+            <a:r>
+              <a:rPr lang="uk-UA" sz="2000" b="1" dirty="0" smtClean="0">
+                <a:solidFill>
+                  <a:srgbClr val="C00000"/>
+                </a:solidFill>
+              </a:rPr>
+              <a:t>2</a:t>
+            </a:r>
+            <a:r>
+              <a:rPr lang="uk-UA" sz="2000" dirty="0" smtClean="0">
+                <a:solidFill>
+                  <a:srgbClr val="C00000"/>
+                </a:solidFill>
+              </a:rPr>
+              <a:t>. </a:t>
+            </a:r>
+            <a:r>
+              <a:rPr lang="uk-UA" sz="2000" dirty="0">
+                <a:solidFill>
+                  <a:srgbClr val="C00000"/>
+                </a:solidFill>
+              </a:rPr>
+              <a:t>Р</a:t>
+            </a:r>
+            <a:r>
+              <a:rPr lang="uk-UA" sz="2000" dirty="0" smtClean="0">
+                <a:solidFill>
+                  <a:srgbClr val="C00000"/>
+                </a:solidFill>
+              </a:rPr>
+              <a:t>озробити програму, яка множить та ділить раціональні функції, які подаються дробами, чисельник та знаменник яких є многочленами, наприклад: (х+1)</a:t>
+            </a:r>
+            <a:r>
+              <a:rPr lang="en-US" sz="2000" dirty="0" smtClean="0">
+                <a:solidFill>
+                  <a:srgbClr val="C00000"/>
+                </a:solidFill>
+              </a:rPr>
+              <a:t>/(x</a:t>
+            </a:r>
+            <a:r>
+              <a:rPr lang="en-US" sz="2000" baseline="30000" dirty="0" smtClean="0">
+                <a:solidFill>
+                  <a:srgbClr val="C00000"/>
+                </a:solidFill>
+              </a:rPr>
+              <a:t>3</a:t>
+            </a:r>
+            <a:r>
+              <a:rPr lang="en-US" sz="2000" dirty="0" smtClean="0">
+                <a:solidFill>
+                  <a:srgbClr val="C00000"/>
+                </a:solidFill>
+              </a:rPr>
+              <a:t>+1)</a:t>
+            </a:r>
+            <a:r>
+              <a:rPr lang="uk-UA" sz="2000" dirty="0" smtClean="0">
+                <a:solidFill>
+                  <a:srgbClr val="C00000"/>
+                </a:solidFill>
+              </a:rPr>
+              <a:t> </a:t>
+            </a:r>
+            <a:endParaRPr lang="uk-UA" sz="2000" dirty="0">
+              <a:solidFill>
+                <a:srgbClr val="C00000"/>
+              </a:solidFill>
+            </a:endParaRPr>
+          </a:p>
+        </p:txBody>
+      </p:sp>
     </p:spTree>
     <p:extLst>
       <p:ext uri="{BB962C8B-B14F-4D97-AF65-F5344CB8AC3E}">
@@ -9999,11 +9848,19 @@
             </a:r>
             <a:r>
               <a:rPr lang="ru-RU" sz="2800" b="1" dirty="0" smtClean="0"/>
-              <a:t> робота 5. </a:t>
+              <a:t> робота </a:t>
+            </a:r>
+            <a:r>
+              <a:rPr lang="ru-RU" sz="2800" b="1" dirty="0" smtClean="0"/>
+              <a:t>6. </a:t>
+            </a:r>
+            <a:r>
+              <a:rPr lang="uk-UA" sz="2800" b="1" dirty="0"/>
+              <a:t>П</a:t>
             </a:r>
             <a:r>
               <a:rPr lang="uk-UA" sz="2800" b="1" dirty="0" smtClean="0"/>
-              <a:t>Символьні дані, множини, узагальнені арифметичні операції</a:t>
+              <a:t>рограмування многочленів і раціональних функцій</a:t>
             </a:r>
             <a:endParaRPr lang="uk-UA" sz="2800" b="1" dirty="0"/>
           </a:p>
@@ -10019,8 +9876,8 @@
         </p:nvSpPr>
         <p:spPr bwMode="auto">
           <a:xfrm>
-            <a:off x="57151" y="765616"/>
-            <a:ext cx="9086850" cy="1015663"/>
+            <a:off x="57151" y="1073392"/>
+            <a:ext cx="9086850" cy="400110"/>
           </a:xfrm>
           <a:prstGeom prst="rect">
             <a:avLst/>
@@ -10153,59 +10010,8 @@
               <a:t> над </a:t>
             </a:r>
             <a:r>
-              <a:rPr lang="ru-RU" sz="2000" b="1" dirty="0" err="1" smtClean="0"/>
-              <a:t>символьними</a:t>
-            </a:r>
-            <a:r>
-              <a:rPr lang="ru-RU" sz="2000" b="1" dirty="0" smtClean="0"/>
-              <a:t> </a:t>
-            </a:r>
-            <a:r>
-              <a:rPr lang="ru-RU" sz="2000" b="1" dirty="0" err="1" smtClean="0"/>
-              <a:t>даними</a:t>
-            </a:r>
-            <a:r>
-              <a:rPr lang="ru-RU" sz="2000" b="1" dirty="0" smtClean="0"/>
-              <a:t>, </a:t>
-            </a:r>
-            <a:r>
-              <a:rPr lang="ru-RU" sz="2000" b="1" dirty="0" err="1" smtClean="0"/>
-              <a:t>множинами</a:t>
-            </a:r>
-            <a:r>
-              <a:rPr lang="ru-RU" sz="2000" b="1" dirty="0" smtClean="0"/>
-              <a:t> та </a:t>
-            </a:r>
-            <a:r>
-              <a:rPr lang="ru-RU" sz="2000" b="1" dirty="0" err="1" smtClean="0"/>
-              <a:t>узагальненими</a:t>
-            </a:r>
-            <a:r>
-              <a:rPr lang="ru-RU" sz="2000" b="1" dirty="0" smtClean="0"/>
-              <a:t> с</a:t>
-            </a:r>
-            <a:r>
-              <a:rPr lang="en-US" sz="2000" b="1" dirty="0" smtClean="0"/>
-              <a:t>e</a:t>
-            </a:r>
-            <a:r>
-              <a:rPr lang="ru-RU" sz="2000" b="1" dirty="0" smtClean="0"/>
-              <a:t>лекторами</a:t>
-            </a:r>
-          </a:p>
-          <a:p>
-            <a:pPr algn="ctr"/>
-            <a:r>
-              <a:rPr lang="en-US" sz="2000" b="1" dirty="0"/>
-              <a:t>(</a:t>
-            </a:r>
-            <a:r>
-              <a:rPr lang="uk-UA" sz="2000" b="1" dirty="0"/>
-              <a:t>можливо виконати в л.р.6</a:t>
-            </a:r>
-            <a:r>
-              <a:rPr lang="en-US" sz="2000" b="1" dirty="0" smtClean="0"/>
-              <a:t>)</a:t>
+              <a:rPr lang="uk-UA" sz="2000" b="1" dirty="0" smtClean="0"/>
+              <a:t>многочленами</a:t>
             </a:r>
             <a:endParaRPr kumimoji="0" lang="ru-RU" altLang="ru-RU" sz="2000" b="1" i="0" u="none" strike="noStrike" cap="none" normalizeH="0" baseline="0" dirty="0" smtClean="0">
               <a:ln>
@@ -10369,14 +10175,14 @@
       </p:sp>
       <p:sp>
         <p:nvSpPr>
-          <p:cNvPr id="9" name="Прямоугольник 8"/>
+          <p:cNvPr id="8" name="Прямоугольник 7"/>
           <p:cNvSpPr/>
           <p:nvPr/>
         </p:nvSpPr>
         <p:spPr>
           <a:xfrm>
-            <a:off x="57151" y="1815303"/>
-            <a:ext cx="8471971" cy="3970318"/>
+            <a:off x="14288" y="1731285"/>
+            <a:ext cx="9172576" cy="1015663"/>
           </a:xfrm>
           <a:prstGeom prst="rect">
             <a:avLst/>
@@ -10388,729 +10194,1045 @@
           </a:bodyPr>
           <a:lstStyle/>
           <a:p>
-            <a:pPr>
-              <a:spcAft>
-                <a:spcPts val="0"/>
-              </a:spcAft>
-            </a:pPr>
-            <a:r>
-              <a:rPr lang="uk-UA" dirty="0">
-                <a:solidFill>
-                  <a:srgbClr val="000000"/>
-                </a:solidFill>
-                <a:latin typeface="Times New Roman" panose="02020603050405020304" pitchFamily="18" charset="0"/>
-                <a:ea typeface="Calibri" panose="020F0502020204030204" pitchFamily="34" charset="0"/>
-              </a:rPr>
-              <a:t>Написати </a:t>
-            </a:r>
-            <a:r>
-              <a:rPr lang="uk-UA" dirty="0" smtClean="0">
-                <a:solidFill>
-                  <a:srgbClr val="000000"/>
-                </a:solidFill>
-                <a:latin typeface="Times New Roman" panose="02020603050405020304" pitchFamily="18" charset="0"/>
-                <a:ea typeface="Calibri" panose="020F0502020204030204" pitchFamily="34" charset="0"/>
-              </a:rPr>
-              <a:t>програму </a:t>
-            </a:r>
-            <a:r>
-              <a:rPr lang="uk-UA" dirty="0">
-                <a:solidFill>
-                  <a:srgbClr val="000000"/>
-                </a:solidFill>
-                <a:latin typeface="Times New Roman" panose="02020603050405020304" pitchFamily="18" charset="0"/>
-                <a:ea typeface="Calibri" panose="020F0502020204030204" pitchFamily="34" charset="0"/>
-              </a:rPr>
-              <a:t>символьного диференціювання (по одній змінній) алгебраїчних виразів, представлених у формі правильних </a:t>
-            </a:r>
-            <a:r>
-              <a:rPr lang="uk-UA" dirty="0" err="1">
-                <a:solidFill>
-                  <a:srgbClr val="000000"/>
-                </a:solidFill>
-                <a:latin typeface="Times New Roman" panose="02020603050405020304" pitchFamily="18" charset="0"/>
-                <a:ea typeface="Calibri" panose="020F0502020204030204" pitchFamily="34" charset="0"/>
-              </a:rPr>
-              <a:t>префіксних</a:t>
-            </a:r>
-            <a:r>
-              <a:rPr lang="uk-UA" dirty="0">
-                <a:solidFill>
-                  <a:srgbClr val="000000"/>
-                </a:solidFill>
-                <a:latin typeface="Times New Roman" panose="02020603050405020304" pitchFamily="18" charset="0"/>
-                <a:ea typeface="Calibri" panose="020F0502020204030204" pitchFamily="34" charset="0"/>
+            <a:r>
+              <a:rPr lang="uk-UA" sz="2000" b="1" dirty="0">
+                <a:solidFill>
+                  <a:srgbClr val="C00000"/>
+                </a:solidFill>
+              </a:rPr>
+              <a:t>Варіант </a:t>
+            </a:r>
+            <a:r>
+              <a:rPr lang="uk-UA" sz="2000" b="1" dirty="0" smtClean="0">
+                <a:solidFill>
+                  <a:srgbClr val="C00000"/>
+                </a:solidFill>
+              </a:rPr>
+              <a:t>4</a:t>
+            </a:r>
+            <a:r>
+              <a:rPr lang="uk-UA" sz="2000" dirty="0" smtClean="0">
+                <a:solidFill>
+                  <a:srgbClr val="C00000"/>
+                </a:solidFill>
+              </a:rPr>
+              <a:t>. </a:t>
+            </a:r>
+            <a:r>
+              <a:rPr lang="uk-UA" sz="2000" dirty="0">
+                <a:solidFill>
+                  <a:srgbClr val="C00000"/>
+                </a:solidFill>
+              </a:rPr>
+              <a:t>Розробити програму, яка </a:t>
+            </a:r>
+            <a:r>
+              <a:rPr lang="uk-UA" sz="2000" dirty="0" smtClean="0">
+                <a:solidFill>
+                  <a:srgbClr val="C00000"/>
+                </a:solidFill>
+              </a:rPr>
+              <a:t>обчислює НОД </a:t>
+            </a:r>
+            <a:r>
+              <a:rPr lang="uk-UA" sz="2000" dirty="0" err="1" smtClean="0">
+                <a:solidFill>
+                  <a:srgbClr val="C00000"/>
+                </a:solidFill>
+              </a:rPr>
+              <a:t>двух</a:t>
+            </a:r>
+            <a:r>
+              <a:rPr lang="uk-UA" sz="2000" dirty="0" smtClean="0">
+                <a:solidFill>
+                  <a:srgbClr val="C00000"/>
+                </a:solidFill>
+              </a:rPr>
+              <a:t> многочленів за алгоритмом Евкліда. </a:t>
+            </a:r>
+            <a:r>
+              <a:rPr lang="ru-RU" sz="2000" dirty="0">
+                <a:solidFill>
+                  <a:srgbClr val="C00000"/>
+                </a:solidFill>
+              </a:rPr>
+              <a:t>Процедура повинна </a:t>
+            </a:r>
+            <a:r>
+              <a:rPr lang="ru-RU" sz="2000" dirty="0" err="1">
+                <a:solidFill>
+                  <a:srgbClr val="C00000"/>
+                </a:solidFill>
+              </a:rPr>
+              <a:t>повідомляти</a:t>
+            </a:r>
+            <a:r>
+              <a:rPr lang="ru-RU" sz="2000" dirty="0">
+                <a:solidFill>
+                  <a:srgbClr val="C00000"/>
+                </a:solidFill>
+              </a:rPr>
+              <a:t> про </a:t>
+            </a:r>
+            <a:r>
+              <a:rPr lang="ru-RU" sz="2000" dirty="0" err="1">
+                <a:solidFill>
+                  <a:srgbClr val="C00000"/>
+                </a:solidFill>
+              </a:rPr>
+              <a:t>помилку</a:t>
+            </a:r>
+            <a:r>
+              <a:rPr lang="ru-RU" sz="2000" dirty="0">
+                <a:solidFill>
+                  <a:srgbClr val="C00000"/>
+                </a:solidFill>
+              </a:rPr>
+              <a:t>, </a:t>
+            </a:r>
+            <a:r>
+              <a:rPr lang="ru-RU" sz="2000" dirty="0" err="1">
+                <a:solidFill>
+                  <a:srgbClr val="C00000"/>
+                </a:solidFill>
+              </a:rPr>
+              <a:t>якщо</a:t>
+            </a:r>
+            <a:r>
+              <a:rPr lang="ru-RU" sz="2000" dirty="0">
+                <a:solidFill>
+                  <a:srgbClr val="C00000"/>
+                </a:solidFill>
               </a:rPr>
               <a:t> </a:t>
             </a:r>
             <a:r>
-              <a:rPr lang="uk-UA" dirty="0" smtClean="0">
-                <a:solidFill>
-                  <a:srgbClr val="000000"/>
-                </a:solidFill>
-                <a:latin typeface="Times New Roman" panose="02020603050405020304" pitchFamily="18" charset="0"/>
-                <a:ea typeface="Calibri" panose="020F0502020204030204" pitchFamily="34" charset="0"/>
-              </a:rPr>
-              <a:t>виразів</a:t>
-            </a:r>
-            <a:r>
-              <a:rPr lang="uk-UA" dirty="0">
-                <a:solidFill>
-                  <a:srgbClr val="000000"/>
-                </a:solidFill>
-                <a:latin typeface="Times New Roman" panose="02020603050405020304" pitchFamily="18" charset="0"/>
-                <a:ea typeface="Calibri" panose="020F0502020204030204" pitchFamily="34" charset="0"/>
-              </a:rPr>
-              <a:t>, які містять усі арифметичні операції та вказані у варіанті математичні функції</a:t>
-            </a:r>
-            <a:r>
-              <a:rPr lang="uk-UA" dirty="0" smtClean="0">
-                <a:solidFill>
-                  <a:srgbClr val="000000"/>
-                </a:solidFill>
-                <a:latin typeface="Times New Roman" panose="02020603050405020304" pitchFamily="18" charset="0"/>
-                <a:ea typeface="Calibri" panose="020F0502020204030204" pitchFamily="34" charset="0"/>
-              </a:rPr>
-              <a:t>., </a:t>
-            </a:r>
-            <a:endParaRPr lang="uk-UA" dirty="0">
+              <a:rPr lang="ru-RU" sz="2000" dirty="0" err="1">
+                <a:solidFill>
+                  <a:srgbClr val="C00000"/>
+                </a:solidFill>
+              </a:rPr>
+              <a:t>вхідні</a:t>
+            </a:r>
+            <a:r>
+              <a:rPr lang="ru-RU" sz="2000" dirty="0">
+                <a:solidFill>
+                  <a:srgbClr val="C00000"/>
+                </a:solidFill>
+              </a:rPr>
+              <a:t> </a:t>
+            </a:r>
+            <a:r>
+              <a:rPr lang="ru-RU" sz="2000" dirty="0" err="1">
+                <a:solidFill>
+                  <a:srgbClr val="C00000"/>
+                </a:solidFill>
+              </a:rPr>
+              <a:t>об'єкти</a:t>
+            </a:r>
+            <a:r>
+              <a:rPr lang="ru-RU" sz="2000" dirty="0">
+                <a:solidFill>
+                  <a:srgbClr val="C00000"/>
+                </a:solidFill>
+              </a:rPr>
+              <a:t> </a:t>
+            </a:r>
+            <a:r>
+              <a:rPr lang="ru-RU" sz="2000" dirty="0" smtClean="0">
+                <a:solidFill>
+                  <a:srgbClr val="C00000"/>
+                </a:solidFill>
+              </a:rPr>
+              <a:t>є многочленами </a:t>
+            </a:r>
+            <a:r>
+              <a:rPr lang="ru-RU" sz="2000" dirty="0" err="1">
+                <a:solidFill>
+                  <a:srgbClr val="C00000"/>
+                </a:solidFill>
+              </a:rPr>
+              <a:t>від</a:t>
+            </a:r>
+            <a:r>
+              <a:rPr lang="ru-RU" sz="2000" dirty="0">
+                <a:solidFill>
+                  <a:srgbClr val="C00000"/>
+                </a:solidFill>
+              </a:rPr>
+              <a:t> </a:t>
+            </a:r>
+            <a:r>
+              <a:rPr lang="ru-RU" sz="2000" dirty="0" err="1">
+                <a:solidFill>
+                  <a:srgbClr val="C00000"/>
+                </a:solidFill>
+              </a:rPr>
+              <a:t>різних</a:t>
+            </a:r>
+            <a:r>
+              <a:rPr lang="ru-RU" sz="2000" dirty="0">
+                <a:solidFill>
+                  <a:srgbClr val="C00000"/>
+                </a:solidFill>
+              </a:rPr>
+              <a:t> </a:t>
+            </a:r>
+            <a:r>
+              <a:rPr lang="ru-RU" sz="2000" dirty="0" err="1" smtClean="0">
+                <a:solidFill>
+                  <a:srgbClr val="C00000"/>
+                </a:solidFill>
+              </a:rPr>
+              <a:t>змінних</a:t>
+            </a:r>
+            <a:r>
+              <a:rPr lang="ru-RU" sz="2000" dirty="0">
+                <a:solidFill>
+                  <a:srgbClr val="C00000"/>
+                </a:solidFill>
+              </a:rPr>
+              <a:t>.</a:t>
+            </a:r>
+            <a:endParaRPr lang="uk-UA" sz="2000" dirty="0">
               <a:solidFill>
-                <a:srgbClr val="000000"/>
+                <a:srgbClr val="C00000"/>
               </a:solidFill>
-              <a:latin typeface="Times New Roman" panose="02020603050405020304" pitchFamily="18" charset="0"/>
-              <a:ea typeface="Calibri" panose="020F0502020204030204" pitchFamily="34" charset="0"/>
             </a:endParaRPr>
           </a:p>
-          <a:p>
-            <a:pPr>
-              <a:spcAft>
-                <a:spcPts val="0"/>
-              </a:spcAft>
-            </a:pPr>
-            <a:r>
-              <a:rPr lang="uk-UA" b="1" dirty="0">
-                <a:solidFill>
-                  <a:srgbClr val="000000"/>
-                </a:solidFill>
-                <a:latin typeface="Times New Roman" panose="02020603050405020304" pitchFamily="18" charset="0"/>
-                <a:ea typeface="Calibri" panose="020F0502020204030204" pitchFamily="34" charset="0"/>
-              </a:rPr>
-              <a:t>Варіанти. </a:t>
-            </a:r>
-            <a:endParaRPr lang="uk-UA" dirty="0">
+        </p:txBody>
+      </p:sp>
+      <p:sp>
+        <p:nvSpPr>
+          <p:cNvPr id="12" name="Прямоугольник 11"/>
+          <p:cNvSpPr/>
+          <p:nvPr/>
+        </p:nvSpPr>
+        <p:spPr>
+          <a:xfrm>
+            <a:off x="42864" y="2826312"/>
+            <a:ext cx="9144000" cy="1323439"/>
+          </a:xfrm>
+          <a:prstGeom prst="rect">
+            <a:avLst/>
+          </a:prstGeom>
+        </p:spPr>
+        <p:txBody>
+          <a:bodyPr wrap="square">
+            <a:spAutoFit/>
+          </a:bodyPr>
+          <a:lstStyle/>
+          <a:p>
+            <a:r>
+              <a:rPr lang="uk-UA" sz="2000" b="1" dirty="0">
+                <a:solidFill>
+                  <a:srgbClr val="0000CC"/>
+                </a:solidFill>
+              </a:rPr>
+              <a:t>Варіант </a:t>
+            </a:r>
+            <a:r>
+              <a:rPr lang="uk-UA" sz="2000" b="1" dirty="0" smtClean="0">
+                <a:solidFill>
+                  <a:srgbClr val="0000CC"/>
+                </a:solidFill>
+              </a:rPr>
+              <a:t>5</a:t>
+            </a:r>
+            <a:r>
+              <a:rPr lang="uk-UA" sz="2000" dirty="0" smtClean="0">
+                <a:solidFill>
+                  <a:srgbClr val="0000CC"/>
+                </a:solidFill>
+              </a:rPr>
+              <a:t>. </a:t>
+            </a:r>
+            <a:r>
+              <a:rPr lang="ru-RU" sz="2000" dirty="0" smtClean="0">
+                <a:solidFill>
+                  <a:srgbClr val="0000CC"/>
+                </a:solidFill>
+              </a:rPr>
+              <a:t>НехайP1</a:t>
+            </a:r>
+            <a:r>
+              <a:rPr lang="ru-RU" sz="2000" dirty="0">
+                <a:solidFill>
+                  <a:srgbClr val="0000CC"/>
+                </a:solidFill>
+              </a:rPr>
+              <a:t>, P2 и P3 – </a:t>
+            </a:r>
+            <a:r>
+              <a:rPr lang="ru-RU" sz="2000" dirty="0" err="1" smtClean="0">
+                <a:solidFill>
+                  <a:srgbClr val="0000CC"/>
+                </a:solidFill>
+              </a:rPr>
+              <a:t>многочлени</a:t>
+            </a:r>
+            <a:r>
+              <a:rPr lang="ru-RU" sz="2000" dirty="0" smtClean="0">
+                <a:solidFill>
+                  <a:srgbClr val="0000CC"/>
+                </a:solidFill>
+              </a:rPr>
+              <a:t>, де</a:t>
+            </a:r>
+          </a:p>
+          <a:p>
+            <a:pPr algn="ctr"/>
+            <a:r>
+              <a:rPr lang="ru-RU" sz="2000" dirty="0" smtClean="0">
+                <a:solidFill>
+                  <a:srgbClr val="0000CC"/>
+                </a:solidFill>
+              </a:rPr>
+              <a:t> </a:t>
+            </a:r>
+            <a:r>
+              <a:rPr lang="en-US" sz="2000" dirty="0" smtClean="0">
+                <a:solidFill>
+                  <a:srgbClr val="0000CC"/>
+                </a:solidFill>
+              </a:rPr>
+              <a:t>P1 </a:t>
+            </a:r>
+            <a:r>
+              <a:rPr lang="en-US" sz="2000" dirty="0">
+                <a:solidFill>
+                  <a:srgbClr val="0000CC"/>
+                </a:solidFill>
+              </a:rPr>
+              <a:t>: x</a:t>
+            </a:r>
+            <a:r>
+              <a:rPr lang="en-US" sz="2000" baseline="30000" dirty="0">
+                <a:solidFill>
+                  <a:srgbClr val="0000CC"/>
+                </a:solidFill>
+              </a:rPr>
+              <a:t>2</a:t>
+            </a:r>
+            <a:r>
+              <a:rPr lang="en-US" sz="2000" dirty="0">
+                <a:solidFill>
+                  <a:srgbClr val="0000CC"/>
+                </a:solidFill>
+              </a:rPr>
+              <a:t> − 2x + </a:t>
+            </a:r>
+            <a:r>
+              <a:rPr lang="en-US" sz="2000" dirty="0" smtClean="0">
+                <a:solidFill>
+                  <a:srgbClr val="0000CC"/>
+                </a:solidFill>
+              </a:rPr>
+              <a:t>1</a:t>
+            </a:r>
+            <a:r>
+              <a:rPr lang="uk-UA" sz="2000" dirty="0" smtClean="0">
+                <a:solidFill>
+                  <a:srgbClr val="0000CC"/>
+                </a:solidFill>
+              </a:rPr>
+              <a:t>; </a:t>
+            </a:r>
+            <a:r>
+              <a:rPr lang="en-US" sz="2000" dirty="0" smtClean="0">
+                <a:solidFill>
+                  <a:srgbClr val="0000CC"/>
+                </a:solidFill>
+              </a:rPr>
+              <a:t>P2 </a:t>
+            </a:r>
+            <a:r>
+              <a:rPr lang="en-US" sz="2000" dirty="0">
+                <a:solidFill>
+                  <a:srgbClr val="0000CC"/>
+                </a:solidFill>
+              </a:rPr>
+              <a:t>: 11x</a:t>
+            </a:r>
+            <a:r>
+              <a:rPr lang="en-US" sz="2000" baseline="30000" dirty="0">
+                <a:solidFill>
+                  <a:srgbClr val="0000CC"/>
+                </a:solidFill>
+              </a:rPr>
+              <a:t>2</a:t>
+            </a:r>
+            <a:r>
+              <a:rPr lang="en-US" sz="2000" dirty="0">
+                <a:solidFill>
+                  <a:srgbClr val="0000CC"/>
+                </a:solidFill>
+              </a:rPr>
+              <a:t> + </a:t>
+            </a:r>
+            <a:r>
+              <a:rPr lang="en-US" sz="2000" dirty="0" smtClean="0">
+                <a:solidFill>
+                  <a:srgbClr val="0000CC"/>
+                </a:solidFill>
+              </a:rPr>
+              <a:t>1</a:t>
+            </a:r>
+            <a:r>
+              <a:rPr lang="uk-UA" sz="2000" dirty="0" smtClean="0">
+                <a:solidFill>
+                  <a:srgbClr val="0000CC"/>
+                </a:solidFill>
+              </a:rPr>
+              <a:t>; </a:t>
+            </a:r>
+            <a:r>
+              <a:rPr lang="en-US" sz="2000" dirty="0" smtClean="0">
+                <a:solidFill>
+                  <a:srgbClr val="0000CC"/>
+                </a:solidFill>
+              </a:rPr>
+              <a:t>P3 </a:t>
+            </a:r>
+            <a:r>
+              <a:rPr lang="en-US" sz="2000" dirty="0">
+                <a:solidFill>
+                  <a:srgbClr val="0000CC"/>
+                </a:solidFill>
+              </a:rPr>
+              <a:t>: 13x + 5</a:t>
+            </a:r>
+          </a:p>
+          <a:p>
+            <a:r>
+              <a:rPr lang="ru-RU" sz="2000" dirty="0" smtClean="0">
+                <a:solidFill>
+                  <a:srgbClr val="0000CC"/>
+                </a:solidFill>
+              </a:rPr>
+              <a:t>Нехай </a:t>
+            </a:r>
+            <a:r>
+              <a:rPr lang="ru-RU" sz="2000" dirty="0">
+                <a:solidFill>
+                  <a:srgbClr val="0000CC"/>
+                </a:solidFill>
+              </a:rPr>
+              <a:t>Q1 </a:t>
+            </a:r>
+            <a:r>
+              <a:rPr lang="ru-RU" sz="2000" dirty="0" smtClean="0">
+                <a:solidFill>
+                  <a:srgbClr val="0000CC"/>
+                </a:solidFill>
+              </a:rPr>
+              <a:t>є </a:t>
+            </a:r>
+            <a:r>
+              <a:rPr lang="ru-RU" sz="2000" dirty="0" err="1" smtClean="0">
+                <a:solidFill>
+                  <a:srgbClr val="0000CC"/>
+                </a:solidFill>
+              </a:rPr>
+              <a:t>добутком</a:t>
+            </a:r>
+            <a:r>
+              <a:rPr lang="ru-RU" sz="2000" dirty="0" smtClean="0">
+                <a:solidFill>
+                  <a:srgbClr val="0000CC"/>
+                </a:solidFill>
+              </a:rPr>
+              <a:t> </a:t>
+            </a:r>
+            <a:r>
+              <a:rPr lang="ru-RU" sz="2000" dirty="0">
+                <a:solidFill>
+                  <a:srgbClr val="0000CC"/>
+                </a:solidFill>
+              </a:rPr>
+              <a:t>P1 и P2, а Q2 </a:t>
+            </a:r>
+            <a:r>
+              <a:rPr lang="ru-RU" sz="2000" dirty="0" smtClean="0">
+                <a:solidFill>
+                  <a:srgbClr val="0000CC"/>
+                </a:solidFill>
+              </a:rPr>
+              <a:t>- </a:t>
+            </a:r>
+            <a:r>
+              <a:rPr lang="ru-RU" sz="2000" dirty="0" err="1" smtClean="0">
+                <a:solidFill>
+                  <a:srgbClr val="0000CC"/>
+                </a:solidFill>
+              </a:rPr>
+              <a:t>добутком</a:t>
+            </a:r>
+            <a:r>
+              <a:rPr lang="ru-RU" sz="2000" dirty="0" smtClean="0">
+                <a:solidFill>
+                  <a:srgbClr val="0000CC"/>
+                </a:solidFill>
+              </a:rPr>
+              <a:t> </a:t>
+            </a:r>
+            <a:r>
+              <a:rPr lang="ru-RU" sz="2000" dirty="0">
+                <a:solidFill>
+                  <a:srgbClr val="0000CC"/>
+                </a:solidFill>
+              </a:rPr>
+              <a:t>P1 и P3. </a:t>
+            </a:r>
+            <a:r>
+              <a:rPr lang="ru-RU" sz="2000" dirty="0" err="1" smtClean="0">
+                <a:solidFill>
+                  <a:srgbClr val="0000CC"/>
+                </a:solidFill>
+              </a:rPr>
+              <a:t>написати</a:t>
+            </a:r>
+            <a:r>
+              <a:rPr lang="ru-RU" sz="2000" dirty="0" smtClean="0">
+                <a:solidFill>
+                  <a:srgbClr val="0000CC"/>
+                </a:solidFill>
+              </a:rPr>
+              <a:t> </a:t>
+            </a:r>
+            <a:r>
+              <a:rPr lang="ru-RU" sz="2000" dirty="0" err="1" smtClean="0">
+                <a:solidFill>
+                  <a:srgbClr val="0000CC"/>
+                </a:solidFill>
+              </a:rPr>
+              <a:t>програму</a:t>
+            </a:r>
+            <a:r>
+              <a:rPr lang="ru-RU" sz="2000" dirty="0" smtClean="0">
+                <a:solidFill>
+                  <a:srgbClr val="0000CC"/>
+                </a:solidFill>
+              </a:rPr>
+              <a:t> для </a:t>
+            </a:r>
+            <a:r>
+              <a:rPr lang="ru-RU" sz="2000" dirty="0" err="1" smtClean="0">
+                <a:solidFill>
+                  <a:srgbClr val="0000CC"/>
+                </a:solidFill>
+              </a:rPr>
+              <a:t>обчислення</a:t>
+            </a:r>
+            <a:r>
+              <a:rPr lang="ru-RU" sz="2000" dirty="0" smtClean="0">
+                <a:solidFill>
+                  <a:srgbClr val="0000CC"/>
+                </a:solidFill>
+              </a:rPr>
+              <a:t>  </a:t>
+            </a:r>
+            <a:r>
+              <a:rPr lang="ru-RU" sz="2000" dirty="0">
+                <a:solidFill>
+                  <a:srgbClr val="0000CC"/>
+                </a:solidFill>
+              </a:rPr>
+              <a:t>НОД Q1 и Q2.</a:t>
+            </a:r>
+            <a:r>
+              <a:rPr lang="uk-UA" sz="2000" dirty="0" smtClean="0">
+                <a:solidFill>
+                  <a:srgbClr val="0000CC"/>
+                </a:solidFill>
+              </a:rPr>
+              <a:t> </a:t>
+            </a:r>
+            <a:endParaRPr lang="uk-UA" sz="2000" dirty="0">
               <a:solidFill>
-                <a:srgbClr val="000000"/>
+                <a:srgbClr val="0000CC"/>
               </a:solidFill>
-              <a:latin typeface="Times New Roman" panose="02020603050405020304" pitchFamily="18" charset="0"/>
-              <a:ea typeface="Calibri" panose="020F0502020204030204" pitchFamily="34" charset="0"/>
             </a:endParaRPr>
           </a:p>
-          <a:p>
-            <a:pPr>
-              <a:spcAft>
-                <a:spcPts val="0"/>
-              </a:spcAft>
-            </a:pPr>
-            <a:r>
-              <a:rPr lang="uk-UA" dirty="0" smtClean="0">
-                <a:solidFill>
-                  <a:srgbClr val="000000"/>
-                </a:solidFill>
-                <a:latin typeface="Times New Roman" panose="02020603050405020304" pitchFamily="18" charset="0"/>
-                <a:ea typeface="Calibri" panose="020F0502020204030204" pitchFamily="34" charset="0"/>
-              </a:rPr>
-              <a:t>№4. </a:t>
-            </a:r>
-            <a:r>
-              <a:rPr lang="uk-UA" dirty="0" err="1">
-                <a:solidFill>
-                  <a:srgbClr val="000000"/>
-                </a:solidFill>
-                <a:latin typeface="Times New Roman" panose="02020603050405020304" pitchFamily="18" charset="0"/>
-                <a:ea typeface="Calibri" panose="020F0502020204030204" pitchFamily="34" charset="0"/>
-              </a:rPr>
-              <a:t>sin</a:t>
-            </a:r>
-            <a:r>
-              <a:rPr lang="uk-UA" dirty="0">
-                <a:solidFill>
-                  <a:srgbClr val="000000"/>
-                </a:solidFill>
-                <a:latin typeface="Times New Roman" panose="02020603050405020304" pitchFamily="18" charset="0"/>
-                <a:ea typeface="Calibri" panose="020F0502020204030204" pitchFamily="34" charset="0"/>
-              </a:rPr>
-              <a:t>(x), </a:t>
-            </a:r>
-            <a:r>
-              <a:rPr lang="uk-UA" dirty="0" err="1">
-                <a:solidFill>
-                  <a:srgbClr val="000000"/>
-                </a:solidFill>
-                <a:latin typeface="Times New Roman" panose="02020603050405020304" pitchFamily="18" charset="0"/>
-                <a:ea typeface="Calibri" panose="020F0502020204030204" pitchFamily="34" charset="0"/>
-              </a:rPr>
-              <a:t>cth</a:t>
-            </a:r>
-            <a:r>
-              <a:rPr lang="uk-UA" dirty="0">
-                <a:solidFill>
-                  <a:srgbClr val="000000"/>
-                </a:solidFill>
-                <a:latin typeface="Times New Roman" panose="02020603050405020304" pitchFamily="18" charset="0"/>
-                <a:ea typeface="Calibri" panose="020F0502020204030204" pitchFamily="34" charset="0"/>
-              </a:rPr>
-              <a:t>(x). </a:t>
-            </a:r>
-          </a:p>
-          <a:p>
-            <a:pPr>
-              <a:spcAft>
-                <a:spcPts val="0"/>
-              </a:spcAft>
-            </a:pPr>
-            <a:r>
-              <a:rPr lang="uk-UA" dirty="0" smtClean="0">
-                <a:solidFill>
-                  <a:srgbClr val="000000"/>
-                </a:solidFill>
-                <a:latin typeface="Times New Roman" panose="02020603050405020304" pitchFamily="18" charset="0"/>
-                <a:ea typeface="Calibri" panose="020F0502020204030204" pitchFamily="34" charset="0"/>
-              </a:rPr>
-              <a:t>№5. </a:t>
-            </a:r>
-            <a:r>
-              <a:rPr lang="uk-UA" dirty="0" err="1">
-                <a:solidFill>
-                  <a:srgbClr val="000000"/>
-                </a:solidFill>
-                <a:latin typeface="Times New Roman" panose="02020603050405020304" pitchFamily="18" charset="0"/>
-                <a:ea typeface="Calibri" panose="020F0502020204030204" pitchFamily="34" charset="0"/>
-              </a:rPr>
-              <a:t>cos</a:t>
-            </a:r>
-            <a:r>
-              <a:rPr lang="uk-UA" dirty="0">
-                <a:solidFill>
-                  <a:srgbClr val="000000"/>
-                </a:solidFill>
-                <a:latin typeface="Times New Roman" panose="02020603050405020304" pitchFamily="18" charset="0"/>
-                <a:ea typeface="Calibri" panose="020F0502020204030204" pitchFamily="34" charset="0"/>
-              </a:rPr>
-              <a:t>(x), </a:t>
-            </a:r>
-            <a:r>
-              <a:rPr lang="uk-UA" dirty="0" err="1">
-                <a:solidFill>
-                  <a:srgbClr val="000000"/>
-                </a:solidFill>
-                <a:latin typeface="Times New Roman" panose="02020603050405020304" pitchFamily="18" charset="0"/>
-                <a:ea typeface="Calibri" panose="020F0502020204030204" pitchFamily="34" charset="0"/>
-              </a:rPr>
-              <a:t>pow</a:t>
-            </a:r>
-            <a:r>
-              <a:rPr lang="uk-UA" dirty="0">
-                <a:solidFill>
-                  <a:srgbClr val="000000"/>
-                </a:solidFill>
-                <a:latin typeface="Times New Roman" panose="02020603050405020304" pitchFamily="18" charset="0"/>
-                <a:ea typeface="Calibri" panose="020F0502020204030204" pitchFamily="34" charset="0"/>
-              </a:rPr>
-              <a:t> (x, n). </a:t>
-            </a:r>
-          </a:p>
-          <a:p>
-            <a:pPr>
-              <a:spcAft>
-                <a:spcPts val="0"/>
-              </a:spcAft>
-            </a:pPr>
-            <a:r>
-              <a:rPr lang="uk-UA" dirty="0" smtClean="0">
-                <a:solidFill>
-                  <a:srgbClr val="000000"/>
-                </a:solidFill>
-                <a:latin typeface="Times New Roman" panose="02020603050405020304" pitchFamily="18" charset="0"/>
-                <a:ea typeface="Calibri" panose="020F0502020204030204" pitchFamily="34" charset="0"/>
-              </a:rPr>
-              <a:t>№6. </a:t>
-            </a:r>
-            <a:r>
-              <a:rPr lang="uk-UA" dirty="0" err="1">
-                <a:solidFill>
-                  <a:srgbClr val="000000"/>
-                </a:solidFill>
-                <a:latin typeface="Times New Roman" panose="02020603050405020304" pitchFamily="18" charset="0"/>
-                <a:ea typeface="Calibri" panose="020F0502020204030204" pitchFamily="34" charset="0"/>
-              </a:rPr>
-              <a:t>tg</a:t>
-            </a:r>
-            <a:r>
-              <a:rPr lang="uk-UA" dirty="0">
-                <a:solidFill>
-                  <a:srgbClr val="000000"/>
-                </a:solidFill>
-                <a:latin typeface="Times New Roman" panose="02020603050405020304" pitchFamily="18" charset="0"/>
-                <a:ea typeface="Calibri" panose="020F0502020204030204" pitchFamily="34" charset="0"/>
-              </a:rPr>
-              <a:t>(x), </a:t>
-            </a:r>
-            <a:r>
-              <a:rPr lang="uk-UA" dirty="0" err="1">
-                <a:solidFill>
-                  <a:srgbClr val="000000"/>
-                </a:solidFill>
-                <a:latin typeface="Times New Roman" panose="02020603050405020304" pitchFamily="18" charset="0"/>
-                <a:ea typeface="Calibri" panose="020F0502020204030204" pitchFamily="34" charset="0"/>
-              </a:rPr>
-              <a:t>pow</a:t>
-            </a:r>
-            <a:r>
-              <a:rPr lang="uk-UA" dirty="0">
-                <a:solidFill>
-                  <a:srgbClr val="000000"/>
-                </a:solidFill>
-                <a:latin typeface="Times New Roman" panose="02020603050405020304" pitchFamily="18" charset="0"/>
-                <a:ea typeface="Calibri" panose="020F0502020204030204" pitchFamily="34" charset="0"/>
-              </a:rPr>
-              <a:t> (a, x). </a:t>
-            </a:r>
-          </a:p>
-          <a:p>
-            <a:pPr>
-              <a:spcAft>
-                <a:spcPts val="0"/>
-              </a:spcAft>
-            </a:pPr>
-            <a:r>
-              <a:rPr lang="uk-UA" dirty="0" smtClean="0">
-                <a:solidFill>
-                  <a:srgbClr val="000000"/>
-                </a:solidFill>
-                <a:latin typeface="Times New Roman" panose="02020603050405020304" pitchFamily="18" charset="0"/>
-                <a:ea typeface="Calibri" panose="020F0502020204030204" pitchFamily="34" charset="0"/>
-              </a:rPr>
-              <a:t>№7. </a:t>
-            </a:r>
-            <a:r>
-              <a:rPr lang="uk-UA" dirty="0" err="1">
-                <a:solidFill>
-                  <a:srgbClr val="000000"/>
-                </a:solidFill>
-                <a:latin typeface="Times New Roman" panose="02020603050405020304" pitchFamily="18" charset="0"/>
-                <a:ea typeface="Calibri" panose="020F0502020204030204" pitchFamily="34" charset="0"/>
-              </a:rPr>
-              <a:t>ctg</a:t>
-            </a:r>
-            <a:r>
-              <a:rPr lang="uk-UA" dirty="0">
-                <a:solidFill>
-                  <a:srgbClr val="000000"/>
-                </a:solidFill>
-                <a:latin typeface="Times New Roman" panose="02020603050405020304" pitchFamily="18" charset="0"/>
-                <a:ea typeface="Calibri" panose="020F0502020204030204" pitchFamily="34" charset="0"/>
-              </a:rPr>
-              <a:t>(x), </a:t>
-            </a:r>
-            <a:r>
-              <a:rPr lang="uk-UA" dirty="0" err="1">
-                <a:solidFill>
-                  <a:srgbClr val="000000"/>
-                </a:solidFill>
-                <a:latin typeface="Times New Roman" panose="02020603050405020304" pitchFamily="18" charset="0"/>
-                <a:ea typeface="Calibri" panose="020F0502020204030204" pitchFamily="34" charset="0"/>
-              </a:rPr>
-              <a:t>ln</a:t>
-            </a:r>
-            <a:r>
-              <a:rPr lang="uk-UA" dirty="0">
-                <a:solidFill>
-                  <a:srgbClr val="000000"/>
-                </a:solidFill>
-                <a:latin typeface="Times New Roman" panose="02020603050405020304" pitchFamily="18" charset="0"/>
-                <a:ea typeface="Calibri" panose="020F0502020204030204" pitchFamily="34" charset="0"/>
-              </a:rPr>
-              <a:t>(x). </a:t>
-            </a:r>
-          </a:p>
-          <a:p>
-            <a:pPr>
-              <a:spcAft>
-                <a:spcPts val="0"/>
-              </a:spcAft>
-            </a:pPr>
-            <a:r>
-              <a:rPr lang="uk-UA" dirty="0" smtClean="0">
-                <a:solidFill>
-                  <a:srgbClr val="000000"/>
-                </a:solidFill>
-                <a:latin typeface="Times New Roman" panose="02020603050405020304" pitchFamily="18" charset="0"/>
-                <a:ea typeface="Calibri" panose="020F0502020204030204" pitchFamily="34" charset="0"/>
-              </a:rPr>
-              <a:t>№8. </a:t>
-            </a:r>
-            <a:r>
-              <a:rPr lang="uk-UA" dirty="0" err="1">
-                <a:solidFill>
-                  <a:srgbClr val="000000"/>
-                </a:solidFill>
-                <a:latin typeface="Times New Roman" panose="02020603050405020304" pitchFamily="18" charset="0"/>
-                <a:ea typeface="Calibri" panose="020F0502020204030204" pitchFamily="34" charset="0"/>
-              </a:rPr>
-              <a:t>exp</a:t>
-            </a:r>
-            <a:r>
-              <a:rPr lang="uk-UA" dirty="0">
-                <a:solidFill>
-                  <a:srgbClr val="000000"/>
-                </a:solidFill>
-                <a:latin typeface="Times New Roman" panose="02020603050405020304" pitchFamily="18" charset="0"/>
-                <a:ea typeface="Calibri" panose="020F0502020204030204" pitchFamily="34" charset="0"/>
-              </a:rPr>
-              <a:t>(x), </a:t>
-            </a:r>
-            <a:r>
-              <a:rPr lang="uk-UA" dirty="0" err="1">
-                <a:solidFill>
-                  <a:srgbClr val="000000"/>
-                </a:solidFill>
-                <a:latin typeface="Times New Roman" panose="02020603050405020304" pitchFamily="18" charset="0"/>
-                <a:ea typeface="Calibri" panose="020F0502020204030204" pitchFamily="34" charset="0"/>
-              </a:rPr>
-              <a:t>th</a:t>
-            </a:r>
-            <a:r>
-              <a:rPr lang="uk-UA" dirty="0">
-                <a:solidFill>
-                  <a:srgbClr val="000000"/>
-                </a:solidFill>
-                <a:latin typeface="Times New Roman" panose="02020603050405020304" pitchFamily="18" charset="0"/>
-                <a:ea typeface="Calibri" panose="020F0502020204030204" pitchFamily="34" charset="0"/>
-              </a:rPr>
-              <a:t>(x). </a:t>
-            </a:r>
-          </a:p>
-          <a:p>
-            <a:pPr>
-              <a:spcAft>
-                <a:spcPts val="0"/>
-              </a:spcAft>
-            </a:pPr>
-            <a:r>
-              <a:rPr lang="uk-UA" dirty="0" smtClean="0">
-                <a:solidFill>
-                  <a:srgbClr val="000000"/>
-                </a:solidFill>
-                <a:latin typeface="Times New Roman" panose="02020603050405020304" pitchFamily="18" charset="0"/>
-                <a:ea typeface="Calibri" panose="020F0502020204030204" pitchFamily="34" charset="0"/>
-              </a:rPr>
-              <a:t>№9. </a:t>
-            </a:r>
-            <a:r>
-              <a:rPr lang="uk-UA" dirty="0" err="1">
-                <a:solidFill>
-                  <a:srgbClr val="000000"/>
-                </a:solidFill>
-                <a:latin typeface="Times New Roman" panose="02020603050405020304" pitchFamily="18" charset="0"/>
-                <a:ea typeface="Calibri" panose="020F0502020204030204" pitchFamily="34" charset="0"/>
-              </a:rPr>
-              <a:t>sh</a:t>
-            </a:r>
-            <a:r>
-              <a:rPr lang="uk-UA" dirty="0">
-                <a:solidFill>
-                  <a:srgbClr val="000000"/>
-                </a:solidFill>
-                <a:latin typeface="Times New Roman" panose="02020603050405020304" pitchFamily="18" charset="0"/>
-                <a:ea typeface="Calibri" panose="020F0502020204030204" pitchFamily="34" charset="0"/>
-              </a:rPr>
-              <a:t>(x), </a:t>
-            </a:r>
-            <a:r>
-              <a:rPr lang="uk-UA" dirty="0" err="1">
-                <a:solidFill>
-                  <a:srgbClr val="000000"/>
-                </a:solidFill>
-                <a:latin typeface="Times New Roman" panose="02020603050405020304" pitchFamily="18" charset="0"/>
-                <a:ea typeface="Calibri" panose="020F0502020204030204" pitchFamily="34" charset="0"/>
-              </a:rPr>
-              <a:t>arcsin</a:t>
-            </a:r>
-            <a:r>
-              <a:rPr lang="uk-UA" dirty="0">
-                <a:solidFill>
-                  <a:srgbClr val="000000"/>
-                </a:solidFill>
-                <a:latin typeface="Times New Roman" panose="02020603050405020304" pitchFamily="18" charset="0"/>
-                <a:ea typeface="Calibri" panose="020F0502020204030204" pitchFamily="34" charset="0"/>
-              </a:rPr>
-              <a:t>(x). </a:t>
-            </a:r>
-          </a:p>
-          <a:p>
-            <a:pPr>
-              <a:spcAft>
-                <a:spcPts val="0"/>
-              </a:spcAft>
-            </a:pPr>
-            <a:r>
-              <a:rPr lang="uk-UA" dirty="0" smtClean="0">
-                <a:solidFill>
-                  <a:srgbClr val="000000"/>
-                </a:solidFill>
-                <a:latin typeface="Times New Roman" panose="02020603050405020304" pitchFamily="18" charset="0"/>
-                <a:ea typeface="Calibri" panose="020F0502020204030204" pitchFamily="34" charset="0"/>
-              </a:rPr>
-              <a:t>№10. </a:t>
-            </a:r>
-            <a:r>
-              <a:rPr lang="uk-UA" dirty="0" err="1">
-                <a:solidFill>
-                  <a:srgbClr val="000000"/>
-                </a:solidFill>
-                <a:latin typeface="Times New Roman" panose="02020603050405020304" pitchFamily="18" charset="0"/>
-                <a:ea typeface="Calibri" panose="020F0502020204030204" pitchFamily="34" charset="0"/>
-              </a:rPr>
-              <a:t>ch</a:t>
-            </a:r>
-            <a:r>
-              <a:rPr lang="uk-UA" dirty="0">
-                <a:solidFill>
-                  <a:srgbClr val="000000"/>
-                </a:solidFill>
-                <a:latin typeface="Times New Roman" panose="02020603050405020304" pitchFamily="18" charset="0"/>
-                <a:ea typeface="Calibri" panose="020F0502020204030204" pitchFamily="34" charset="0"/>
-              </a:rPr>
-              <a:t>(x), </a:t>
-            </a:r>
-            <a:r>
-              <a:rPr lang="uk-UA" dirty="0" err="1">
-                <a:solidFill>
-                  <a:srgbClr val="000000"/>
-                </a:solidFill>
-                <a:latin typeface="Times New Roman" panose="02020603050405020304" pitchFamily="18" charset="0"/>
-                <a:ea typeface="Calibri" panose="020F0502020204030204" pitchFamily="34" charset="0"/>
-              </a:rPr>
-              <a:t>arcos</a:t>
-            </a:r>
-            <a:r>
-              <a:rPr lang="uk-UA" dirty="0">
-                <a:solidFill>
-                  <a:srgbClr val="000000"/>
-                </a:solidFill>
-                <a:latin typeface="Times New Roman" panose="02020603050405020304" pitchFamily="18" charset="0"/>
-                <a:ea typeface="Calibri" panose="020F0502020204030204" pitchFamily="34" charset="0"/>
-              </a:rPr>
-              <a:t>(x). </a:t>
-            </a:r>
-          </a:p>
-          <a:p>
-            <a:pPr>
-              <a:spcAft>
-                <a:spcPts val="0"/>
-              </a:spcAft>
-            </a:pPr>
-            <a:r>
-              <a:rPr lang="uk-UA" dirty="0" smtClean="0">
-                <a:solidFill>
-                  <a:srgbClr val="000000"/>
-                </a:solidFill>
-                <a:latin typeface="Times New Roman" panose="02020603050405020304" pitchFamily="18" charset="0"/>
-                <a:ea typeface="Calibri" panose="020F0502020204030204" pitchFamily="34" charset="0"/>
-              </a:rPr>
-              <a:t>№11. </a:t>
-            </a:r>
-            <a:r>
-              <a:rPr lang="uk-UA" dirty="0" err="1">
-                <a:solidFill>
-                  <a:srgbClr val="000000"/>
-                </a:solidFill>
-                <a:latin typeface="Times New Roman" panose="02020603050405020304" pitchFamily="18" charset="0"/>
-                <a:ea typeface="Calibri" panose="020F0502020204030204" pitchFamily="34" charset="0"/>
-              </a:rPr>
-              <a:t>lg</a:t>
-            </a:r>
-            <a:r>
-              <a:rPr lang="uk-UA" dirty="0">
-                <a:solidFill>
-                  <a:srgbClr val="000000"/>
-                </a:solidFill>
-                <a:latin typeface="Times New Roman" panose="02020603050405020304" pitchFamily="18" charset="0"/>
-                <a:ea typeface="Calibri" panose="020F0502020204030204" pitchFamily="34" charset="0"/>
-              </a:rPr>
-              <a:t>(x), </a:t>
-            </a:r>
-            <a:r>
-              <a:rPr lang="uk-UA" dirty="0" err="1">
-                <a:solidFill>
-                  <a:srgbClr val="000000"/>
-                </a:solidFill>
-                <a:latin typeface="Times New Roman" panose="02020603050405020304" pitchFamily="18" charset="0"/>
-                <a:ea typeface="Calibri" panose="020F0502020204030204" pitchFamily="34" charset="0"/>
-              </a:rPr>
-              <a:t>arctg</a:t>
-            </a:r>
-            <a:r>
-              <a:rPr lang="uk-UA" dirty="0">
-                <a:solidFill>
-                  <a:srgbClr val="000000"/>
-                </a:solidFill>
-                <a:latin typeface="Times New Roman" panose="02020603050405020304" pitchFamily="18" charset="0"/>
-                <a:ea typeface="Calibri" panose="020F0502020204030204" pitchFamily="34" charset="0"/>
-              </a:rPr>
-              <a:t>(x). </a:t>
-            </a:r>
-          </a:p>
-          <a:p>
-            <a:pPr>
-              <a:spcAft>
-                <a:spcPts val="0"/>
-              </a:spcAft>
-            </a:pPr>
-            <a:r>
-              <a:rPr lang="uk-UA" dirty="0" smtClean="0">
-                <a:solidFill>
-                  <a:srgbClr val="000000"/>
-                </a:solidFill>
-                <a:latin typeface="Times New Roman" panose="02020603050405020304" pitchFamily="18" charset="0"/>
-                <a:ea typeface="Calibri" panose="020F0502020204030204" pitchFamily="34" charset="0"/>
-              </a:rPr>
-              <a:t>№12. </a:t>
-            </a:r>
-            <a:r>
-              <a:rPr lang="uk-UA" dirty="0" err="1">
-                <a:solidFill>
-                  <a:srgbClr val="000000"/>
-                </a:solidFill>
-                <a:latin typeface="Times New Roman" panose="02020603050405020304" pitchFamily="18" charset="0"/>
-                <a:ea typeface="Calibri" panose="020F0502020204030204" pitchFamily="34" charset="0"/>
-              </a:rPr>
-              <a:t>arcctg</a:t>
-            </a:r>
-            <a:r>
-              <a:rPr lang="uk-UA" dirty="0">
-                <a:solidFill>
-                  <a:srgbClr val="000000"/>
-                </a:solidFill>
-                <a:latin typeface="Times New Roman" panose="02020603050405020304" pitchFamily="18" charset="0"/>
-                <a:ea typeface="Calibri" panose="020F0502020204030204" pitchFamily="34" charset="0"/>
-              </a:rPr>
-              <a:t>(x), </a:t>
-            </a:r>
-            <a:r>
-              <a:rPr lang="uk-UA" dirty="0" err="1">
-                <a:solidFill>
-                  <a:srgbClr val="000000"/>
-                </a:solidFill>
-                <a:latin typeface="Times New Roman" panose="02020603050405020304" pitchFamily="18" charset="0"/>
-                <a:ea typeface="Calibri" panose="020F0502020204030204" pitchFamily="34" charset="0"/>
-              </a:rPr>
-              <a:t>ln</a:t>
-            </a:r>
-            <a:r>
-              <a:rPr lang="uk-UA" dirty="0">
-                <a:solidFill>
-                  <a:srgbClr val="000000"/>
-                </a:solidFill>
-                <a:latin typeface="Times New Roman" panose="02020603050405020304" pitchFamily="18" charset="0"/>
-                <a:ea typeface="Calibri" panose="020F0502020204030204" pitchFamily="34" charset="0"/>
-              </a:rPr>
-              <a:t>(x). </a:t>
-            </a:r>
-          </a:p>
-          <a:p>
-            <a:pPr>
-              <a:spcAft>
-                <a:spcPts val="0"/>
-              </a:spcAft>
-            </a:pPr>
-            <a:r>
-              <a:rPr lang="uk-UA" dirty="0">
-                <a:solidFill>
-                  <a:srgbClr val="000000"/>
-                </a:solidFill>
-                <a:latin typeface="Times New Roman" panose="02020603050405020304" pitchFamily="18" charset="0"/>
-                <a:ea typeface="Calibri" panose="020F0502020204030204" pitchFamily="34" charset="0"/>
-              </a:rPr>
-              <a:t>№</a:t>
-            </a:r>
-            <a:r>
-              <a:rPr lang="uk-UA" dirty="0" smtClean="0">
-                <a:solidFill>
-                  <a:srgbClr val="000000"/>
-                </a:solidFill>
-                <a:latin typeface="Times New Roman" panose="02020603050405020304" pitchFamily="18" charset="0"/>
-                <a:ea typeface="Calibri" panose="020F0502020204030204" pitchFamily="34" charset="0"/>
-              </a:rPr>
-              <a:t>13. </a:t>
-            </a:r>
-            <a:r>
-              <a:rPr lang="uk-UA" dirty="0" err="1">
-                <a:solidFill>
-                  <a:srgbClr val="000000"/>
-                </a:solidFill>
-                <a:latin typeface="Times New Roman" panose="02020603050405020304" pitchFamily="18" charset="0"/>
-                <a:ea typeface="Calibri" panose="020F0502020204030204" pitchFamily="34" charset="0"/>
-              </a:rPr>
-              <a:t>pow</a:t>
-            </a:r>
-            <a:r>
-              <a:rPr lang="uk-UA" dirty="0">
-                <a:solidFill>
-                  <a:srgbClr val="000000"/>
-                </a:solidFill>
-                <a:latin typeface="Times New Roman" panose="02020603050405020304" pitchFamily="18" charset="0"/>
-                <a:ea typeface="Calibri" panose="020F0502020204030204" pitchFamily="34" charset="0"/>
-              </a:rPr>
-              <a:t>(</a:t>
-            </a:r>
-            <a:r>
-              <a:rPr lang="uk-UA" dirty="0" err="1">
-                <a:solidFill>
-                  <a:srgbClr val="000000"/>
-                </a:solidFill>
-                <a:latin typeface="Times New Roman" panose="02020603050405020304" pitchFamily="18" charset="0"/>
-                <a:ea typeface="Calibri" panose="020F0502020204030204" pitchFamily="34" charset="0"/>
-              </a:rPr>
-              <a:t>x,n</a:t>
-            </a:r>
-            <a:r>
-              <a:rPr lang="uk-UA" dirty="0">
-                <a:solidFill>
-                  <a:srgbClr val="000000"/>
-                </a:solidFill>
-                <a:latin typeface="Times New Roman" panose="02020603050405020304" pitchFamily="18" charset="0"/>
-                <a:ea typeface="Calibri" panose="020F0502020204030204" pitchFamily="34" charset="0"/>
-              </a:rPr>
-              <a:t>), </a:t>
-            </a:r>
-            <a:r>
-              <a:rPr lang="uk-UA" dirty="0" err="1">
-                <a:solidFill>
-                  <a:srgbClr val="000000"/>
-                </a:solidFill>
-                <a:latin typeface="Times New Roman" panose="02020603050405020304" pitchFamily="18" charset="0"/>
-                <a:ea typeface="Calibri" panose="020F0502020204030204" pitchFamily="34" charset="0"/>
-              </a:rPr>
-              <a:t>cos</a:t>
-            </a:r>
-            <a:r>
-              <a:rPr lang="uk-UA" dirty="0">
-                <a:solidFill>
-                  <a:srgbClr val="000000"/>
-                </a:solidFill>
-                <a:latin typeface="Times New Roman" panose="02020603050405020304" pitchFamily="18" charset="0"/>
-                <a:ea typeface="Calibri" panose="020F0502020204030204" pitchFamily="34" charset="0"/>
-              </a:rPr>
-              <a:t>(x). </a:t>
-            </a:r>
-            <a:endParaRPr lang="uk-UA" dirty="0">
+        </p:txBody>
+      </p:sp>
+      <p:sp>
+        <p:nvSpPr>
+          <p:cNvPr id="13" name="Прямоугольник 12"/>
+          <p:cNvSpPr/>
+          <p:nvPr/>
+        </p:nvSpPr>
+        <p:spPr>
+          <a:xfrm>
+            <a:off x="14288" y="4343833"/>
+            <a:ext cx="9144000" cy="1323439"/>
+          </a:xfrm>
+          <a:prstGeom prst="rect">
+            <a:avLst/>
+          </a:prstGeom>
+        </p:spPr>
+        <p:txBody>
+          <a:bodyPr wrap="square">
+            <a:spAutoFit/>
+          </a:bodyPr>
+          <a:lstStyle/>
+          <a:p>
+            <a:pPr lvl="0"/>
+            <a:r>
+              <a:rPr lang="uk-UA" sz="2000" b="1" dirty="0">
+                <a:solidFill>
+                  <a:srgbClr val="660066"/>
+                </a:solidFill>
+              </a:rPr>
+              <a:t>Варіант </a:t>
+            </a:r>
+            <a:r>
+              <a:rPr lang="uk-UA" sz="2000" b="1" dirty="0" smtClean="0">
+                <a:solidFill>
+                  <a:srgbClr val="660066"/>
+                </a:solidFill>
+              </a:rPr>
+              <a:t>6</a:t>
+            </a:r>
+            <a:r>
+              <a:rPr lang="uk-UA" sz="2000" dirty="0" smtClean="0">
+                <a:solidFill>
+                  <a:srgbClr val="660066"/>
+                </a:solidFill>
+              </a:rPr>
+              <a:t>. </a:t>
+            </a:r>
+            <a:r>
+              <a:rPr lang="ru-RU" sz="2000" dirty="0" err="1">
+                <a:solidFill>
+                  <a:srgbClr val="660066"/>
+                </a:solidFill>
+              </a:rPr>
+              <a:t>Написати</a:t>
+            </a:r>
+            <a:r>
+              <a:rPr lang="ru-RU" sz="2000" dirty="0">
+                <a:solidFill>
+                  <a:srgbClr val="660066"/>
+                </a:solidFill>
+              </a:rPr>
+              <a:t> процедуру, яка </a:t>
+            </a:r>
+            <a:r>
+              <a:rPr lang="ru-RU" sz="2000" dirty="0" err="1">
+                <a:solidFill>
+                  <a:srgbClr val="660066"/>
+                </a:solidFill>
+              </a:rPr>
+              <a:t>приймає</a:t>
+            </a:r>
+            <a:r>
+              <a:rPr lang="ru-RU" sz="2000" dirty="0">
+                <a:solidFill>
+                  <a:srgbClr val="660066"/>
+                </a:solidFill>
+              </a:rPr>
+              <a:t> в </a:t>
+            </a:r>
+            <a:r>
+              <a:rPr lang="ru-RU" sz="2000" dirty="0" err="1">
+                <a:solidFill>
+                  <a:srgbClr val="660066"/>
+                </a:solidFill>
+              </a:rPr>
+              <a:t>якості</a:t>
+            </a:r>
+            <a:r>
+              <a:rPr lang="ru-RU" sz="2000" dirty="0">
+                <a:solidFill>
+                  <a:srgbClr val="660066"/>
+                </a:solidFill>
+              </a:rPr>
+              <a:t> </a:t>
+            </a:r>
+            <a:r>
+              <a:rPr lang="ru-RU" sz="2000" dirty="0" err="1">
+                <a:solidFill>
+                  <a:srgbClr val="660066"/>
+                </a:solidFill>
+              </a:rPr>
+              <a:t>аргументів</a:t>
+            </a:r>
+            <a:r>
+              <a:rPr lang="ru-RU" sz="2000" dirty="0">
+                <a:solidFill>
+                  <a:srgbClr val="660066"/>
+                </a:solidFill>
+              </a:rPr>
+              <a:t> два списки </a:t>
+            </a:r>
+            <a:r>
+              <a:rPr lang="ru-RU" sz="2000" dirty="0" err="1">
+                <a:solidFill>
+                  <a:srgbClr val="660066"/>
+                </a:solidFill>
+              </a:rPr>
+              <a:t>термів</a:t>
+            </a:r>
+            <a:r>
+              <a:rPr lang="ru-RU" sz="2000" dirty="0">
+                <a:solidFill>
+                  <a:srgbClr val="660066"/>
+                </a:solidFill>
+              </a:rPr>
+              <a:t> n і d і </a:t>
+            </a:r>
+            <a:r>
+              <a:rPr lang="ru-RU" sz="2000" dirty="0" err="1">
+                <a:solidFill>
+                  <a:srgbClr val="660066"/>
+                </a:solidFill>
+              </a:rPr>
+              <a:t>повертає</a:t>
+            </a:r>
+            <a:r>
+              <a:rPr lang="ru-RU" sz="2000" dirty="0">
+                <a:solidFill>
+                  <a:srgbClr val="660066"/>
+                </a:solidFill>
+              </a:rPr>
+              <a:t> список з </a:t>
+            </a:r>
+            <a:r>
+              <a:rPr lang="ru-RU" sz="2000" dirty="0" err="1">
+                <a:solidFill>
+                  <a:srgbClr val="660066"/>
+                </a:solidFill>
+              </a:rPr>
+              <a:t>nn</a:t>
+            </a:r>
+            <a:r>
+              <a:rPr lang="ru-RU" sz="2000" dirty="0">
+                <a:solidFill>
+                  <a:srgbClr val="660066"/>
+                </a:solidFill>
+              </a:rPr>
+              <a:t> і </a:t>
+            </a:r>
+            <a:r>
+              <a:rPr lang="ru-RU" sz="2000" dirty="0" err="1">
+                <a:solidFill>
+                  <a:srgbClr val="660066"/>
+                </a:solidFill>
+              </a:rPr>
+              <a:t>dd</a:t>
+            </a:r>
+            <a:r>
+              <a:rPr lang="ru-RU" sz="2000" dirty="0">
+                <a:solidFill>
+                  <a:srgbClr val="660066"/>
+                </a:solidFill>
+              </a:rPr>
+              <a:t>, </a:t>
+            </a:r>
+            <a:r>
+              <a:rPr lang="ru-RU" sz="2000" dirty="0" err="1">
+                <a:solidFill>
+                  <a:srgbClr val="660066"/>
+                </a:solidFill>
+              </a:rPr>
+              <a:t>які</a:t>
+            </a:r>
+            <a:r>
+              <a:rPr lang="ru-RU" sz="2000" dirty="0">
+                <a:solidFill>
+                  <a:srgbClr val="660066"/>
+                </a:solidFill>
+              </a:rPr>
+              <a:t> </a:t>
+            </a:r>
+            <a:r>
+              <a:rPr lang="ru-RU" sz="2000" dirty="0" err="1">
+                <a:solidFill>
+                  <a:srgbClr val="660066"/>
+                </a:solidFill>
+              </a:rPr>
+              <a:t>представляють</a:t>
+            </a:r>
+            <a:r>
+              <a:rPr lang="ru-RU" sz="2000" dirty="0">
+                <a:solidFill>
+                  <a:srgbClr val="660066"/>
+                </a:solidFill>
+              </a:rPr>
+              <a:t> </a:t>
+            </a:r>
+            <a:r>
+              <a:rPr lang="ru-RU" sz="2000" dirty="0" smtClean="0">
+                <a:solidFill>
+                  <a:srgbClr val="660066"/>
+                </a:solidFill>
+              </a:rPr>
+              <a:t>собою </a:t>
+            </a:r>
+            <a:r>
+              <a:rPr lang="en-US" sz="2000" dirty="0" smtClean="0">
+                <a:solidFill>
+                  <a:srgbClr val="660066"/>
+                </a:solidFill>
+              </a:rPr>
+              <a:t>n</a:t>
+            </a:r>
+            <a:r>
+              <a:rPr lang="ru-RU" sz="2000" dirty="0" smtClean="0">
+                <a:solidFill>
+                  <a:srgbClr val="660066"/>
+                </a:solidFill>
+              </a:rPr>
+              <a:t> </a:t>
+            </a:r>
+            <a:r>
+              <a:rPr lang="ru-RU" sz="2000" dirty="0">
+                <a:solidFill>
+                  <a:srgbClr val="660066"/>
+                </a:solidFill>
+              </a:rPr>
+              <a:t>і d, </a:t>
+            </a:r>
+            <a:r>
+              <a:rPr lang="uk-UA" sz="2000" dirty="0" smtClean="0">
+                <a:solidFill>
+                  <a:srgbClr val="660066"/>
+                </a:solidFill>
+              </a:rPr>
+              <a:t>при</a:t>
+            </a:r>
+            <a:r>
+              <a:rPr lang="ru-RU" sz="2000" dirty="0" err="1" smtClean="0">
+                <a:solidFill>
+                  <a:srgbClr val="660066"/>
+                </a:solidFill>
+              </a:rPr>
+              <a:t>ведені</a:t>
+            </a:r>
+            <a:r>
+              <a:rPr lang="ru-RU" sz="2000" dirty="0" smtClean="0">
+                <a:solidFill>
+                  <a:srgbClr val="660066"/>
+                </a:solidFill>
+              </a:rPr>
+              <a:t> </a:t>
+            </a:r>
+            <a:r>
+              <a:rPr lang="ru-RU" sz="2000" dirty="0">
+                <a:solidFill>
+                  <a:srgbClr val="660066"/>
+                </a:solidFill>
+              </a:rPr>
+              <a:t>до </a:t>
+            </a:r>
+            <a:r>
+              <a:rPr lang="ru-RU" sz="2000" dirty="0" err="1">
+                <a:solidFill>
+                  <a:srgbClr val="660066"/>
+                </a:solidFill>
+              </a:rPr>
+              <a:t>найменшого</a:t>
+            </a:r>
+            <a:r>
+              <a:rPr lang="ru-RU" sz="2000" dirty="0">
+                <a:solidFill>
+                  <a:srgbClr val="660066"/>
+                </a:solidFill>
+              </a:rPr>
+              <a:t> </a:t>
+            </a:r>
+            <a:r>
+              <a:rPr lang="ru-RU" sz="2000" dirty="0" err="1" smtClean="0">
+                <a:solidFill>
+                  <a:srgbClr val="660066"/>
+                </a:solidFill>
+              </a:rPr>
+              <a:t>знаменника</a:t>
+            </a:r>
+            <a:r>
+              <a:rPr lang="ru-RU" sz="2000" dirty="0" smtClean="0">
+                <a:solidFill>
+                  <a:srgbClr val="660066"/>
+                </a:solidFill>
+              </a:rPr>
+              <a:t>. </a:t>
+            </a:r>
+            <a:r>
+              <a:rPr lang="ru-RU" sz="2000" dirty="0">
+                <a:solidFill>
+                  <a:srgbClr val="660066"/>
+                </a:solidFill>
+              </a:rPr>
+              <a:t>Терм </a:t>
+            </a:r>
+            <a:r>
+              <a:rPr lang="ru-RU" sz="2000" dirty="0" err="1">
+                <a:solidFill>
+                  <a:srgbClr val="660066"/>
+                </a:solidFill>
+              </a:rPr>
+              <a:t>являє</a:t>
+            </a:r>
+            <a:r>
+              <a:rPr lang="ru-RU" sz="2000" dirty="0">
+                <a:solidFill>
+                  <a:srgbClr val="660066"/>
+                </a:solidFill>
+              </a:rPr>
+              <a:t> собою </a:t>
+            </a:r>
+            <a:r>
+              <a:rPr lang="ru-RU" sz="2000" dirty="0" err="1">
+                <a:solidFill>
+                  <a:srgbClr val="660066"/>
+                </a:solidFill>
+              </a:rPr>
+              <a:t>або</a:t>
+            </a:r>
+            <a:r>
+              <a:rPr lang="ru-RU" sz="2000" dirty="0">
+                <a:solidFill>
+                  <a:srgbClr val="660066"/>
+                </a:solidFill>
+              </a:rPr>
+              <a:t> </a:t>
+            </a:r>
+            <a:r>
+              <a:rPr lang="ru-RU" sz="2000" dirty="0" err="1">
+                <a:solidFill>
+                  <a:srgbClr val="660066"/>
+                </a:solidFill>
+              </a:rPr>
+              <a:t>коефіцієнт</a:t>
+            </a:r>
+            <a:r>
+              <a:rPr lang="ru-RU" sz="2000" dirty="0">
+                <a:solidFill>
+                  <a:srgbClr val="660066"/>
+                </a:solidFill>
+              </a:rPr>
+              <a:t>, </a:t>
+            </a:r>
+            <a:r>
+              <a:rPr lang="ru-RU" sz="2000" dirty="0" err="1">
+                <a:solidFill>
+                  <a:srgbClr val="660066"/>
+                </a:solidFill>
+              </a:rPr>
+              <a:t>або</a:t>
+            </a:r>
+            <a:r>
+              <a:rPr lang="ru-RU" sz="2000" dirty="0">
+                <a:solidFill>
+                  <a:srgbClr val="660066"/>
+                </a:solidFill>
+              </a:rPr>
+              <a:t> </a:t>
+            </a:r>
+            <a:r>
+              <a:rPr lang="ru-RU" sz="2000" dirty="0" err="1">
+                <a:solidFill>
+                  <a:srgbClr val="660066"/>
+                </a:solidFill>
+              </a:rPr>
+              <a:t>змінну</a:t>
+            </a:r>
+            <a:r>
+              <a:rPr lang="ru-RU" sz="2000" dirty="0">
+                <a:solidFill>
+                  <a:srgbClr val="660066"/>
+                </a:solidFill>
+              </a:rPr>
+              <a:t>,</a:t>
+            </a:r>
+          </a:p>
+          <a:p>
+            <a:pPr lvl="0"/>
+            <a:r>
+              <a:rPr lang="ru-RU" sz="2000" dirty="0" err="1">
+                <a:solidFill>
+                  <a:srgbClr val="660066"/>
+                </a:solidFill>
+              </a:rPr>
+              <a:t>зведену</a:t>
+            </a:r>
+            <a:r>
+              <a:rPr lang="ru-RU" sz="2000" dirty="0">
+                <a:solidFill>
+                  <a:srgbClr val="660066"/>
+                </a:solidFill>
+              </a:rPr>
+              <a:t> в </a:t>
+            </a:r>
+            <a:r>
+              <a:rPr lang="ru-RU" sz="2000" dirty="0" err="1" smtClean="0">
+                <a:solidFill>
+                  <a:srgbClr val="660066"/>
+                </a:solidFill>
+              </a:rPr>
+              <a:t>степінь</a:t>
+            </a:r>
+            <a:r>
+              <a:rPr lang="ru-RU" sz="2000" dirty="0">
+                <a:solidFill>
+                  <a:srgbClr val="660066"/>
+                </a:solidFill>
+              </a:rPr>
+              <a:t>, </a:t>
+            </a:r>
+            <a:r>
+              <a:rPr lang="ru-RU" sz="2000" dirty="0" err="1">
+                <a:solidFill>
+                  <a:srgbClr val="660066"/>
+                </a:solidFill>
+              </a:rPr>
+              <a:t>або</a:t>
+            </a:r>
+            <a:r>
+              <a:rPr lang="ru-RU" sz="2000" dirty="0">
+                <a:solidFill>
+                  <a:srgbClr val="660066"/>
+                </a:solidFill>
+              </a:rPr>
+              <a:t> </a:t>
+            </a:r>
+            <a:r>
+              <a:rPr lang="ru-RU" sz="2000" dirty="0" err="1" smtClean="0">
+                <a:solidFill>
+                  <a:srgbClr val="660066"/>
+                </a:solidFill>
+              </a:rPr>
+              <a:t>добуток</a:t>
+            </a:r>
+            <a:r>
+              <a:rPr lang="ru-RU" sz="2000" dirty="0" smtClean="0">
+                <a:solidFill>
+                  <a:srgbClr val="660066"/>
+                </a:solidFill>
+              </a:rPr>
+              <a:t> того та </a:t>
+            </a:r>
+            <a:r>
+              <a:rPr lang="ru-RU" sz="2000" dirty="0" err="1" smtClean="0">
+                <a:solidFill>
+                  <a:srgbClr val="660066"/>
+                </a:solidFill>
+              </a:rPr>
+              <a:t>іншого</a:t>
+            </a:r>
+            <a:r>
+              <a:rPr lang="ru-RU" sz="2000" dirty="0" smtClean="0">
+                <a:solidFill>
+                  <a:srgbClr val="660066"/>
+                </a:solidFill>
+              </a:rPr>
+              <a:t>.</a:t>
+            </a:r>
+            <a:endParaRPr lang="uk-UA" sz="2000" dirty="0">
               <a:solidFill>
-                <a:srgbClr val="000000"/>
+                <a:srgbClr val="660066"/>
               </a:solidFill>
-              <a:effectLst/>
-              <a:latin typeface="Times New Roman" panose="02020603050405020304" pitchFamily="18" charset="0"/>
-              <a:ea typeface="Calibri" panose="020F0502020204030204" pitchFamily="34" charset="0"/>
             </a:endParaRPr>
           </a:p>
         </p:txBody>
@@ -11118,7 +11240,7 @@
     </p:spTree>
     <p:extLst>
       <p:ext uri="{BB962C8B-B14F-4D97-AF65-F5344CB8AC3E}">
-        <p14:creationId xmlns:p14="http://schemas.microsoft.com/office/powerpoint/2010/main" val="3391283421"/>
+        <p14:creationId xmlns:p14="http://schemas.microsoft.com/office/powerpoint/2010/main" val="2720783287"/>
       </p:ext>
     </p:extLst>
   </p:cSld>
@@ -11213,7 +11335,7 @@
         </p:nvSpPr>
         <p:spPr bwMode="auto">
           <a:xfrm>
-            <a:off x="57151" y="765616"/>
+            <a:off x="114302" y="1052487"/>
             <a:ext cx="9086850" cy="1015663"/>
           </a:xfrm>
           <a:prstGeom prst="rect">
@@ -11376,30 +11498,17 @@
             </a:r>
             <a:r>
               <a:rPr lang="ru-RU" sz="2000" b="1" dirty="0" smtClean="0"/>
-              <a:t> с</a:t>
-            </a:r>
+              <a:t> селекторами</a:t>
+            </a:r>
+          </a:p>
+          <a:p>
+            <a:pPr algn="ctr"/>
             <a:r>
               <a:rPr lang="en-US" sz="2000" b="1" dirty="0"/>
-              <a:t>e</a:t>
-            </a:r>
-            <a:r>
-              <a:rPr lang="ru-RU" sz="2000" b="1" dirty="0" smtClean="0"/>
-              <a:t>лекторами</a:t>
-            </a:r>
-            <a:r>
-              <a:rPr lang="en-US" sz="2000" b="1" dirty="0" smtClean="0"/>
-              <a:t> </a:t>
-            </a:r>
-            <a:endParaRPr lang="uk-UA" sz="2000" b="1" dirty="0" smtClean="0"/>
-          </a:p>
-          <a:p>
-            <a:pPr algn="ctr"/>
-            <a:r>
-              <a:rPr lang="en-US" sz="2000" b="1" dirty="0" smtClean="0"/>
               <a:t>(</a:t>
             </a:r>
             <a:r>
-              <a:rPr lang="uk-UA" sz="2000" b="1" dirty="0" smtClean="0"/>
+              <a:rPr lang="uk-UA" sz="2000" b="1" dirty="0"/>
               <a:t>можливо виконати в л.р.6</a:t>
             </a:r>
             <a:r>
@@ -11574,8 +11683,8 @@
         </p:nvSpPr>
         <p:spPr>
           <a:xfrm>
-            <a:off x="28576" y="1635628"/>
-            <a:ext cx="9144000" cy="2031325"/>
+            <a:off x="57152" y="2245228"/>
+            <a:ext cx="9144000" cy="2308324"/>
           </a:xfrm>
           <a:prstGeom prst="rect">
             <a:avLst/>
@@ -11609,7 +11718,7 @@
                   <a:srgbClr val="0000CC"/>
                 </a:solidFill>
               </a:rPr>
-              <a:t>4</a:t>
+              <a:t>6</a:t>
             </a:r>
             <a:r>
               <a:rPr lang="uk-UA" dirty="0" smtClean="0">
@@ -11617,7 +11726,23 @@
                   <a:srgbClr val="0000CC"/>
                 </a:solidFill>
               </a:rPr>
-              <a:t>. Многочлен є сумою термів, кожен з яких представляє собою коефіцієнт або змінну, що піднесена у степінь, або добуток першого і другого. </a:t>
+              <a:t>. </a:t>
+            </a:r>
+            <a:r>
+              <a:rPr lang="uk-UA" dirty="0" err="1" smtClean="0">
+                <a:solidFill>
+                  <a:srgbClr val="0000CC"/>
+                </a:solidFill>
+              </a:rPr>
+              <a:t>Много</a:t>
+            </a:r>
+            <a:r>
+              <a:rPr lang="ru-RU" dirty="0" smtClean="0">
+                <a:solidFill>
+                  <a:srgbClr val="0000CC"/>
+                </a:solidFill>
+              </a:rPr>
+              <a:t>члени </a:t>
             </a:r>
             <a:r>
               <a:rPr lang="ru-RU" dirty="0">
@@ -11625,7 +11750,95 @@
                   <a:srgbClr val="0000CC"/>
                 </a:solidFill>
               </a:rPr>
-              <a:t>Д</a:t>
+              <a:t>з </a:t>
+            </a:r>
+            <a:r>
+              <a:rPr lang="ru-RU" dirty="0" err="1">
+                <a:solidFill>
+                  <a:srgbClr val="0000CC"/>
+                </a:solidFill>
+              </a:rPr>
+              <a:t>однією</a:t>
+            </a:r>
+            <a:r>
+              <a:rPr lang="ru-RU" dirty="0">
+                <a:solidFill>
+                  <a:srgbClr val="0000CC"/>
+                </a:solidFill>
+              </a:rPr>
+              <a:t> </a:t>
+            </a:r>
+            <a:r>
+              <a:rPr lang="ru-RU" dirty="0" err="1">
+                <a:solidFill>
+                  <a:srgbClr val="0000CC"/>
+                </a:solidFill>
+              </a:rPr>
+              <a:t>змінною</a:t>
+            </a:r>
+            <a:r>
+              <a:rPr lang="ru-RU" dirty="0">
+                <a:solidFill>
+                  <a:srgbClr val="0000CC"/>
+                </a:solidFill>
+              </a:rPr>
+              <a:t> </a:t>
+            </a:r>
+            <a:r>
+              <a:rPr lang="ru-RU" dirty="0" err="1">
+                <a:solidFill>
+                  <a:srgbClr val="0000CC"/>
+                </a:solidFill>
+              </a:rPr>
+              <a:t>можна</a:t>
+            </a:r>
+            <a:r>
+              <a:rPr lang="ru-RU" dirty="0">
+                <a:solidFill>
+                  <a:srgbClr val="0000CC"/>
+                </a:solidFill>
+              </a:rPr>
+              <a:t> </a:t>
+            </a:r>
+            <a:r>
+              <a:rPr lang="ru-RU" dirty="0" err="1">
+                <a:solidFill>
+                  <a:srgbClr val="0000CC"/>
+                </a:solidFill>
+              </a:rPr>
+              <a:t>ділити</a:t>
+            </a:r>
+            <a:r>
+              <a:rPr lang="ru-RU" dirty="0">
+                <a:solidFill>
+                  <a:srgbClr val="0000CC"/>
+                </a:solidFill>
+              </a:rPr>
+              <a:t> один на одного, </a:t>
+            </a:r>
+            <a:r>
+              <a:rPr lang="ru-RU" dirty="0" err="1">
+                <a:solidFill>
+                  <a:srgbClr val="0000CC"/>
+                </a:solidFill>
+              </a:rPr>
+              <a:t>отримуючи</a:t>
+            </a:r>
+            <a:r>
+              <a:rPr lang="ru-RU" dirty="0">
+                <a:solidFill>
+                  <a:srgbClr val="0000CC"/>
+                </a:solidFill>
+              </a:rPr>
+              <a:t> </a:t>
+            </a:r>
+            <a:r>
+              <a:rPr lang="ru-RU" dirty="0" err="1" smtClean="0">
+                <a:solidFill>
+                  <a:srgbClr val="0000CC"/>
+                </a:solidFill>
+              </a:rPr>
+              <a:t>частку</a:t>
             </a:r>
             <a:r>
               <a:rPr lang="ru-RU" dirty="0" smtClean="0">
@@ -11633,7 +11846,15 @@
                   <a:srgbClr val="0000CC"/>
                 </a:solidFill>
               </a:rPr>
-              <a:t>ва </a:t>
+              <a:t> і </a:t>
+            </a:r>
+            <a:r>
+              <a:rPr lang="ru-RU" dirty="0" err="1">
+                <a:solidFill>
+                  <a:srgbClr val="0000CC"/>
+                </a:solidFill>
+              </a:rPr>
+              <a:t>залишок</a:t>
             </a:r>
             <a:r>
               <a:rPr lang="ru-RU" dirty="0">
@@ -11641,7 +11862,15 @@
                   <a:srgbClr val="0000CC"/>
                 </a:solidFill>
               </a:rPr>
-              <a:t>многочлена, над </a:t>
+              <a:t>. </a:t>
+            </a:r>
+            <a:r>
+              <a:rPr lang="ru-RU" dirty="0" smtClean="0">
+                <a:solidFill>
+                  <a:srgbClr val="0000CC"/>
+                </a:solidFill>
+              </a:rPr>
+              <a:t>Для </a:t>
             </a:r>
             <a:r>
               <a:rPr lang="ru-RU" dirty="0" err="1" smtClean="0">
@@ -11649,7 +11878,7 @@
                   <a:srgbClr val="0000CC"/>
                 </a:solidFill>
               </a:rPr>
-              <a:t>якими</a:t>
+              <a:t>ділення</a:t>
             </a:r>
             <a:r>
               <a:rPr lang="ru-RU" dirty="0" smtClean="0">
@@ -11657,15 +11886,95 @@
                   <a:srgbClr val="0000CC"/>
                 </a:solidFill>
               </a:rPr>
+              <a:t>  </a:t>
+            </a:r>
+            <a:r>
+              <a:rPr lang="ru-RU" dirty="0" err="1">
+                <a:solidFill>
+                  <a:srgbClr val="0000CC"/>
+                </a:solidFill>
+              </a:rPr>
+              <a:t>розділимо</a:t>
+            </a:r>
+            <a:r>
+              <a:rPr lang="ru-RU" dirty="0">
+                <a:solidFill>
+                  <a:srgbClr val="0000CC"/>
+                </a:solidFill>
+              </a:rPr>
+              <a:t> старший член </a:t>
+            </a:r>
+            <a:r>
+              <a:rPr lang="ru-RU" dirty="0" err="1">
+                <a:solidFill>
+                  <a:srgbClr val="0000CC"/>
+                </a:solidFill>
+              </a:rPr>
+              <a:t>діленого</a:t>
+            </a:r>
+            <a:r>
+              <a:rPr lang="ru-RU" dirty="0">
+                <a:solidFill>
+                  <a:srgbClr val="0000CC"/>
+                </a:solidFill>
+              </a:rPr>
+              <a:t> на старший член </a:t>
+            </a:r>
+            <a:r>
+              <a:rPr lang="ru-RU" dirty="0" err="1">
+                <a:solidFill>
+                  <a:srgbClr val="0000CC"/>
+                </a:solidFill>
+              </a:rPr>
+              <a:t>дільника</a:t>
+            </a:r>
+            <a:r>
+              <a:rPr lang="ru-RU" dirty="0">
+                <a:solidFill>
+                  <a:srgbClr val="0000CC"/>
+                </a:solidFill>
+              </a:rPr>
+              <a:t>. В </a:t>
+            </a:r>
+            <a:r>
+              <a:rPr lang="ru-RU" dirty="0" err="1">
+                <a:solidFill>
+                  <a:srgbClr val="0000CC"/>
+                </a:solidFill>
+              </a:rPr>
+              <a:t>результаті</a:t>
+            </a:r>
+            <a:r>
+              <a:rPr lang="ru-RU" dirty="0">
+                <a:solidFill>
+                  <a:srgbClr val="0000CC"/>
+                </a:solidFill>
+              </a:rPr>
               <a:t> </a:t>
             </a:r>
             <a:r>
+              <a:rPr lang="ru-RU" dirty="0" err="1">
+                <a:solidFill>
+                  <a:srgbClr val="0000CC"/>
+                </a:solidFill>
+              </a:rPr>
+              <a:t>вийде</a:t>
+            </a:r>
+            <a:r>
+              <a:rPr lang="ru-RU" dirty="0">
+                <a:solidFill>
+                  <a:srgbClr val="0000CC"/>
+                </a:solidFill>
+              </a:rPr>
+              <a:t> перший терм </a:t>
+            </a:r>
+            <a:r>
               <a:rPr lang="ru-RU" dirty="0" err="1" smtClean="0">
                 <a:solidFill>
                   <a:srgbClr val="0000CC"/>
                 </a:solidFill>
               </a:rPr>
-              <a:t>здійснюються</a:t>
+              <a:t>частки</a:t>
             </a:r>
             <a:r>
               <a:rPr lang="ru-RU" dirty="0" smtClean="0">
@@ -11673,15 +11982,87 @@
                   <a:srgbClr val="0000CC"/>
                 </a:solidFill>
               </a:rPr>
+              <a:t>. </a:t>
+            </a:r>
+            <a:r>
+              <a:rPr lang="ru-RU" dirty="0" err="1">
+                <a:solidFill>
+                  <a:srgbClr val="0000CC"/>
+                </a:solidFill>
+              </a:rPr>
+              <a:t>Потім</a:t>
+            </a:r>
+            <a:r>
+              <a:rPr lang="ru-RU" dirty="0">
+                <a:solidFill>
+                  <a:srgbClr val="0000CC"/>
+                </a:solidFill>
+              </a:rPr>
               <a:t> </a:t>
             </a:r>
             <a:r>
+              <a:rPr lang="ru-RU" dirty="0" err="1">
+                <a:solidFill>
+                  <a:srgbClr val="0000CC"/>
+                </a:solidFill>
+              </a:rPr>
+              <a:t>помножимо</a:t>
+            </a:r>
+            <a:r>
+              <a:rPr lang="ru-RU" dirty="0">
+                <a:solidFill>
+                  <a:srgbClr val="0000CC"/>
+                </a:solidFill>
+              </a:rPr>
+              <a:t> результат на </a:t>
+            </a:r>
+            <a:r>
+              <a:rPr lang="ru-RU" dirty="0" err="1">
+                <a:solidFill>
+                  <a:srgbClr val="0000CC"/>
+                </a:solidFill>
+              </a:rPr>
+              <a:t>дільник</a:t>
+            </a:r>
+            <a:r>
+              <a:rPr lang="ru-RU" dirty="0">
+                <a:solidFill>
+                  <a:srgbClr val="0000CC"/>
+                </a:solidFill>
+              </a:rPr>
+              <a:t>, </a:t>
+            </a:r>
+            <a:r>
+              <a:rPr lang="ru-RU" dirty="0" err="1">
+                <a:solidFill>
+                  <a:srgbClr val="0000CC"/>
+                </a:solidFill>
+              </a:rPr>
+              <a:t>віднімемо</a:t>
+            </a:r>
+            <a:r>
+              <a:rPr lang="ru-RU" dirty="0">
+                <a:solidFill>
+                  <a:srgbClr val="0000CC"/>
+                </a:solidFill>
+              </a:rPr>
+              <a:t> </a:t>
+            </a:r>
+            <a:r>
+              <a:rPr lang="ru-RU" dirty="0" smtClean="0">
+                <a:solidFill>
+                  <a:srgbClr val="0000CC"/>
+                </a:solidFill>
+              </a:rPr>
+              <a:t>многочлен, </a:t>
+            </a:r>
+            <a:r>
               <a:rPr lang="ru-RU" dirty="0" err="1" smtClean="0">
                 <a:solidFill>
                   <a:srgbClr val="0000CC"/>
                 </a:solidFill>
               </a:rPr>
-              <a:t>операції</a:t>
+              <a:t>що</a:t>
             </a:r>
             <a:r>
               <a:rPr lang="ru-RU" dirty="0" smtClean="0">
@@ -11689,15 +12070,441 @@
                   <a:srgbClr val="0000CC"/>
                 </a:solidFill>
               </a:rPr>
+              <a:t> </a:t>
+            </a:r>
+            <a:r>
+              <a:rPr lang="ru-RU" dirty="0" err="1" smtClean="0">
+                <a:solidFill>
+                  <a:srgbClr val="0000CC"/>
+                </a:solidFill>
+              </a:rPr>
+              <a:t>вийшов</a:t>
+            </a:r>
+            <a:r>
+              <a:rPr lang="ru-RU" dirty="0" smtClean="0">
+                <a:solidFill>
+                  <a:srgbClr val="0000CC"/>
+                </a:solidFill>
+              </a:rPr>
+              <a:t> </a:t>
+            </a:r>
+            <a:r>
+              <a:rPr lang="ru-RU" dirty="0">
+                <a:solidFill>
+                  <a:srgbClr val="0000CC"/>
+                </a:solidFill>
+              </a:rPr>
+              <a:t>з </a:t>
+            </a:r>
+            <a:r>
+              <a:rPr lang="ru-RU" dirty="0" err="1">
+                <a:solidFill>
+                  <a:srgbClr val="0000CC"/>
+                </a:solidFill>
+              </a:rPr>
+              <a:t>діленого</a:t>
+            </a:r>
+            <a:r>
+              <a:rPr lang="ru-RU" dirty="0">
+                <a:solidFill>
+                  <a:srgbClr val="0000CC"/>
+                </a:solidFill>
+              </a:rPr>
+              <a:t> і, рекурсивно </a:t>
+            </a:r>
+            <a:r>
+              <a:rPr lang="ru-RU" dirty="0" err="1">
+                <a:solidFill>
+                  <a:srgbClr val="0000CC"/>
+                </a:solidFill>
+              </a:rPr>
+              <a:t>ділячи</a:t>
+            </a:r>
+            <a:r>
+              <a:rPr lang="ru-RU" dirty="0">
+                <a:solidFill>
+                  <a:srgbClr val="0000CC"/>
+                </a:solidFill>
+              </a:rPr>
+              <a:t> </a:t>
+            </a:r>
+            <a:r>
+              <a:rPr lang="ru-RU" dirty="0" err="1">
+                <a:solidFill>
+                  <a:srgbClr val="0000CC"/>
+                </a:solidFill>
+              </a:rPr>
+              <a:t>різницю</a:t>
+            </a:r>
+            <a:r>
+              <a:rPr lang="ru-RU" dirty="0">
+                <a:solidFill>
+                  <a:srgbClr val="0000CC"/>
+                </a:solidFill>
+              </a:rPr>
+              <a:t> на </a:t>
+            </a:r>
+            <a:r>
+              <a:rPr lang="ru-RU" dirty="0" err="1">
+                <a:solidFill>
+                  <a:srgbClr val="0000CC"/>
+                </a:solidFill>
+              </a:rPr>
+              <a:t>дільник</a:t>
+            </a:r>
+            <a:r>
+              <a:rPr lang="ru-RU" dirty="0">
+                <a:solidFill>
+                  <a:srgbClr val="0000CC"/>
+                </a:solidFill>
+              </a:rPr>
+              <a:t>,</a:t>
+            </a:r>
+          </a:p>
+          <a:p>
+            <a:r>
+              <a:rPr lang="ru-RU" dirty="0" err="1">
+                <a:solidFill>
+                  <a:srgbClr val="0000CC"/>
+                </a:solidFill>
+              </a:rPr>
+              <a:t>отримаємо</a:t>
+            </a:r>
+            <a:r>
+              <a:rPr lang="ru-RU" dirty="0">
+                <a:solidFill>
+                  <a:srgbClr val="0000CC"/>
+                </a:solidFill>
+              </a:rPr>
+              <a:t> </a:t>
+            </a:r>
+            <a:r>
+              <a:rPr lang="ru-RU" dirty="0" err="1">
+                <a:solidFill>
+                  <a:srgbClr val="0000CC"/>
+                </a:solidFill>
+              </a:rPr>
+              <a:t>решту</a:t>
+            </a:r>
+            <a:r>
+              <a:rPr lang="ru-RU" dirty="0">
+                <a:solidFill>
+                  <a:srgbClr val="0000CC"/>
+                </a:solidFill>
+              </a:rPr>
+              <a:t> </a:t>
+            </a:r>
+            <a:r>
+              <a:rPr lang="ru-RU" dirty="0" err="1" smtClean="0">
+                <a:solidFill>
+                  <a:srgbClr val="0000CC"/>
+                </a:solidFill>
+              </a:rPr>
+              <a:t>частки</a:t>
+            </a:r>
+            <a:r>
+              <a:rPr lang="ru-RU" dirty="0" smtClean="0">
+                <a:solidFill>
+                  <a:srgbClr val="0000CC"/>
+                </a:solidFill>
+              </a:rPr>
+              <a:t>. </a:t>
+            </a:r>
+            <a:r>
+              <a:rPr lang="ru-RU" dirty="0" err="1">
+                <a:solidFill>
+                  <a:srgbClr val="0000CC"/>
+                </a:solidFill>
+              </a:rPr>
+              <a:t>Зупиняємося</a:t>
+            </a:r>
+            <a:r>
+              <a:rPr lang="ru-RU" dirty="0">
+                <a:solidFill>
+                  <a:srgbClr val="0000CC"/>
+                </a:solidFill>
+              </a:rPr>
+              <a:t>, коли порядок </a:t>
+            </a:r>
+            <a:r>
+              <a:rPr lang="ru-RU" dirty="0" err="1">
+                <a:solidFill>
+                  <a:srgbClr val="0000CC"/>
+                </a:solidFill>
+              </a:rPr>
+              <a:t>дільника</a:t>
+            </a:r>
+            <a:r>
+              <a:rPr lang="ru-RU" dirty="0">
+                <a:solidFill>
+                  <a:srgbClr val="0000CC"/>
+                </a:solidFill>
+              </a:rPr>
+              <a:t> </a:t>
+            </a:r>
+            <a:r>
+              <a:rPr lang="ru-RU" dirty="0" err="1">
+                <a:solidFill>
+                  <a:srgbClr val="0000CC"/>
+                </a:solidFill>
+              </a:rPr>
+              <a:t>перевищить</a:t>
+            </a:r>
+            <a:r>
+              <a:rPr lang="ru-RU" dirty="0">
+                <a:solidFill>
+                  <a:srgbClr val="0000CC"/>
+                </a:solidFill>
+              </a:rPr>
+              <a:t> порядок </a:t>
+            </a:r>
+            <a:r>
+              <a:rPr lang="ru-RU" dirty="0" err="1">
+                <a:solidFill>
+                  <a:srgbClr val="0000CC"/>
+                </a:solidFill>
+              </a:rPr>
+              <a:t>ділимо</a:t>
+            </a:r>
+            <a:r>
+              <a:rPr lang="ru-RU" dirty="0">
+                <a:solidFill>
+                  <a:srgbClr val="0000CC"/>
+                </a:solidFill>
+              </a:rPr>
+              <a:t>, і </a:t>
+            </a:r>
+            <a:r>
+              <a:rPr lang="ru-RU" dirty="0" err="1">
+                <a:solidFill>
+                  <a:srgbClr val="0000CC"/>
+                </a:solidFill>
+              </a:rPr>
+              <a:t>оголошуємо</a:t>
+            </a:r>
+            <a:r>
+              <a:rPr lang="ru-RU" dirty="0">
+                <a:solidFill>
+                  <a:srgbClr val="0000CC"/>
+                </a:solidFill>
+              </a:rPr>
+              <a:t> </a:t>
+            </a:r>
+            <a:r>
+              <a:rPr lang="ru-RU" dirty="0" err="1">
+                <a:solidFill>
+                  <a:srgbClr val="0000CC"/>
+                </a:solidFill>
+              </a:rPr>
+              <a:t>залишком</a:t>
+            </a:r>
+            <a:r>
+              <a:rPr lang="ru-RU" dirty="0">
+                <a:solidFill>
+                  <a:srgbClr val="0000CC"/>
+                </a:solidFill>
+              </a:rPr>
+              <a:t> </a:t>
+            </a:r>
+            <a:r>
+              <a:rPr lang="ru-RU" dirty="0" smtClean="0">
+                <a:solidFill>
+                  <a:srgbClr val="0000CC"/>
+                </a:solidFill>
+              </a:rPr>
+              <a:t>те, </a:t>
+            </a:r>
+            <a:r>
+              <a:rPr lang="ru-RU" dirty="0" err="1">
+                <a:solidFill>
+                  <a:srgbClr val="0000CC"/>
+                </a:solidFill>
+              </a:rPr>
+              <a:t>що</a:t>
+            </a:r>
+            <a:r>
+              <a:rPr lang="ru-RU" dirty="0">
+                <a:solidFill>
+                  <a:srgbClr val="0000CC"/>
+                </a:solidFill>
+              </a:rPr>
+              <a:t> </a:t>
+            </a:r>
+            <a:r>
+              <a:rPr lang="ru-RU" dirty="0" err="1">
+                <a:solidFill>
+                  <a:srgbClr val="0000CC"/>
+                </a:solidFill>
+              </a:rPr>
+              <a:t>тоді</a:t>
+            </a:r>
+            <a:r>
+              <a:rPr lang="ru-RU" dirty="0">
+                <a:solidFill>
+                  <a:srgbClr val="0000CC"/>
+                </a:solidFill>
+              </a:rPr>
+              <a:t> буде </a:t>
+            </a:r>
+            <a:r>
+              <a:rPr lang="ru-RU" dirty="0" err="1">
+                <a:solidFill>
+                  <a:srgbClr val="0000CC"/>
+                </a:solidFill>
+              </a:rPr>
+              <a:t>називатися</a:t>
+            </a:r>
+            <a:r>
+              <a:rPr lang="ru-RU" dirty="0">
+                <a:solidFill>
+                  <a:srgbClr val="0000CC"/>
+                </a:solidFill>
+              </a:rPr>
+              <a:t> </a:t>
+            </a:r>
+            <a:r>
+              <a:rPr lang="ru-RU" dirty="0" err="1">
+                <a:solidFill>
+                  <a:srgbClr val="0000CC"/>
+                </a:solidFill>
+              </a:rPr>
+              <a:t>діленим</a:t>
+            </a:r>
+            <a:r>
+              <a:rPr lang="ru-RU" dirty="0">
+                <a:solidFill>
+                  <a:srgbClr val="0000CC"/>
+                </a:solidFill>
+              </a:rPr>
+              <a:t>. </a:t>
+            </a:r>
+            <a:r>
+              <a:rPr lang="ru-RU" dirty="0" err="1">
+                <a:solidFill>
+                  <a:srgbClr val="0000CC"/>
+                </a:solidFill>
+              </a:rPr>
+              <a:t>Крім</a:t>
+            </a:r>
+            <a:r>
+              <a:rPr lang="ru-RU" dirty="0">
+                <a:solidFill>
+                  <a:srgbClr val="0000CC"/>
+                </a:solidFill>
+              </a:rPr>
+              <a:t> того, </a:t>
+            </a:r>
+            <a:r>
+              <a:rPr lang="ru-RU" dirty="0" err="1">
+                <a:solidFill>
+                  <a:srgbClr val="0000CC"/>
+                </a:solidFill>
+              </a:rPr>
+              <a:t>якщо</a:t>
+            </a:r>
+            <a:r>
+              <a:rPr lang="ru-RU" dirty="0">
+                <a:solidFill>
+                  <a:srgbClr val="0000CC"/>
+                </a:solidFill>
+              </a:rPr>
+              <a:t> коли-</a:t>
+            </a:r>
+            <a:r>
+              <a:rPr lang="ru-RU" dirty="0" err="1">
+                <a:solidFill>
+                  <a:srgbClr val="0000CC"/>
+                </a:solidFill>
+              </a:rPr>
+              <a:t>небудь</a:t>
+            </a:r>
+            <a:r>
+              <a:rPr lang="ru-RU" dirty="0">
+                <a:solidFill>
+                  <a:srgbClr val="0000CC"/>
+                </a:solidFill>
+              </a:rPr>
+              <a:t> </a:t>
+            </a:r>
+            <a:r>
+              <a:rPr lang="ru-RU" dirty="0" err="1">
+                <a:solidFill>
+                  <a:srgbClr val="0000CC"/>
+                </a:solidFill>
+              </a:rPr>
+              <a:t>ділене</a:t>
+            </a:r>
+            <a:r>
+              <a:rPr lang="ru-RU" dirty="0">
+                <a:solidFill>
+                  <a:srgbClr val="0000CC"/>
+                </a:solidFill>
+              </a:rPr>
+              <a:t> </a:t>
+            </a:r>
+            <a:r>
+              <a:rPr lang="ru-RU" dirty="0" err="1">
+                <a:solidFill>
+                  <a:srgbClr val="0000CC"/>
+                </a:solidFill>
+              </a:rPr>
+              <a:t>виявиться</a:t>
+            </a:r>
+            <a:r>
+              <a:rPr lang="ru-RU" dirty="0">
+                <a:solidFill>
+                  <a:srgbClr val="0000CC"/>
+                </a:solidFill>
+              </a:rPr>
+              <a:t> нулем, </a:t>
+            </a:r>
+            <a:r>
+              <a:rPr lang="ru-RU" dirty="0" err="1">
+                <a:solidFill>
+                  <a:srgbClr val="0000CC"/>
+                </a:solidFill>
+              </a:rPr>
+              <a:t>повертаємо</a:t>
+            </a:r>
+            <a:r>
+              <a:rPr lang="ru-RU" dirty="0">
+                <a:solidFill>
+                  <a:srgbClr val="0000CC"/>
+                </a:solidFill>
+              </a:rPr>
+              <a:t> нуль як і </a:t>
+            </a:r>
+            <a:r>
+              <a:rPr lang="ru-RU" dirty="0" err="1" smtClean="0">
+                <a:solidFill>
+                  <a:srgbClr val="0000CC"/>
+                </a:solidFill>
+              </a:rPr>
+              <a:t>частку</a:t>
+            </a:r>
+            <a:r>
+              <a:rPr lang="ru-RU" dirty="0" smtClean="0">
+                <a:solidFill>
+                  <a:srgbClr val="0000CC"/>
+                </a:solidFill>
+              </a:rPr>
               <a:t>, </a:t>
             </a:r>
             <a:r>
+              <a:rPr lang="ru-RU" dirty="0">
+                <a:solidFill>
+                  <a:srgbClr val="0000CC"/>
+                </a:solidFill>
+              </a:rPr>
+              <a:t>і </a:t>
+            </a:r>
+            <a:r>
               <a:rPr lang="ru-RU" dirty="0" err="1" smtClean="0">
                 <a:solidFill>
                   <a:srgbClr val="0000CC"/>
                 </a:solidFill>
               </a:rPr>
-              <a:t>мають</a:t>
+              <a:t>залишок</a:t>
             </a:r>
             <a:r>
               <a:rPr lang="ru-RU" dirty="0" smtClean="0">
@@ -11705,6 +12512,22 @@
                   <a:srgbClr val="0000CC"/>
                 </a:solidFill>
               </a:rPr>
+              <a:t>. </a:t>
+            </a:r>
+            <a:r>
+              <a:rPr lang="ru-RU" dirty="0" err="1" smtClean="0">
+                <a:solidFill>
+                  <a:srgbClr val="0000CC"/>
+                </a:solidFill>
+              </a:rPr>
+              <a:t>Розробити</a:t>
+            </a:r>
+            <a:r>
+              <a:rPr lang="ru-RU" dirty="0" smtClean="0">
+                <a:solidFill>
+                  <a:srgbClr val="0000CC"/>
+                </a:solidFill>
+              </a:rPr>
               <a:t> </a:t>
             </a:r>
             <a:r>
@@ -11713,7 +12536,15 @@
                   <a:srgbClr val="0000CC"/>
                 </a:solidFill>
               </a:rPr>
-              <a:t>одну </a:t>
+              <a:t>процедуру </a:t>
+            </a:r>
+            <a:r>
+              <a:rPr lang="ru-RU" dirty="0" err="1" smtClean="0">
+                <a:solidFill>
+                  <a:srgbClr val="0000CC"/>
+                </a:solidFill>
+              </a:rPr>
+              <a:t>ділення</a:t>
             </a:r>
             <a:r>
               <a:rPr lang="ru-RU" dirty="0" smtClean="0">
@@ -11721,23 +12552,7 @@
                   <a:srgbClr val="0000CC"/>
                 </a:solidFill>
               </a:rPr>
-              <a:t>й </a:t>
-            </a:r>
-            <a:r>
-              <a:rPr lang="ru-RU" dirty="0">
-                <a:solidFill>
-                  <a:srgbClr val="0000CC"/>
-                </a:solidFill>
-              </a:rPr>
-              <a:t>ту </a:t>
-            </a:r>
-            <a:r>
-              <a:rPr lang="ru-RU" dirty="0" smtClean="0">
-                <a:solidFill>
-                  <a:srgbClr val="0000CC"/>
-                </a:solidFill>
-              </a:rPr>
-              <a:t>саму </a:t>
+              <a:t> </a:t>
             </a:r>
             <a:r>
               <a:rPr lang="ru-RU" dirty="0" err="1" smtClean="0">
@@ -11745,87 +12560,7 @@
                   <a:srgbClr val="0000CC"/>
                 </a:solidFill>
               </a:rPr>
-              <a:t>змінну</a:t>
-            </a:r>
-            <a:r>
-              <a:rPr lang="ru-RU" dirty="0" smtClean="0">
-                <a:solidFill>
-                  <a:srgbClr val="0000CC"/>
-                </a:solidFill>
-              </a:rPr>
-              <a:t>. </a:t>
-            </a:r>
-            <a:r>
-              <a:rPr lang="uk-UA" dirty="0" smtClean="0">
-                <a:solidFill>
-                  <a:srgbClr val="0000CC"/>
-                </a:solidFill>
-              </a:rPr>
-              <a:t>Написати процедуру, яка визначає додавання многочленів, використовуючи узагальнену арифметику</a:t>
-            </a:r>
-            <a:r>
-              <a:rPr lang="uk-UA" dirty="0">
-                <a:solidFill>
-                  <a:srgbClr val="0000CC"/>
-                </a:solidFill>
-              </a:rPr>
-              <a:t>. Додавання многочленів відбувається по </a:t>
-            </a:r>
-            <a:r>
-              <a:rPr lang="uk-UA" dirty="0" smtClean="0">
-                <a:solidFill>
-                  <a:srgbClr val="0000CC"/>
-                </a:solidFill>
-              </a:rPr>
-              <a:t>термах. При </a:t>
-            </a:r>
-            <a:r>
-              <a:rPr lang="uk-UA" dirty="0">
-                <a:solidFill>
-                  <a:srgbClr val="0000CC"/>
-                </a:solidFill>
-              </a:rPr>
-              <a:t>цьому породжується новий терм </a:t>
-            </a:r>
-            <a:r>
-              <a:rPr lang="uk-UA" dirty="0" smtClean="0">
-                <a:solidFill>
-                  <a:srgbClr val="0000CC"/>
-                </a:solidFill>
-              </a:rPr>
-              <a:t>того самого </a:t>
-            </a:r>
-            <a:r>
-              <a:rPr lang="uk-UA" dirty="0">
-                <a:solidFill>
-                  <a:srgbClr val="0000CC"/>
-                </a:solidFill>
-              </a:rPr>
-              <a:t>порядку, в якому коефіцієнт є сумою коефіцієнтів доданків. Терми одного доданка, для яких </a:t>
-            </a:r>
-            <a:r>
-              <a:rPr lang="uk-UA" dirty="0" smtClean="0">
-                <a:solidFill>
-                  <a:srgbClr val="0000CC"/>
-                </a:solidFill>
-              </a:rPr>
-              <a:t>немає відповідності в іншому, </a:t>
-            </a:r>
-            <a:r>
-              <a:rPr lang="uk-UA" dirty="0">
-                <a:solidFill>
-                  <a:srgbClr val="0000CC"/>
-                </a:solidFill>
-              </a:rPr>
-              <a:t>просто додаються до </a:t>
-            </a:r>
-            <a:r>
-              <a:rPr lang="uk-UA" dirty="0" smtClean="0">
-                <a:solidFill>
-                  <a:srgbClr val="0000CC"/>
-                </a:solidFill>
-              </a:rPr>
-              <a:t>породжуваного многочлену-сумі.</a:t>
+              <a:t>многочленів</a:t>
             </a:r>
             <a:endParaRPr lang="uk-UA" dirty="0">
               <a:solidFill>
@@ -11843,8 +12578,8 @@
         </p:nvSpPr>
         <p:spPr>
           <a:xfrm>
-            <a:off x="28576" y="3706920"/>
-            <a:ext cx="9172576" cy="2308324"/>
+            <a:off x="28576" y="4890170"/>
+            <a:ext cx="9172576" cy="646331"/>
           </a:xfrm>
           <a:prstGeom prst="rect">
             <a:avLst/>
@@ -11878,7 +12613,7 @@
                   <a:srgbClr val="C00000"/>
                 </a:solidFill>
               </a:rPr>
-              <a:t>5</a:t>
+              <a:t>8</a:t>
             </a:r>
             <a:r>
               <a:rPr lang="uk-UA" dirty="0" smtClean="0">
@@ -11886,15 +12621,15 @@
                   <a:srgbClr val="C00000"/>
                 </a:solidFill>
               </a:rPr>
-              <a:t>. </a:t>
-            </a:r>
-            <a:r>
-              <a:rPr lang="uk-UA" dirty="0">
+              <a:t>. Нехай</a:t>
+            </a:r>
+            <a:r>
+              <a:rPr lang="ru-RU" dirty="0" smtClean="0">
                 <a:solidFill>
                   <a:srgbClr val="C00000"/>
                 </a:solidFill>
               </a:rPr>
-              <a:t>Многочлен є сумою термів, кожен з яких представляє собою коефіцієнт або змінну, що піднесена у степінь, або добуток першого і другого. </a:t>
+              <a:t> </a:t>
             </a:r>
             <a:r>
               <a:rPr lang="ru-RU" dirty="0">
@@ -11902,15 +12637,23 @@
                   <a:srgbClr val="C00000"/>
                 </a:solidFill>
               </a:rPr>
-              <a:t>Два многочлена, над </a:t>
-            </a:r>
-            <a:r>
-              <a:rPr lang="ru-RU" dirty="0" err="1">
+              <a:t>P1, P2 и P3 – </a:t>
+            </a:r>
+            <a:r>
+              <a:rPr lang="ru-RU" dirty="0" err="1" smtClean="0">
                 <a:solidFill>
                   <a:srgbClr val="C00000"/>
                 </a:solidFill>
               </a:rPr>
-              <a:t>якими</a:t>
+              <a:t>многочлени</a:t>
+            </a:r>
+            <a:r>
+              <a:rPr lang="ru-RU" dirty="0" smtClean="0">
+                <a:solidFill>
+                  <a:srgbClr val="C00000"/>
+                </a:solidFill>
+              </a:rPr>
+              <a:t>. Нехай </a:t>
             </a:r>
             <a:r>
               <a:rPr lang="ru-RU" dirty="0">
@@ -11918,15 +12661,55 @@
                   <a:srgbClr val="C00000"/>
                 </a:solidFill>
               </a:rPr>
+              <a:t>Q1 </a:t>
+            </a:r>
+            <a:r>
+              <a:rPr lang="ru-RU" dirty="0" smtClean="0">
+                <a:solidFill>
+                  <a:srgbClr val="C00000"/>
+                </a:solidFill>
+              </a:rPr>
+              <a:t>є </a:t>
+            </a:r>
+            <a:r>
+              <a:rPr lang="ru-RU" dirty="0" err="1" smtClean="0">
+                <a:solidFill>
+                  <a:srgbClr val="C00000"/>
+                </a:solidFill>
+              </a:rPr>
+              <a:t>добутком</a:t>
+            </a:r>
+            <a:r>
+              <a:rPr lang="ru-RU" dirty="0" smtClean="0">
+                <a:solidFill>
+                  <a:srgbClr val="C00000"/>
+                </a:solidFill>
+              </a:rPr>
               <a:t> </a:t>
             </a:r>
             <a:r>
-              <a:rPr lang="ru-RU" dirty="0" err="1">
+              <a:rPr lang="ru-RU" dirty="0">
                 <a:solidFill>
                   <a:srgbClr val="C00000"/>
                 </a:solidFill>
               </a:rPr>
-              <a:t>здійснюються</a:t>
+              <a:t>P1 и P2, а Q2 </a:t>
+            </a:r>
+            <a:r>
+              <a:rPr lang="ru-RU" dirty="0" err="1" smtClean="0">
+                <a:solidFill>
+                  <a:srgbClr val="C00000"/>
+                </a:solidFill>
+              </a:rPr>
+              <a:t>добутком</a:t>
+            </a:r>
+            <a:r>
+              <a:rPr lang="ru-RU" dirty="0" smtClean="0">
+                <a:solidFill>
+                  <a:srgbClr val="C00000"/>
+                </a:solidFill>
+              </a:rPr>
+              <a:t> P1 </a:t>
             </a:r>
             <a:r>
               <a:rPr lang="ru-RU" dirty="0">
@@ -11934,6 +12717,38 @@
                   <a:srgbClr val="C00000"/>
                 </a:solidFill>
               </a:rPr>
+              <a:t>и P3.  </a:t>
+            </a:r>
+            <a:r>
+              <a:rPr lang="ru-RU" dirty="0" err="1" smtClean="0">
+                <a:solidFill>
+                  <a:srgbClr val="C00000"/>
+                </a:solidFill>
+              </a:rPr>
+              <a:t>Напишіть</a:t>
+            </a:r>
+            <a:r>
+              <a:rPr lang="ru-RU" dirty="0" smtClean="0">
+                <a:solidFill>
+                  <a:srgbClr val="C00000"/>
+                </a:solidFill>
+              </a:rPr>
+              <a:t> процедуру, </a:t>
+            </a:r>
+            <a:r>
+              <a:rPr lang="ru-RU" dirty="0" err="1" smtClean="0">
+                <a:solidFill>
+                  <a:srgbClr val="C00000"/>
+                </a:solidFill>
+              </a:rPr>
+              <a:t>що</a:t>
+            </a:r>
+            <a:r>
+              <a:rPr lang="ru-RU" dirty="0" smtClean="0">
+                <a:solidFill>
+                  <a:srgbClr val="C00000"/>
+                </a:solidFill>
+              </a:rPr>
               <a:t> </a:t>
             </a:r>
             <a:r>
@@ -11942,7 +12757,7 @@
                   <a:srgbClr val="C00000"/>
                 </a:solidFill>
               </a:rPr>
-              <a:t>операції</a:t>
+              <a:t>обчислює</a:t>
             </a:r>
             <a:r>
               <a:rPr lang="ru-RU" dirty="0" smtClean="0">
@@ -11950,15 +12765,55 @@
                   <a:srgbClr val="C00000"/>
                 </a:solidFill>
               </a:rPr>
-              <a:t>, </a:t>
-            </a:r>
-            <a:r>
-              <a:rPr lang="ru-RU" dirty="0" err="1">
+              <a:t> </a:t>
+            </a:r>
+            <a:r>
+              <a:rPr lang="ru-RU" dirty="0" err="1" smtClean="0">
                 <a:solidFill>
                   <a:srgbClr val="C00000"/>
                 </a:solidFill>
               </a:rPr>
-              <a:t>мають</a:t>
+              <a:t>найменший</a:t>
+            </a:r>
+            <a:r>
+              <a:rPr lang="ru-RU" dirty="0" smtClean="0">
+                <a:solidFill>
+                  <a:srgbClr val="C00000"/>
+                </a:solidFill>
+              </a:rPr>
+              <a:t> </a:t>
+            </a:r>
+            <a:r>
+              <a:rPr lang="ru-RU" dirty="0" err="1" smtClean="0">
+                <a:solidFill>
+                  <a:srgbClr val="C00000"/>
+                </a:solidFill>
+              </a:rPr>
+              <a:t>загальний</a:t>
+            </a:r>
+            <a:r>
+              <a:rPr lang="ru-RU" dirty="0" smtClean="0">
+                <a:solidFill>
+                  <a:srgbClr val="C00000"/>
+                </a:solidFill>
+              </a:rPr>
+              <a:t> </a:t>
+            </a:r>
+            <a:r>
+              <a:rPr lang="ru-RU" dirty="0" err="1" smtClean="0">
+                <a:solidFill>
+                  <a:srgbClr val="C00000"/>
+                </a:solidFill>
+              </a:rPr>
+              <a:t>дільник</a:t>
+            </a:r>
+            <a:r>
+              <a:rPr lang="ru-RU" dirty="0" smtClean="0">
+                <a:solidFill>
+                  <a:srgbClr val="C00000"/>
+                </a:solidFill>
+              </a:rPr>
+              <a:t> (НОД) </a:t>
             </a:r>
             <a:r>
               <a:rPr lang="ru-RU" dirty="0">
@@ -11966,55 +12821,7 @@
                   <a:srgbClr val="C00000"/>
                 </a:solidFill>
               </a:rPr>
-              <a:t> одну й ту саму </a:t>
-            </a:r>
-            <a:r>
-              <a:rPr lang="ru-RU" dirty="0" err="1">
-                <a:solidFill>
-                  <a:srgbClr val="C00000"/>
-                </a:solidFill>
-              </a:rPr>
-              <a:t>змінну</a:t>
-            </a:r>
-            <a:r>
-              <a:rPr lang="ru-RU" dirty="0">
-                <a:solidFill>
-                  <a:srgbClr val="C00000"/>
-                </a:solidFill>
-              </a:rPr>
-              <a:t>. </a:t>
-            </a:r>
-            <a:r>
-              <a:rPr lang="uk-UA" dirty="0">
-                <a:solidFill>
-                  <a:srgbClr val="C00000"/>
-                </a:solidFill>
-              </a:rPr>
-              <a:t>Написати процедуру, яка визначає </a:t>
-            </a:r>
-            <a:r>
-              <a:rPr lang="uk-UA" dirty="0" smtClean="0">
-                <a:solidFill>
-                  <a:srgbClr val="C00000"/>
-                </a:solidFill>
-              </a:rPr>
-              <a:t>множення многочленів</a:t>
-            </a:r>
-            <a:r>
-              <a:rPr lang="uk-UA" dirty="0">
-                <a:solidFill>
-                  <a:srgbClr val="C00000"/>
-                </a:solidFill>
-              </a:rPr>
-              <a:t>, використовуючи узагальнену арифметику. Щоб перемножити два списки термів, треба кожен терм з першого списку помножити на всі терми другого. Утворені списки термів накопичуються і утворюють суму. Множення двох термів дає терм, порядок якого дорівнює сумі порядків множників, а коефіцієнт дорівнює добутку коефіцієнтів </a:t>
-            </a:r>
-            <a:r>
-              <a:rPr lang="uk-UA" dirty="0" smtClean="0">
-                <a:solidFill>
-                  <a:srgbClr val="C00000"/>
-                </a:solidFill>
-              </a:rPr>
-              <a:t>множників. </a:t>
+              <a:t>Q1 и Q2</a:t>
             </a:r>
             <a:endParaRPr lang="uk-UA" dirty="0">
               <a:solidFill>
@@ -12027,7 +12834,7 @@
     </p:spTree>
     <p:extLst>
       <p:ext uri="{BB962C8B-B14F-4D97-AF65-F5344CB8AC3E}">
-        <p14:creationId xmlns:p14="http://schemas.microsoft.com/office/powerpoint/2010/main" val="3410565849"/>
+        <p14:creationId xmlns:p14="http://schemas.microsoft.com/office/powerpoint/2010/main" val="1461442976"/>
       </p:ext>
     </p:extLst>
   </p:cSld>
@@ -12071,1600 +12878,6 @@
       </p:grpSpPr>
       <p:sp>
         <p:nvSpPr>
-          <p:cNvPr id="2" name="TextBox 1"/>
-          <p:cNvSpPr txBox="1"/>
-          <p:nvPr/>
-        </p:nvSpPr>
-        <p:spPr>
-          <a:xfrm>
-            <a:off x="28576" y="-50115"/>
-            <a:ext cx="9115423" cy="867930"/>
-          </a:xfrm>
-          <a:prstGeom prst="rect">
-            <a:avLst/>
-          </a:prstGeom>
-          <a:noFill/>
-        </p:spPr>
-        <p:txBody>
-          <a:bodyPr wrap="square" rtlCol="0">
-            <a:spAutoFit/>
-          </a:bodyPr>
-          <a:lstStyle/>
-          <a:p>
-            <a:pPr algn="ctr">
-              <a:lnSpc>
-                <a:spcPct val="90000"/>
-              </a:lnSpc>
-            </a:pPr>
-            <a:r>
-              <a:rPr lang="ru-RU" sz="2800" b="1" dirty="0" err="1" smtClean="0"/>
-              <a:t>Лабораторна</a:t>
-            </a:r>
-            <a:r>
-              <a:rPr lang="ru-RU" sz="2800" b="1" dirty="0" smtClean="0"/>
-              <a:t> робота 5. </a:t>
-            </a:r>
-            <a:r>
-              <a:rPr lang="uk-UA" sz="2800" b="1" dirty="0" smtClean="0"/>
-              <a:t>Символьні дані, множини, узагальнені арифметичні операції</a:t>
-            </a:r>
-            <a:endParaRPr lang="uk-UA" sz="2800" b="1" dirty="0"/>
-          </a:p>
-        </p:txBody>
-      </p:sp>
-      <p:sp>
-        <p:nvSpPr>
-          <p:cNvPr id="3" name="Rectangle 3"/>
-          <p:cNvSpPr>
-            <a:spLocks noChangeArrowheads="1"/>
-          </p:cNvSpPr>
-          <p:nvPr/>
-        </p:nvSpPr>
-        <p:spPr bwMode="auto">
-          <a:xfrm>
-            <a:off x="114302" y="1052487"/>
-            <a:ext cx="9086850" cy="1015663"/>
-          </a:xfrm>
-          <a:prstGeom prst="rect">
-            <a:avLst/>
-          </a:prstGeom>
-          <a:noFill/>
-          <a:ln>
-            <a:noFill/>
-          </a:ln>
-          <a:effectLst/>
-          <a:extLst>
-            <a:ext uri="{909E8E84-426E-40DD-AFC4-6F175D3DCCD1}">
-              <a14:hiddenFill xmlns:a14="http://schemas.microsoft.com/office/drawing/2010/main">
-                <a:solidFill>
-                  <a:schemeClr val="accent1"/>
-                </a:solidFill>
-              </a14:hiddenFill>
-            </a:ext>
-            <a:ext uri="{91240B29-F687-4F45-9708-019B960494DF}">
-              <a14:hiddenLine xmlns:a14="http://schemas.microsoft.com/office/drawing/2010/main" w="9525">
-                <a:solidFill>
-                  <a:schemeClr val="tx1"/>
-                </a:solidFill>
-                <a:miter lim="800000"/>
-                <a:headEnd/>
-                <a:tailEnd/>
-              </a14:hiddenLine>
-            </a:ext>
-            <a:ext uri="{AF507438-7753-43E0-B8FC-AC1667EBCBE1}">
-              <a14:hiddenEffects xmlns:a14="http://schemas.microsoft.com/office/drawing/2010/main">
-                <a:effectLst>
-                  <a:outerShdw dist="35921" dir="2700000" algn="ctr" rotWithShape="0">
-                    <a:schemeClr val="bg2"/>
-                  </a:outerShdw>
-                </a:effectLst>
-              </a14:hiddenEffects>
-            </a:ext>
-          </a:extLst>
-        </p:spPr>
-        <p:txBody>
-          <a:bodyPr vert="horz" wrap="square" lIns="91440" tIns="45720" rIns="91440" bIns="45720" numCol="1" anchor="ctr" anchorCtr="0" compatLnSpc="1">
-            <a:prstTxWarp prst="textNoShape">
-              <a:avLst/>
-            </a:prstTxWarp>
-            <a:spAutoFit/>
-          </a:bodyPr>
-          <a:lstStyle/>
-          <a:p>
-            <a:pPr algn="ctr"/>
-            <a:r>
-              <a:rPr kumimoji="0" lang="ru-RU" altLang="ru-RU" sz="2000" b="1" i="0" u="none" strike="noStrike" cap="none" normalizeH="0" baseline="0" dirty="0" err="1" smtClean="0">
-                <a:ln>
-                  <a:noFill/>
-                </a:ln>
-                <a:effectLst/>
-                <a:ea typeface="Times New Roman" pitchFamily="18" charset="0"/>
-                <a:cs typeface="Arial" pitchFamily="34" charset="0"/>
-              </a:rPr>
-              <a:t>Завдання</a:t>
-            </a:r>
-            <a:r>
-              <a:rPr kumimoji="0" lang="ru-RU" altLang="ru-RU" sz="2000" b="1" i="0" u="none" strike="noStrike" cap="none" normalizeH="0" baseline="0" dirty="0" smtClean="0">
-                <a:ln>
-                  <a:noFill/>
-                </a:ln>
-                <a:effectLst/>
-                <a:ea typeface="Times New Roman" pitchFamily="18" charset="0"/>
-                <a:cs typeface="Arial" pitchFamily="34" charset="0"/>
-              </a:rPr>
-              <a:t>: </a:t>
-            </a:r>
-            <a:r>
-              <a:rPr kumimoji="0" lang="ru-RU" altLang="ru-RU" sz="2000" b="1" i="0" u="none" strike="noStrike" cap="none" normalizeH="0" baseline="0" dirty="0" err="1" smtClean="0">
-                <a:ln>
-                  <a:noFill/>
-                </a:ln>
-                <a:effectLst/>
-                <a:ea typeface="Times New Roman" pitchFamily="18" charset="0"/>
-                <a:cs typeface="Arial" pitchFamily="34" charset="0"/>
-              </a:rPr>
-              <a:t>написати</a:t>
-            </a:r>
-            <a:r>
-              <a:rPr kumimoji="0" lang="ru-RU" altLang="ru-RU" sz="2000" b="1" i="0" u="none" strike="noStrike" cap="none" normalizeH="0" baseline="0" dirty="0" smtClean="0">
-                <a:ln>
-                  <a:noFill/>
-                </a:ln>
-                <a:effectLst/>
-                <a:ea typeface="Times New Roman" pitchFamily="18" charset="0"/>
-                <a:cs typeface="Arial" pitchFamily="34" charset="0"/>
-              </a:rPr>
-              <a:t> </a:t>
-            </a:r>
-            <a:r>
-              <a:rPr kumimoji="0" lang="ru-RU" altLang="ru-RU" sz="2000" b="1" i="0" u="none" strike="noStrike" cap="none" normalizeH="0" baseline="0" dirty="0" err="1" smtClean="0">
-                <a:ln>
-                  <a:noFill/>
-                </a:ln>
-                <a:effectLst/>
-                <a:ea typeface="Times New Roman" pitchFamily="18" charset="0"/>
-                <a:cs typeface="Arial" pitchFamily="34" charset="0"/>
-              </a:rPr>
-              <a:t>процедури</a:t>
-            </a:r>
-            <a:r>
-              <a:rPr lang="ru-RU" sz="2000" b="1" dirty="0" smtClean="0"/>
-              <a:t>, </a:t>
-            </a:r>
-            <a:r>
-              <a:rPr lang="ru-RU" sz="2000" b="1" dirty="0" err="1" smtClean="0"/>
-              <a:t>що</a:t>
-            </a:r>
-            <a:r>
-              <a:rPr lang="ru-RU" sz="2000" b="1" dirty="0" smtClean="0"/>
-              <a:t> </a:t>
-            </a:r>
-            <a:r>
-              <a:rPr lang="ru-RU" sz="2000" b="1" dirty="0" err="1" smtClean="0"/>
-              <a:t>здійснюють</a:t>
-            </a:r>
-            <a:r>
-              <a:rPr lang="ru-RU" sz="2000" b="1" dirty="0" smtClean="0"/>
-              <a:t> </a:t>
-            </a:r>
-            <a:r>
-              <a:rPr lang="ru-RU" sz="2000" b="1" dirty="0" err="1" smtClean="0"/>
-              <a:t>операції</a:t>
-            </a:r>
-            <a:r>
-              <a:rPr lang="ru-RU" sz="2000" b="1" dirty="0" smtClean="0"/>
-              <a:t> над </a:t>
-            </a:r>
-            <a:r>
-              <a:rPr lang="ru-RU" sz="2000" b="1" dirty="0" err="1" smtClean="0"/>
-              <a:t>символьними</a:t>
-            </a:r>
-            <a:r>
-              <a:rPr lang="ru-RU" sz="2000" b="1" dirty="0" smtClean="0"/>
-              <a:t> </a:t>
-            </a:r>
-            <a:r>
-              <a:rPr lang="ru-RU" sz="2000" b="1" dirty="0" err="1" smtClean="0"/>
-              <a:t>даними</a:t>
-            </a:r>
-            <a:r>
-              <a:rPr lang="ru-RU" sz="2000" b="1" dirty="0" smtClean="0"/>
-              <a:t>, </a:t>
-            </a:r>
-            <a:r>
-              <a:rPr lang="ru-RU" sz="2000" b="1" dirty="0" err="1" smtClean="0"/>
-              <a:t>множинами</a:t>
-            </a:r>
-            <a:r>
-              <a:rPr lang="ru-RU" sz="2000" b="1" dirty="0" smtClean="0"/>
-              <a:t> та </a:t>
-            </a:r>
-            <a:r>
-              <a:rPr lang="ru-RU" sz="2000" b="1" dirty="0" err="1" smtClean="0"/>
-              <a:t>узагальненими</a:t>
-            </a:r>
-            <a:r>
-              <a:rPr lang="ru-RU" sz="2000" b="1" dirty="0" smtClean="0"/>
-              <a:t> селекторами</a:t>
-            </a:r>
-          </a:p>
-          <a:p>
-            <a:pPr algn="ctr"/>
-            <a:r>
-              <a:rPr lang="en-US" sz="2000" b="1" dirty="0"/>
-              <a:t>(</a:t>
-            </a:r>
-            <a:r>
-              <a:rPr lang="uk-UA" sz="2000" b="1" dirty="0"/>
-              <a:t>можливо виконати в л.р.6</a:t>
-            </a:r>
-            <a:r>
-              <a:rPr lang="en-US" sz="2000" b="1" dirty="0" smtClean="0"/>
-              <a:t>)</a:t>
-            </a:r>
-            <a:endParaRPr kumimoji="0" lang="ru-RU" altLang="ru-RU" sz="2000" b="1" i="0" u="none" strike="noStrike" cap="none" normalizeH="0" baseline="0" dirty="0" smtClean="0">
-              <a:ln>
-                <a:noFill/>
-              </a:ln>
-              <a:effectLst/>
-              <a:cs typeface="Arial" pitchFamily="34" charset="0"/>
-            </a:endParaRPr>
-          </a:p>
-        </p:txBody>
-      </p:sp>
-      <p:sp>
-        <p:nvSpPr>
-          <p:cNvPr id="18" name="Rectangle 15"/>
-          <p:cNvSpPr>
-            <a:spLocks noChangeArrowheads="1"/>
-          </p:cNvSpPr>
-          <p:nvPr/>
-        </p:nvSpPr>
-        <p:spPr bwMode="auto">
-          <a:xfrm>
-            <a:off x="0" y="0"/>
-            <a:ext cx="9144000" cy="0"/>
-          </a:xfrm>
-          <a:prstGeom prst="rect">
-            <a:avLst/>
-          </a:prstGeom>
-          <a:noFill/>
-          <a:ln>
-            <a:noFill/>
-          </a:ln>
-          <a:effectLst/>
-          <a:extLst>
-            <a:ext uri="{909E8E84-426E-40DD-AFC4-6F175D3DCCD1}">
-              <a14:hiddenFill xmlns:a14="http://schemas.microsoft.com/office/drawing/2010/main">
-                <a:solidFill>
-                  <a:schemeClr val="accent1"/>
-                </a:solidFill>
-              </a14:hiddenFill>
-            </a:ext>
-            <a:ext uri="{91240B29-F687-4F45-9708-019B960494DF}">
-              <a14:hiddenLine xmlns:a14="http://schemas.microsoft.com/office/drawing/2010/main" w="9525">
-                <a:solidFill>
-                  <a:schemeClr val="tx1"/>
-                </a:solidFill>
-                <a:miter lim="800000"/>
-                <a:headEnd/>
-                <a:tailEnd/>
-              </a14:hiddenLine>
-            </a:ext>
-            <a:ext uri="{AF507438-7753-43E0-B8FC-AC1667EBCBE1}">
-              <a14:hiddenEffects xmlns:a14="http://schemas.microsoft.com/office/drawing/2010/main">
-                <a:effectLst>
-                  <a:outerShdw dist="35921" dir="2700000" algn="ctr" rotWithShape="0">
-                    <a:schemeClr val="bg2"/>
-                  </a:outerShdw>
-                </a:effectLst>
-              </a14:hiddenEffects>
-            </a:ext>
-          </a:extLst>
-        </p:spPr>
-        <p:txBody>
-          <a:bodyPr vert="horz" wrap="none" lIns="91440" tIns="45720" rIns="91440" bIns="45720" numCol="1" anchor="ctr" anchorCtr="0" compatLnSpc="1">
-            <a:prstTxWarp prst="textNoShape">
-              <a:avLst/>
-            </a:prstTxWarp>
-            <a:spAutoFit/>
-          </a:bodyPr>
-          <a:lstStyle/>
-          <a:p>
-            <a:endParaRPr lang="uk-UA"/>
-          </a:p>
-        </p:txBody>
-      </p:sp>
-      <p:sp>
-        <p:nvSpPr>
-          <p:cNvPr id="22" name="Rectangle 18"/>
-          <p:cNvSpPr>
-            <a:spLocks noChangeArrowheads="1"/>
-          </p:cNvSpPr>
-          <p:nvPr/>
-        </p:nvSpPr>
-        <p:spPr bwMode="auto">
-          <a:xfrm>
-            <a:off x="0" y="0"/>
-            <a:ext cx="9144000" cy="457200"/>
-          </a:xfrm>
-          <a:prstGeom prst="rect">
-            <a:avLst/>
-          </a:prstGeom>
-          <a:noFill/>
-          <a:ln>
-            <a:noFill/>
-          </a:ln>
-          <a:effectLst/>
-          <a:extLst>
-            <a:ext uri="{909E8E84-426E-40DD-AFC4-6F175D3DCCD1}">
-              <a14:hiddenFill xmlns:a14="http://schemas.microsoft.com/office/drawing/2010/main">
-                <a:solidFill>
-                  <a:schemeClr val="accent1"/>
-                </a:solidFill>
-              </a14:hiddenFill>
-            </a:ext>
-            <a:ext uri="{91240B29-F687-4F45-9708-019B960494DF}">
-              <a14:hiddenLine xmlns:a14="http://schemas.microsoft.com/office/drawing/2010/main" w="9525">
-                <a:solidFill>
-                  <a:schemeClr val="tx1"/>
-                </a:solidFill>
-                <a:miter lim="800000"/>
-                <a:headEnd/>
-                <a:tailEnd/>
-              </a14:hiddenLine>
-            </a:ext>
-            <a:ext uri="{AF507438-7753-43E0-B8FC-AC1667EBCBE1}">
-              <a14:hiddenEffects xmlns:a14="http://schemas.microsoft.com/office/drawing/2010/main">
-                <a:effectLst>
-                  <a:outerShdw dist="35921" dir="2700000" algn="ctr" rotWithShape="0">
-                    <a:schemeClr val="bg2"/>
-                  </a:outerShdw>
-                </a:effectLst>
-              </a14:hiddenEffects>
-            </a:ext>
-          </a:extLst>
-        </p:spPr>
-        <p:txBody>
-          <a:bodyPr vert="horz" wrap="none" lIns="91440" tIns="45720" rIns="91440" bIns="45720" numCol="1" anchor="ctr" anchorCtr="0" compatLnSpc="1">
-            <a:prstTxWarp prst="textNoShape">
-              <a:avLst/>
-            </a:prstTxWarp>
-            <a:spAutoFit/>
-          </a:bodyPr>
-          <a:lstStyle/>
-          <a:p>
-            <a:endParaRPr lang="uk-UA"/>
-          </a:p>
-        </p:txBody>
-      </p:sp>
-      <p:sp>
-        <p:nvSpPr>
-          <p:cNvPr id="4" name="Номер слайда 3"/>
-          <p:cNvSpPr>
-            <a:spLocks noGrp="1"/>
-          </p:cNvSpPr>
-          <p:nvPr>
-            <p:ph type="sldNum" sz="quarter" idx="12"/>
-          </p:nvPr>
-        </p:nvSpPr>
-        <p:spPr/>
-        <p:txBody>
-          <a:bodyPr/>
-          <a:lstStyle/>
-          <a:p>
-            <a:fld id="{54BDC68D-FF80-4D4E-BAF3-F6A29ED33A36}" type="slidenum">
-              <a:rPr lang="ru-RU" smtClean="0"/>
-              <a:pPr/>
-              <a:t>28</a:t>
-            </a:fld>
-            <a:endParaRPr lang="ru-RU"/>
-          </a:p>
-        </p:txBody>
-      </p:sp>
-      <p:sp>
-        <p:nvSpPr>
-          <p:cNvPr id="6" name="Прямоугольник 5"/>
-          <p:cNvSpPr/>
-          <p:nvPr/>
-        </p:nvSpPr>
-        <p:spPr>
-          <a:xfrm>
-            <a:off x="57152" y="2245228"/>
-            <a:ext cx="9144000" cy="2308324"/>
-          </a:xfrm>
-          <a:prstGeom prst="rect">
-            <a:avLst/>
-          </a:prstGeom>
-        </p:spPr>
-        <p:txBody>
-          <a:bodyPr wrap="square">
-            <a:spAutoFit/>
-          </a:bodyPr>
-          <a:lstStyle/>
-          <a:p>
-            <a:r>
-              <a:rPr lang="uk-UA" b="1" dirty="0">
-                <a:solidFill>
-                  <a:srgbClr val="0000CC"/>
-                </a:solidFill>
-              </a:rPr>
-              <a:t>Варіант </a:t>
-            </a:r>
-            <a:r>
-              <a:rPr lang="en-US" b="1" dirty="0" smtClean="0">
-                <a:solidFill>
-                  <a:srgbClr val="0000CC"/>
-                </a:solidFill>
-              </a:rPr>
-              <a:t>1</a:t>
-            </a:r>
-            <a:r>
-              <a:rPr lang="uk-UA" b="1" dirty="0" smtClean="0">
-                <a:solidFill>
-                  <a:srgbClr val="0000CC"/>
-                </a:solidFill>
-              </a:rPr>
-              <a:t>6</a:t>
-            </a:r>
-            <a:r>
-              <a:rPr lang="uk-UA" dirty="0" smtClean="0">
-                <a:solidFill>
-                  <a:srgbClr val="0000CC"/>
-                </a:solidFill>
-              </a:rPr>
-              <a:t>. </a:t>
-            </a:r>
-            <a:r>
-              <a:rPr lang="uk-UA" dirty="0" err="1" smtClean="0">
-                <a:solidFill>
-                  <a:srgbClr val="0000CC"/>
-                </a:solidFill>
-              </a:rPr>
-              <a:t>Много</a:t>
-            </a:r>
-            <a:r>
-              <a:rPr lang="ru-RU" dirty="0" smtClean="0">
-                <a:solidFill>
-                  <a:srgbClr val="0000CC"/>
-                </a:solidFill>
-              </a:rPr>
-              <a:t>члени </a:t>
-            </a:r>
-            <a:r>
-              <a:rPr lang="ru-RU" dirty="0">
-                <a:solidFill>
-                  <a:srgbClr val="0000CC"/>
-                </a:solidFill>
-              </a:rPr>
-              <a:t>з </a:t>
-            </a:r>
-            <a:r>
-              <a:rPr lang="ru-RU" dirty="0" err="1">
-                <a:solidFill>
-                  <a:srgbClr val="0000CC"/>
-                </a:solidFill>
-              </a:rPr>
-              <a:t>однією</a:t>
-            </a:r>
-            <a:r>
-              <a:rPr lang="ru-RU" dirty="0">
-                <a:solidFill>
-                  <a:srgbClr val="0000CC"/>
-                </a:solidFill>
-              </a:rPr>
-              <a:t> </a:t>
-            </a:r>
-            <a:r>
-              <a:rPr lang="ru-RU" dirty="0" err="1">
-                <a:solidFill>
-                  <a:srgbClr val="0000CC"/>
-                </a:solidFill>
-              </a:rPr>
-              <a:t>змінною</a:t>
-            </a:r>
-            <a:r>
-              <a:rPr lang="ru-RU" dirty="0">
-                <a:solidFill>
-                  <a:srgbClr val="0000CC"/>
-                </a:solidFill>
-              </a:rPr>
-              <a:t> </a:t>
-            </a:r>
-            <a:r>
-              <a:rPr lang="ru-RU" dirty="0" err="1">
-                <a:solidFill>
-                  <a:srgbClr val="0000CC"/>
-                </a:solidFill>
-              </a:rPr>
-              <a:t>можна</a:t>
-            </a:r>
-            <a:r>
-              <a:rPr lang="ru-RU" dirty="0">
-                <a:solidFill>
-                  <a:srgbClr val="0000CC"/>
-                </a:solidFill>
-              </a:rPr>
-              <a:t> </a:t>
-            </a:r>
-            <a:r>
-              <a:rPr lang="ru-RU" dirty="0" err="1">
-                <a:solidFill>
-                  <a:srgbClr val="0000CC"/>
-                </a:solidFill>
-              </a:rPr>
-              <a:t>ділити</a:t>
-            </a:r>
-            <a:r>
-              <a:rPr lang="ru-RU" dirty="0">
-                <a:solidFill>
-                  <a:srgbClr val="0000CC"/>
-                </a:solidFill>
-              </a:rPr>
-              <a:t> один на одного, </a:t>
-            </a:r>
-            <a:r>
-              <a:rPr lang="ru-RU" dirty="0" err="1">
-                <a:solidFill>
-                  <a:srgbClr val="0000CC"/>
-                </a:solidFill>
-              </a:rPr>
-              <a:t>отримуючи</a:t>
-            </a:r>
-            <a:r>
-              <a:rPr lang="ru-RU" dirty="0">
-                <a:solidFill>
-                  <a:srgbClr val="0000CC"/>
-                </a:solidFill>
-              </a:rPr>
-              <a:t> </a:t>
-            </a:r>
-            <a:r>
-              <a:rPr lang="ru-RU" dirty="0" err="1" smtClean="0">
-                <a:solidFill>
-                  <a:srgbClr val="0000CC"/>
-                </a:solidFill>
-              </a:rPr>
-              <a:t>частку</a:t>
-            </a:r>
-            <a:r>
-              <a:rPr lang="ru-RU" dirty="0" smtClean="0">
-                <a:solidFill>
-                  <a:srgbClr val="0000CC"/>
-                </a:solidFill>
-              </a:rPr>
-              <a:t> і </a:t>
-            </a:r>
-            <a:r>
-              <a:rPr lang="ru-RU" dirty="0" err="1">
-                <a:solidFill>
-                  <a:srgbClr val="0000CC"/>
-                </a:solidFill>
-              </a:rPr>
-              <a:t>залишок</a:t>
-            </a:r>
-            <a:r>
-              <a:rPr lang="ru-RU" dirty="0">
-                <a:solidFill>
-                  <a:srgbClr val="0000CC"/>
-                </a:solidFill>
-              </a:rPr>
-              <a:t>. </a:t>
-            </a:r>
-            <a:r>
-              <a:rPr lang="ru-RU" dirty="0" smtClean="0">
-                <a:solidFill>
-                  <a:srgbClr val="0000CC"/>
-                </a:solidFill>
-              </a:rPr>
-              <a:t>Для </a:t>
-            </a:r>
-            <a:r>
-              <a:rPr lang="ru-RU" dirty="0" err="1" smtClean="0">
-                <a:solidFill>
-                  <a:srgbClr val="0000CC"/>
-                </a:solidFill>
-              </a:rPr>
-              <a:t>ділення</a:t>
-            </a:r>
-            <a:r>
-              <a:rPr lang="ru-RU" dirty="0" smtClean="0">
-                <a:solidFill>
-                  <a:srgbClr val="0000CC"/>
-                </a:solidFill>
-              </a:rPr>
-              <a:t>  </a:t>
-            </a:r>
-            <a:r>
-              <a:rPr lang="ru-RU" dirty="0" err="1">
-                <a:solidFill>
-                  <a:srgbClr val="0000CC"/>
-                </a:solidFill>
-              </a:rPr>
-              <a:t>розділимо</a:t>
-            </a:r>
-            <a:r>
-              <a:rPr lang="ru-RU" dirty="0">
-                <a:solidFill>
-                  <a:srgbClr val="0000CC"/>
-                </a:solidFill>
-              </a:rPr>
-              <a:t> старший член </a:t>
-            </a:r>
-            <a:r>
-              <a:rPr lang="ru-RU" dirty="0" err="1">
-                <a:solidFill>
-                  <a:srgbClr val="0000CC"/>
-                </a:solidFill>
-              </a:rPr>
-              <a:t>діленого</a:t>
-            </a:r>
-            <a:r>
-              <a:rPr lang="ru-RU" dirty="0">
-                <a:solidFill>
-                  <a:srgbClr val="0000CC"/>
-                </a:solidFill>
-              </a:rPr>
-              <a:t> на старший член </a:t>
-            </a:r>
-            <a:r>
-              <a:rPr lang="ru-RU" dirty="0" err="1">
-                <a:solidFill>
-                  <a:srgbClr val="0000CC"/>
-                </a:solidFill>
-              </a:rPr>
-              <a:t>дільника</a:t>
-            </a:r>
-            <a:r>
-              <a:rPr lang="ru-RU" dirty="0">
-                <a:solidFill>
-                  <a:srgbClr val="0000CC"/>
-                </a:solidFill>
-              </a:rPr>
-              <a:t>. В </a:t>
-            </a:r>
-            <a:r>
-              <a:rPr lang="ru-RU" dirty="0" err="1">
-                <a:solidFill>
-                  <a:srgbClr val="0000CC"/>
-                </a:solidFill>
-              </a:rPr>
-              <a:t>результаті</a:t>
-            </a:r>
-            <a:r>
-              <a:rPr lang="ru-RU" dirty="0">
-                <a:solidFill>
-                  <a:srgbClr val="0000CC"/>
-                </a:solidFill>
-              </a:rPr>
-              <a:t> </a:t>
-            </a:r>
-            <a:r>
-              <a:rPr lang="ru-RU" dirty="0" err="1">
-                <a:solidFill>
-                  <a:srgbClr val="0000CC"/>
-                </a:solidFill>
-              </a:rPr>
-              <a:t>вийде</a:t>
-            </a:r>
-            <a:r>
-              <a:rPr lang="ru-RU" dirty="0">
-                <a:solidFill>
-                  <a:srgbClr val="0000CC"/>
-                </a:solidFill>
-              </a:rPr>
-              <a:t> перший терм </a:t>
-            </a:r>
-            <a:r>
-              <a:rPr lang="ru-RU" dirty="0" err="1" smtClean="0">
-                <a:solidFill>
-                  <a:srgbClr val="0000CC"/>
-                </a:solidFill>
-              </a:rPr>
-              <a:t>частки</a:t>
-            </a:r>
-            <a:r>
-              <a:rPr lang="ru-RU" dirty="0" smtClean="0">
-                <a:solidFill>
-                  <a:srgbClr val="0000CC"/>
-                </a:solidFill>
-              </a:rPr>
-              <a:t>. </a:t>
-            </a:r>
-            <a:r>
-              <a:rPr lang="ru-RU" dirty="0" err="1">
-                <a:solidFill>
-                  <a:srgbClr val="0000CC"/>
-                </a:solidFill>
-              </a:rPr>
-              <a:t>Потім</a:t>
-            </a:r>
-            <a:r>
-              <a:rPr lang="ru-RU" dirty="0">
-                <a:solidFill>
-                  <a:srgbClr val="0000CC"/>
-                </a:solidFill>
-              </a:rPr>
-              <a:t> </a:t>
-            </a:r>
-            <a:r>
-              <a:rPr lang="ru-RU" dirty="0" err="1">
-                <a:solidFill>
-                  <a:srgbClr val="0000CC"/>
-                </a:solidFill>
-              </a:rPr>
-              <a:t>помножимо</a:t>
-            </a:r>
-            <a:r>
-              <a:rPr lang="ru-RU" dirty="0">
-                <a:solidFill>
-                  <a:srgbClr val="0000CC"/>
-                </a:solidFill>
-              </a:rPr>
-              <a:t> результат на </a:t>
-            </a:r>
-            <a:r>
-              <a:rPr lang="ru-RU" dirty="0" err="1">
-                <a:solidFill>
-                  <a:srgbClr val="0000CC"/>
-                </a:solidFill>
-              </a:rPr>
-              <a:t>дільник</a:t>
-            </a:r>
-            <a:r>
-              <a:rPr lang="ru-RU" dirty="0">
-                <a:solidFill>
-                  <a:srgbClr val="0000CC"/>
-                </a:solidFill>
-              </a:rPr>
-              <a:t>, </a:t>
-            </a:r>
-            <a:r>
-              <a:rPr lang="ru-RU" dirty="0" err="1">
-                <a:solidFill>
-                  <a:srgbClr val="0000CC"/>
-                </a:solidFill>
-              </a:rPr>
-              <a:t>віднімемо</a:t>
-            </a:r>
-            <a:r>
-              <a:rPr lang="ru-RU" dirty="0">
-                <a:solidFill>
-                  <a:srgbClr val="0000CC"/>
-                </a:solidFill>
-              </a:rPr>
-              <a:t> </a:t>
-            </a:r>
-            <a:r>
-              <a:rPr lang="ru-RU" dirty="0" smtClean="0">
-                <a:solidFill>
-                  <a:srgbClr val="0000CC"/>
-                </a:solidFill>
-              </a:rPr>
-              <a:t>многочлен, </a:t>
-            </a:r>
-            <a:r>
-              <a:rPr lang="ru-RU" dirty="0" err="1" smtClean="0">
-                <a:solidFill>
-                  <a:srgbClr val="0000CC"/>
-                </a:solidFill>
-              </a:rPr>
-              <a:t>що</a:t>
-            </a:r>
-            <a:r>
-              <a:rPr lang="ru-RU" dirty="0" smtClean="0">
-                <a:solidFill>
-                  <a:srgbClr val="0000CC"/>
-                </a:solidFill>
-              </a:rPr>
-              <a:t> </a:t>
-            </a:r>
-            <a:r>
-              <a:rPr lang="ru-RU" dirty="0" err="1" smtClean="0">
-                <a:solidFill>
-                  <a:srgbClr val="0000CC"/>
-                </a:solidFill>
-              </a:rPr>
-              <a:t>вийшов</a:t>
-            </a:r>
-            <a:r>
-              <a:rPr lang="ru-RU" dirty="0" smtClean="0">
-                <a:solidFill>
-                  <a:srgbClr val="0000CC"/>
-                </a:solidFill>
-              </a:rPr>
-              <a:t> </a:t>
-            </a:r>
-            <a:r>
-              <a:rPr lang="ru-RU" dirty="0">
-                <a:solidFill>
-                  <a:srgbClr val="0000CC"/>
-                </a:solidFill>
-              </a:rPr>
-              <a:t>з </a:t>
-            </a:r>
-            <a:r>
-              <a:rPr lang="ru-RU" dirty="0" err="1">
-                <a:solidFill>
-                  <a:srgbClr val="0000CC"/>
-                </a:solidFill>
-              </a:rPr>
-              <a:t>діленого</a:t>
-            </a:r>
-            <a:r>
-              <a:rPr lang="ru-RU" dirty="0">
-                <a:solidFill>
-                  <a:srgbClr val="0000CC"/>
-                </a:solidFill>
-              </a:rPr>
-              <a:t> і, рекурсивно </a:t>
-            </a:r>
-            <a:r>
-              <a:rPr lang="ru-RU" dirty="0" err="1">
-                <a:solidFill>
-                  <a:srgbClr val="0000CC"/>
-                </a:solidFill>
-              </a:rPr>
-              <a:t>ділячи</a:t>
-            </a:r>
-            <a:r>
-              <a:rPr lang="ru-RU" dirty="0">
-                <a:solidFill>
-                  <a:srgbClr val="0000CC"/>
-                </a:solidFill>
-              </a:rPr>
-              <a:t> </a:t>
-            </a:r>
-            <a:r>
-              <a:rPr lang="ru-RU" dirty="0" err="1">
-                <a:solidFill>
-                  <a:srgbClr val="0000CC"/>
-                </a:solidFill>
-              </a:rPr>
-              <a:t>різницю</a:t>
-            </a:r>
-            <a:r>
-              <a:rPr lang="ru-RU" dirty="0">
-                <a:solidFill>
-                  <a:srgbClr val="0000CC"/>
-                </a:solidFill>
-              </a:rPr>
-              <a:t> на </a:t>
-            </a:r>
-            <a:r>
-              <a:rPr lang="ru-RU" dirty="0" err="1">
-                <a:solidFill>
-                  <a:srgbClr val="0000CC"/>
-                </a:solidFill>
-              </a:rPr>
-              <a:t>дільник</a:t>
-            </a:r>
-            <a:r>
-              <a:rPr lang="ru-RU" dirty="0">
-                <a:solidFill>
-                  <a:srgbClr val="0000CC"/>
-                </a:solidFill>
-              </a:rPr>
-              <a:t>,</a:t>
-            </a:r>
-          </a:p>
-          <a:p>
-            <a:r>
-              <a:rPr lang="ru-RU" dirty="0" err="1">
-                <a:solidFill>
-                  <a:srgbClr val="0000CC"/>
-                </a:solidFill>
-              </a:rPr>
-              <a:t>отримаємо</a:t>
-            </a:r>
-            <a:r>
-              <a:rPr lang="ru-RU" dirty="0">
-                <a:solidFill>
-                  <a:srgbClr val="0000CC"/>
-                </a:solidFill>
-              </a:rPr>
-              <a:t> </a:t>
-            </a:r>
-            <a:r>
-              <a:rPr lang="ru-RU" dirty="0" err="1">
-                <a:solidFill>
-                  <a:srgbClr val="0000CC"/>
-                </a:solidFill>
-              </a:rPr>
-              <a:t>решту</a:t>
-            </a:r>
-            <a:r>
-              <a:rPr lang="ru-RU" dirty="0">
-                <a:solidFill>
-                  <a:srgbClr val="0000CC"/>
-                </a:solidFill>
-              </a:rPr>
-              <a:t> </a:t>
-            </a:r>
-            <a:r>
-              <a:rPr lang="ru-RU" dirty="0" err="1" smtClean="0">
-                <a:solidFill>
-                  <a:srgbClr val="0000CC"/>
-                </a:solidFill>
-              </a:rPr>
-              <a:t>частки</a:t>
-            </a:r>
-            <a:r>
-              <a:rPr lang="ru-RU" dirty="0" smtClean="0">
-                <a:solidFill>
-                  <a:srgbClr val="0000CC"/>
-                </a:solidFill>
-              </a:rPr>
-              <a:t>. </a:t>
-            </a:r>
-            <a:r>
-              <a:rPr lang="ru-RU" dirty="0" err="1">
-                <a:solidFill>
-                  <a:srgbClr val="0000CC"/>
-                </a:solidFill>
-              </a:rPr>
-              <a:t>Зупиняємося</a:t>
-            </a:r>
-            <a:r>
-              <a:rPr lang="ru-RU" dirty="0">
-                <a:solidFill>
-                  <a:srgbClr val="0000CC"/>
-                </a:solidFill>
-              </a:rPr>
-              <a:t>, коли порядок </a:t>
-            </a:r>
-            <a:r>
-              <a:rPr lang="ru-RU" dirty="0" err="1">
-                <a:solidFill>
-                  <a:srgbClr val="0000CC"/>
-                </a:solidFill>
-              </a:rPr>
-              <a:t>дільника</a:t>
-            </a:r>
-            <a:r>
-              <a:rPr lang="ru-RU" dirty="0">
-                <a:solidFill>
-                  <a:srgbClr val="0000CC"/>
-                </a:solidFill>
-              </a:rPr>
-              <a:t> </a:t>
-            </a:r>
-            <a:r>
-              <a:rPr lang="ru-RU" dirty="0" err="1">
-                <a:solidFill>
-                  <a:srgbClr val="0000CC"/>
-                </a:solidFill>
-              </a:rPr>
-              <a:t>перевищить</a:t>
-            </a:r>
-            <a:r>
-              <a:rPr lang="ru-RU" dirty="0">
-                <a:solidFill>
-                  <a:srgbClr val="0000CC"/>
-                </a:solidFill>
-              </a:rPr>
-              <a:t> порядок </a:t>
-            </a:r>
-            <a:r>
-              <a:rPr lang="ru-RU" dirty="0" err="1">
-                <a:solidFill>
-                  <a:srgbClr val="0000CC"/>
-                </a:solidFill>
-              </a:rPr>
-              <a:t>ділимо</a:t>
-            </a:r>
-            <a:r>
-              <a:rPr lang="ru-RU" dirty="0">
-                <a:solidFill>
-                  <a:srgbClr val="0000CC"/>
-                </a:solidFill>
-              </a:rPr>
-              <a:t>, і </a:t>
-            </a:r>
-            <a:r>
-              <a:rPr lang="ru-RU" dirty="0" err="1">
-                <a:solidFill>
-                  <a:srgbClr val="0000CC"/>
-                </a:solidFill>
-              </a:rPr>
-              <a:t>оголошуємо</a:t>
-            </a:r>
-            <a:r>
-              <a:rPr lang="ru-RU" dirty="0">
-                <a:solidFill>
-                  <a:srgbClr val="0000CC"/>
-                </a:solidFill>
-              </a:rPr>
-              <a:t> </a:t>
-            </a:r>
-            <a:r>
-              <a:rPr lang="ru-RU" dirty="0" err="1">
-                <a:solidFill>
-                  <a:srgbClr val="0000CC"/>
-                </a:solidFill>
-              </a:rPr>
-              <a:t>залишком</a:t>
-            </a:r>
-            <a:r>
-              <a:rPr lang="ru-RU" dirty="0">
-                <a:solidFill>
-                  <a:srgbClr val="0000CC"/>
-                </a:solidFill>
-              </a:rPr>
-              <a:t> </a:t>
-            </a:r>
-            <a:r>
-              <a:rPr lang="ru-RU" dirty="0" smtClean="0">
-                <a:solidFill>
-                  <a:srgbClr val="0000CC"/>
-                </a:solidFill>
-              </a:rPr>
-              <a:t>те, </a:t>
-            </a:r>
-            <a:r>
-              <a:rPr lang="ru-RU" dirty="0" err="1">
-                <a:solidFill>
-                  <a:srgbClr val="0000CC"/>
-                </a:solidFill>
-              </a:rPr>
-              <a:t>що</a:t>
-            </a:r>
-            <a:r>
-              <a:rPr lang="ru-RU" dirty="0">
-                <a:solidFill>
-                  <a:srgbClr val="0000CC"/>
-                </a:solidFill>
-              </a:rPr>
-              <a:t> </a:t>
-            </a:r>
-            <a:r>
-              <a:rPr lang="ru-RU" dirty="0" err="1">
-                <a:solidFill>
-                  <a:srgbClr val="0000CC"/>
-                </a:solidFill>
-              </a:rPr>
-              <a:t>тоді</a:t>
-            </a:r>
-            <a:r>
-              <a:rPr lang="ru-RU" dirty="0">
-                <a:solidFill>
-                  <a:srgbClr val="0000CC"/>
-                </a:solidFill>
-              </a:rPr>
-              <a:t> буде </a:t>
-            </a:r>
-            <a:r>
-              <a:rPr lang="ru-RU" dirty="0" err="1">
-                <a:solidFill>
-                  <a:srgbClr val="0000CC"/>
-                </a:solidFill>
-              </a:rPr>
-              <a:t>називатися</a:t>
-            </a:r>
-            <a:r>
-              <a:rPr lang="ru-RU" dirty="0">
-                <a:solidFill>
-                  <a:srgbClr val="0000CC"/>
-                </a:solidFill>
-              </a:rPr>
-              <a:t> </a:t>
-            </a:r>
-            <a:r>
-              <a:rPr lang="ru-RU" dirty="0" err="1">
-                <a:solidFill>
-                  <a:srgbClr val="0000CC"/>
-                </a:solidFill>
-              </a:rPr>
-              <a:t>діленим</a:t>
-            </a:r>
-            <a:r>
-              <a:rPr lang="ru-RU" dirty="0">
-                <a:solidFill>
-                  <a:srgbClr val="0000CC"/>
-                </a:solidFill>
-              </a:rPr>
-              <a:t>. </a:t>
-            </a:r>
-            <a:r>
-              <a:rPr lang="ru-RU" dirty="0" err="1">
-                <a:solidFill>
-                  <a:srgbClr val="0000CC"/>
-                </a:solidFill>
-              </a:rPr>
-              <a:t>Крім</a:t>
-            </a:r>
-            <a:r>
-              <a:rPr lang="ru-RU" dirty="0">
-                <a:solidFill>
-                  <a:srgbClr val="0000CC"/>
-                </a:solidFill>
-              </a:rPr>
-              <a:t> того, </a:t>
-            </a:r>
-            <a:r>
-              <a:rPr lang="ru-RU" dirty="0" err="1">
-                <a:solidFill>
-                  <a:srgbClr val="0000CC"/>
-                </a:solidFill>
-              </a:rPr>
-              <a:t>якщо</a:t>
-            </a:r>
-            <a:r>
-              <a:rPr lang="ru-RU" dirty="0">
-                <a:solidFill>
-                  <a:srgbClr val="0000CC"/>
-                </a:solidFill>
-              </a:rPr>
-              <a:t> коли-</a:t>
-            </a:r>
-            <a:r>
-              <a:rPr lang="ru-RU" dirty="0" err="1">
-                <a:solidFill>
-                  <a:srgbClr val="0000CC"/>
-                </a:solidFill>
-              </a:rPr>
-              <a:t>небудь</a:t>
-            </a:r>
-            <a:r>
-              <a:rPr lang="ru-RU" dirty="0">
-                <a:solidFill>
-                  <a:srgbClr val="0000CC"/>
-                </a:solidFill>
-              </a:rPr>
-              <a:t> </a:t>
-            </a:r>
-            <a:r>
-              <a:rPr lang="ru-RU" dirty="0" err="1">
-                <a:solidFill>
-                  <a:srgbClr val="0000CC"/>
-                </a:solidFill>
-              </a:rPr>
-              <a:t>ділене</a:t>
-            </a:r>
-            <a:r>
-              <a:rPr lang="ru-RU" dirty="0">
-                <a:solidFill>
-                  <a:srgbClr val="0000CC"/>
-                </a:solidFill>
-              </a:rPr>
-              <a:t> </a:t>
-            </a:r>
-            <a:r>
-              <a:rPr lang="ru-RU" dirty="0" err="1">
-                <a:solidFill>
-                  <a:srgbClr val="0000CC"/>
-                </a:solidFill>
-              </a:rPr>
-              <a:t>виявиться</a:t>
-            </a:r>
-            <a:r>
-              <a:rPr lang="ru-RU" dirty="0">
-                <a:solidFill>
-                  <a:srgbClr val="0000CC"/>
-                </a:solidFill>
-              </a:rPr>
-              <a:t> нулем, </a:t>
-            </a:r>
-            <a:r>
-              <a:rPr lang="ru-RU" dirty="0" err="1">
-                <a:solidFill>
-                  <a:srgbClr val="0000CC"/>
-                </a:solidFill>
-              </a:rPr>
-              <a:t>повертаємо</a:t>
-            </a:r>
-            <a:r>
-              <a:rPr lang="ru-RU" dirty="0">
-                <a:solidFill>
-                  <a:srgbClr val="0000CC"/>
-                </a:solidFill>
-              </a:rPr>
-              <a:t> нуль як і </a:t>
-            </a:r>
-            <a:r>
-              <a:rPr lang="ru-RU" dirty="0" err="1" smtClean="0">
-                <a:solidFill>
-                  <a:srgbClr val="0000CC"/>
-                </a:solidFill>
-              </a:rPr>
-              <a:t>частку</a:t>
-            </a:r>
-            <a:r>
-              <a:rPr lang="ru-RU" dirty="0" smtClean="0">
-                <a:solidFill>
-                  <a:srgbClr val="0000CC"/>
-                </a:solidFill>
-              </a:rPr>
-              <a:t>, </a:t>
-            </a:r>
-            <a:r>
-              <a:rPr lang="ru-RU" dirty="0">
-                <a:solidFill>
-                  <a:srgbClr val="0000CC"/>
-                </a:solidFill>
-              </a:rPr>
-              <a:t>і </a:t>
-            </a:r>
-            <a:r>
-              <a:rPr lang="ru-RU" dirty="0" err="1" smtClean="0">
-                <a:solidFill>
-                  <a:srgbClr val="0000CC"/>
-                </a:solidFill>
-              </a:rPr>
-              <a:t>залишок</a:t>
-            </a:r>
-            <a:r>
-              <a:rPr lang="ru-RU" dirty="0" smtClean="0">
-                <a:solidFill>
-                  <a:srgbClr val="0000CC"/>
-                </a:solidFill>
-              </a:rPr>
-              <a:t>. </a:t>
-            </a:r>
-            <a:r>
-              <a:rPr lang="ru-RU" dirty="0" err="1" smtClean="0">
-                <a:solidFill>
-                  <a:srgbClr val="0000CC"/>
-                </a:solidFill>
-              </a:rPr>
-              <a:t>Розробити</a:t>
-            </a:r>
-            <a:r>
-              <a:rPr lang="ru-RU" dirty="0" smtClean="0">
-                <a:solidFill>
-                  <a:srgbClr val="0000CC"/>
-                </a:solidFill>
-              </a:rPr>
-              <a:t> </a:t>
-            </a:r>
-            <a:r>
-              <a:rPr lang="ru-RU" dirty="0">
-                <a:solidFill>
-                  <a:srgbClr val="0000CC"/>
-                </a:solidFill>
-              </a:rPr>
-              <a:t>процедуру </a:t>
-            </a:r>
-            <a:r>
-              <a:rPr lang="ru-RU" dirty="0" err="1" smtClean="0">
-                <a:solidFill>
-                  <a:srgbClr val="0000CC"/>
-                </a:solidFill>
-              </a:rPr>
-              <a:t>ділення</a:t>
-            </a:r>
-            <a:r>
-              <a:rPr lang="ru-RU" dirty="0" smtClean="0">
-                <a:solidFill>
-                  <a:srgbClr val="0000CC"/>
-                </a:solidFill>
-              </a:rPr>
-              <a:t> </a:t>
-            </a:r>
-            <a:r>
-              <a:rPr lang="ru-RU" dirty="0" err="1" smtClean="0">
-                <a:solidFill>
-                  <a:srgbClr val="0000CC"/>
-                </a:solidFill>
-              </a:rPr>
-              <a:t>многочленів</a:t>
-            </a:r>
-            <a:endParaRPr lang="uk-UA" dirty="0">
-              <a:solidFill>
-                <a:srgbClr val="0000CC"/>
-              </a:solidFill>
-            </a:endParaRPr>
-          </a:p>
-        </p:txBody>
-      </p:sp>
-      <p:sp>
-        <p:nvSpPr>
-          <p:cNvPr id="8" name="Прямоугольник 7"/>
-          <p:cNvSpPr/>
-          <p:nvPr/>
-        </p:nvSpPr>
-        <p:spPr>
-          <a:xfrm>
-            <a:off x="28576" y="4890170"/>
-            <a:ext cx="9172576" cy="646331"/>
-          </a:xfrm>
-          <a:prstGeom prst="rect">
-            <a:avLst/>
-          </a:prstGeom>
-        </p:spPr>
-        <p:txBody>
-          <a:bodyPr wrap="square">
-            <a:spAutoFit/>
-          </a:bodyPr>
-          <a:lstStyle/>
-          <a:p>
-            <a:r>
-              <a:rPr lang="uk-UA" b="1" dirty="0">
-                <a:solidFill>
-                  <a:srgbClr val="C00000"/>
-                </a:solidFill>
-              </a:rPr>
-              <a:t>Варіант </a:t>
-            </a:r>
-            <a:r>
-              <a:rPr lang="en-US" b="1" dirty="0" smtClean="0">
-                <a:solidFill>
-                  <a:srgbClr val="C00000"/>
-                </a:solidFill>
-              </a:rPr>
-              <a:t>1</a:t>
-            </a:r>
-            <a:r>
-              <a:rPr lang="uk-UA" b="1" dirty="0" smtClean="0">
-                <a:solidFill>
-                  <a:srgbClr val="C00000"/>
-                </a:solidFill>
-              </a:rPr>
-              <a:t>8</a:t>
-            </a:r>
-            <a:r>
-              <a:rPr lang="uk-UA" dirty="0" smtClean="0">
-                <a:solidFill>
-                  <a:srgbClr val="C00000"/>
-                </a:solidFill>
-              </a:rPr>
-              <a:t>. Нехай</a:t>
-            </a:r>
-            <a:r>
-              <a:rPr lang="ru-RU" dirty="0" smtClean="0">
-                <a:solidFill>
-                  <a:srgbClr val="C00000"/>
-                </a:solidFill>
-              </a:rPr>
-              <a:t> </a:t>
-            </a:r>
-            <a:r>
-              <a:rPr lang="ru-RU" dirty="0">
-                <a:solidFill>
-                  <a:srgbClr val="C00000"/>
-                </a:solidFill>
-              </a:rPr>
-              <a:t>P1, P2 и P3 – </a:t>
-            </a:r>
-            <a:r>
-              <a:rPr lang="ru-RU" dirty="0" err="1" smtClean="0">
-                <a:solidFill>
-                  <a:srgbClr val="C00000"/>
-                </a:solidFill>
-              </a:rPr>
-              <a:t>многочлени</a:t>
-            </a:r>
-            <a:r>
-              <a:rPr lang="ru-RU" dirty="0" smtClean="0">
-                <a:solidFill>
-                  <a:srgbClr val="C00000"/>
-                </a:solidFill>
-              </a:rPr>
-              <a:t>. Нехай </a:t>
-            </a:r>
-            <a:r>
-              <a:rPr lang="ru-RU" dirty="0">
-                <a:solidFill>
-                  <a:srgbClr val="C00000"/>
-                </a:solidFill>
-              </a:rPr>
-              <a:t>Q1 </a:t>
-            </a:r>
-            <a:r>
-              <a:rPr lang="ru-RU" dirty="0" smtClean="0">
-                <a:solidFill>
-                  <a:srgbClr val="C00000"/>
-                </a:solidFill>
-              </a:rPr>
-              <a:t>є </a:t>
-            </a:r>
-            <a:r>
-              <a:rPr lang="ru-RU" dirty="0" err="1" smtClean="0">
-                <a:solidFill>
-                  <a:srgbClr val="C00000"/>
-                </a:solidFill>
-              </a:rPr>
-              <a:t>добутком</a:t>
-            </a:r>
-            <a:r>
-              <a:rPr lang="ru-RU" dirty="0" smtClean="0">
-                <a:solidFill>
-                  <a:srgbClr val="C00000"/>
-                </a:solidFill>
-              </a:rPr>
-              <a:t> </a:t>
-            </a:r>
-            <a:r>
-              <a:rPr lang="ru-RU" dirty="0">
-                <a:solidFill>
-                  <a:srgbClr val="C00000"/>
-                </a:solidFill>
-              </a:rPr>
-              <a:t>P1 и P2, а Q2 </a:t>
-            </a:r>
-            <a:r>
-              <a:rPr lang="ru-RU" dirty="0" err="1" smtClean="0">
-                <a:solidFill>
-                  <a:srgbClr val="C00000"/>
-                </a:solidFill>
-              </a:rPr>
-              <a:t>добутком</a:t>
-            </a:r>
-            <a:r>
-              <a:rPr lang="ru-RU" dirty="0" smtClean="0">
-                <a:solidFill>
-                  <a:srgbClr val="C00000"/>
-                </a:solidFill>
-              </a:rPr>
-              <a:t> P1 </a:t>
-            </a:r>
-            <a:r>
-              <a:rPr lang="ru-RU" dirty="0">
-                <a:solidFill>
-                  <a:srgbClr val="C00000"/>
-                </a:solidFill>
-              </a:rPr>
-              <a:t>и P3.  </a:t>
-            </a:r>
-            <a:r>
-              <a:rPr lang="ru-RU" dirty="0" err="1" smtClean="0">
-                <a:solidFill>
-                  <a:srgbClr val="C00000"/>
-                </a:solidFill>
-              </a:rPr>
-              <a:t>Напишіть</a:t>
-            </a:r>
-            <a:r>
-              <a:rPr lang="ru-RU" dirty="0" smtClean="0">
-                <a:solidFill>
-                  <a:srgbClr val="C00000"/>
-                </a:solidFill>
-              </a:rPr>
-              <a:t> процедуру, </a:t>
-            </a:r>
-            <a:r>
-              <a:rPr lang="ru-RU" dirty="0" err="1" smtClean="0">
-                <a:solidFill>
-                  <a:srgbClr val="C00000"/>
-                </a:solidFill>
-              </a:rPr>
-              <a:t>що</a:t>
-            </a:r>
-            <a:r>
-              <a:rPr lang="ru-RU" dirty="0" smtClean="0">
-                <a:solidFill>
-                  <a:srgbClr val="C00000"/>
-                </a:solidFill>
-              </a:rPr>
-              <a:t> </a:t>
-            </a:r>
-            <a:r>
-              <a:rPr lang="ru-RU" dirty="0" err="1" smtClean="0">
-                <a:solidFill>
-                  <a:srgbClr val="C00000"/>
-                </a:solidFill>
-              </a:rPr>
-              <a:t>обчислює</a:t>
-            </a:r>
-            <a:r>
-              <a:rPr lang="ru-RU" dirty="0" smtClean="0">
-                <a:solidFill>
-                  <a:srgbClr val="C00000"/>
-                </a:solidFill>
-              </a:rPr>
-              <a:t> </a:t>
-            </a:r>
-            <a:r>
-              <a:rPr lang="ru-RU" dirty="0" err="1" smtClean="0">
-                <a:solidFill>
-                  <a:srgbClr val="C00000"/>
-                </a:solidFill>
-              </a:rPr>
-              <a:t>найменший</a:t>
-            </a:r>
-            <a:r>
-              <a:rPr lang="ru-RU" dirty="0" smtClean="0">
-                <a:solidFill>
-                  <a:srgbClr val="C00000"/>
-                </a:solidFill>
-              </a:rPr>
-              <a:t> </a:t>
-            </a:r>
-            <a:r>
-              <a:rPr lang="ru-RU" dirty="0" err="1" smtClean="0">
-                <a:solidFill>
-                  <a:srgbClr val="C00000"/>
-                </a:solidFill>
-              </a:rPr>
-              <a:t>загальний</a:t>
-            </a:r>
-            <a:r>
-              <a:rPr lang="ru-RU" dirty="0" smtClean="0">
-                <a:solidFill>
-                  <a:srgbClr val="C00000"/>
-                </a:solidFill>
-              </a:rPr>
-              <a:t> </a:t>
-            </a:r>
-            <a:r>
-              <a:rPr lang="ru-RU" dirty="0" err="1" smtClean="0">
-                <a:solidFill>
-                  <a:srgbClr val="C00000"/>
-                </a:solidFill>
-              </a:rPr>
-              <a:t>дільник</a:t>
-            </a:r>
-            <a:r>
-              <a:rPr lang="ru-RU" dirty="0" smtClean="0">
-                <a:solidFill>
-                  <a:srgbClr val="C00000"/>
-                </a:solidFill>
-              </a:rPr>
-              <a:t> (НОД) </a:t>
-            </a:r>
-            <a:r>
-              <a:rPr lang="ru-RU" dirty="0">
-                <a:solidFill>
-                  <a:srgbClr val="C00000"/>
-                </a:solidFill>
-              </a:rPr>
-              <a:t>Q1 и Q2</a:t>
-            </a:r>
-            <a:endParaRPr lang="uk-UA" dirty="0">
-              <a:solidFill>
-                <a:srgbClr val="C00000"/>
-              </a:solidFill>
-            </a:endParaRPr>
-          </a:p>
-        </p:txBody>
-      </p:sp>
-    </p:spTree>
-    <p:extLst>
-      <p:ext uri="{BB962C8B-B14F-4D97-AF65-F5344CB8AC3E}">
-        <p14:creationId xmlns:p14="http://schemas.microsoft.com/office/powerpoint/2010/main" val="1461442976"/>
-      </p:ext>
-    </p:extLst>
-  </p:cSld>
-  <p:clrMapOvr>
-    <a:masterClrMapping/>
-  </p:clrMapOvr>
-  <mc:AlternateContent xmlns:mc="http://schemas.openxmlformats.org/markup-compatibility/2006" xmlns:p14="http://schemas.microsoft.com/office/powerpoint/2010/main">
-    <mc:Choice Requires="p14">
-      <p:transition spd="slow" p14:dur="2000"/>
-    </mc:Choice>
-    <mc:Fallback xmlns="">
-      <p:transition spd="slow"/>
-    </mc:Fallback>
-  </mc:AlternateContent>
-  <p:timing>
-    <p:tnLst>
-      <p:par>
-        <p:cTn id="1" dur="indefinite" restart="never" nodeType="tmRoot"/>
-      </p:par>
-    </p:tnLst>
-  </p:timing>
-</p:sld>
-</file>
-
-<file path=ppt/slides/slide29.xml><?xml version="1.0" encoding="utf-8"?>
-<p:sld xmlns:a="http://schemas.openxmlformats.org/drawingml/2006/main" xmlns:r="http://schemas.openxmlformats.org/officeDocument/2006/relationships" xmlns:p="http://schemas.openxmlformats.org/presentationml/2006/main">
-  <p:cSld>
-    <p:spTree>
-      <p:nvGrpSpPr>
-        <p:cNvPr id="1" name=""/>
-        <p:cNvGrpSpPr/>
-        <p:nvPr/>
-      </p:nvGrpSpPr>
-      <p:grpSpPr>
-        <a:xfrm>
-          <a:off x="0" y="0"/>
-          <a:ext cx="0" cy="0"/>
-          <a:chOff x="0" y="0"/>
-          <a:chExt cx="0" cy="0"/>
-        </a:xfrm>
-      </p:grpSpPr>
-      <p:sp>
-        <p:nvSpPr>
           <p:cNvPr id="2" name="Номер слайда 1"/>
           <p:cNvSpPr>
             <a:spLocks noGrp="1"/>
@@ -13681,7 +12894,7 @@
             <a:fld id="{54BDC68D-FF80-4D4E-BAF3-F6A29ED33A36}" type="slidenum">
               <a:rPr lang="ru-RU" smtClean="0"/>
               <a:pPr/>
-              <a:t>29</a:t>
+              <a:t>28</a:t>
             </a:fld>
             <a:endParaRPr lang="ru-RU"/>
           </a:p>
@@ -14165,770 +13378,7 @@
 </p:sld>
 </file>
 
-<file path=ppt/slides/slide3.xml><?xml version="1.0" encoding="utf-8"?>
-<p:sld xmlns:a="http://schemas.openxmlformats.org/drawingml/2006/main" xmlns:r="http://schemas.openxmlformats.org/officeDocument/2006/relationships" xmlns:p="http://schemas.openxmlformats.org/presentationml/2006/main">
-  <p:cSld>
-    <p:spTree>
-      <p:nvGrpSpPr>
-        <p:cNvPr id="1" name=""/>
-        <p:cNvGrpSpPr/>
-        <p:nvPr/>
-      </p:nvGrpSpPr>
-      <p:grpSpPr>
-        <a:xfrm>
-          <a:off x="0" y="0"/>
-          <a:ext cx="0" cy="0"/>
-          <a:chOff x="0" y="0"/>
-          <a:chExt cx="0" cy="0"/>
-        </a:xfrm>
-      </p:grpSpPr>
-      <p:sp>
-        <p:nvSpPr>
-          <p:cNvPr id="2" name="Номер слайда 1"/>
-          <p:cNvSpPr>
-            <a:spLocks noGrp="1"/>
-          </p:cNvSpPr>
-          <p:nvPr>
-            <p:ph type="sldNum" sz="quarter" idx="12"/>
-          </p:nvPr>
-        </p:nvSpPr>
-        <p:spPr/>
-        <p:txBody>
-          <a:bodyPr/>
-          <a:lstStyle/>
-          <a:p>
-            <a:fld id="{54BDC68D-FF80-4D4E-BAF3-F6A29ED33A36}" type="slidenum">
-              <a:rPr lang="ru-RU" smtClean="0"/>
-              <a:pPr/>
-              <a:t>3</a:t>
-            </a:fld>
-            <a:endParaRPr lang="ru-RU"/>
-          </a:p>
-        </p:txBody>
-      </p:sp>
-      <p:sp>
-        <p:nvSpPr>
-          <p:cNvPr id="3" name="TextBox 2"/>
-          <p:cNvSpPr txBox="1"/>
-          <p:nvPr/>
-        </p:nvSpPr>
-        <p:spPr>
-          <a:xfrm>
-            <a:off x="4002406" y="87868"/>
-            <a:ext cx="1223412" cy="646331"/>
-          </a:xfrm>
-          <a:prstGeom prst="rect">
-            <a:avLst/>
-          </a:prstGeom>
-          <a:noFill/>
-        </p:spPr>
-        <p:txBody>
-          <a:bodyPr wrap="none" rtlCol="0">
-            <a:spAutoFit/>
-          </a:bodyPr>
-          <a:lstStyle/>
-          <a:p>
-            <a:r>
-              <a:rPr lang="uk-UA" sz="3600" b="1" dirty="0" smtClean="0"/>
-              <a:t>Зміст</a:t>
-            </a:r>
-            <a:endParaRPr lang="uk-UA" sz="3600" b="1" dirty="0"/>
-          </a:p>
-        </p:txBody>
-      </p:sp>
-      <p:sp>
-        <p:nvSpPr>
-          <p:cNvPr id="4" name="Прямоугольник 3"/>
-          <p:cNvSpPr/>
-          <p:nvPr/>
-        </p:nvSpPr>
-        <p:spPr>
-          <a:xfrm>
-            <a:off x="0" y="778133"/>
-            <a:ext cx="9144000" cy="3170099"/>
-          </a:xfrm>
-          <a:prstGeom prst="rect">
-            <a:avLst/>
-          </a:prstGeom>
-        </p:spPr>
-        <p:txBody>
-          <a:bodyPr wrap="square">
-            <a:spAutoFit/>
-          </a:bodyPr>
-          <a:lstStyle/>
-          <a:p>
-            <a:pPr marL="0" lvl="2" indent="450215" algn="just">
-              <a:spcBef>
-                <a:spcPts val="600"/>
-              </a:spcBef>
-              <a:spcAft>
-                <a:spcPts val="600"/>
-              </a:spcAft>
-            </a:pPr>
-            <a:endParaRPr lang="uk-UA" sz="3200" b="1" dirty="0">
-              <a:solidFill>
-                <a:prstClr val="black"/>
-              </a:solidFill>
-            </a:endParaRPr>
-          </a:p>
-          <a:p>
-            <a:pPr marL="0" lvl="2" indent="450215" algn="just">
-              <a:spcBef>
-                <a:spcPts val="600"/>
-              </a:spcBef>
-              <a:spcAft>
-                <a:spcPts val="600"/>
-              </a:spcAft>
-            </a:pPr>
-            <a:endParaRPr lang="ru-RU" sz="3200" b="1" dirty="0"/>
-          </a:p>
-          <a:p>
-            <a:pPr marL="0" lvl="2" indent="450215" algn="just">
-              <a:spcBef>
-                <a:spcPts val="600"/>
-              </a:spcBef>
-              <a:spcAft>
-                <a:spcPts val="600"/>
-              </a:spcAft>
-            </a:pPr>
-            <a:endParaRPr lang="ru-RU" sz="3200" b="1" dirty="0">
-              <a:ea typeface="Palatino Linotype" panose="02040502050505030304" pitchFamily="18" charset="0"/>
-            </a:endParaRPr>
-          </a:p>
-          <a:p>
-            <a:pPr indent="450215" algn="just">
-              <a:spcBef>
-                <a:spcPts val="600"/>
-              </a:spcBef>
-              <a:spcAft>
-                <a:spcPts val="600"/>
-              </a:spcAft>
-            </a:pPr>
-            <a:endParaRPr lang="ru-RU" b="1" dirty="0">
-              <a:solidFill>
-                <a:srgbClr val="000000"/>
-              </a:solidFill>
-              <a:latin typeface="Arial" panose="020B0604020202020204" pitchFamily="34" charset="0"/>
-              <a:cs typeface="Times New Roman" panose="02020603050405020304" pitchFamily="18" charset="0"/>
-            </a:endParaRPr>
-          </a:p>
-          <a:p>
-            <a:pPr indent="450215" algn="just">
-              <a:spcBef>
-                <a:spcPts val="600"/>
-              </a:spcBef>
-              <a:spcAft>
-                <a:spcPts val="600"/>
-              </a:spcAft>
-            </a:pPr>
-            <a:endParaRPr lang="ru-RU" b="1" dirty="0">
-              <a:solidFill>
-                <a:srgbClr val="000000"/>
-              </a:solidFill>
-              <a:latin typeface="Arial" panose="020B0604020202020204" pitchFamily="34" charset="0"/>
-              <a:cs typeface="Times New Roman" panose="02020603050405020304" pitchFamily="18" charset="0"/>
-            </a:endParaRPr>
-          </a:p>
-          <a:p>
-            <a:pPr indent="450215" algn="just">
-              <a:spcBef>
-                <a:spcPts val="600"/>
-              </a:spcBef>
-              <a:spcAft>
-                <a:spcPts val="600"/>
-              </a:spcAft>
-            </a:pPr>
-            <a:r>
-              <a:rPr lang="uk-UA" b="1" dirty="0" smtClean="0">
-                <a:solidFill>
-                  <a:srgbClr val="000000"/>
-                </a:solidFill>
-                <a:latin typeface="Arial" panose="020B0604020202020204" pitchFamily="34" charset="0"/>
-                <a:cs typeface="Times New Roman" panose="02020603050405020304" pitchFamily="18" charset="0"/>
-              </a:rPr>
-              <a:t> </a:t>
-            </a:r>
-            <a:endParaRPr lang="ru-RU" b="1" dirty="0">
-              <a:solidFill>
-                <a:srgbClr val="000000"/>
-              </a:solidFill>
-              <a:latin typeface="Arial" panose="020B0604020202020204" pitchFamily="34" charset="0"/>
-              <a:cs typeface="Times New Roman" panose="02020603050405020304" pitchFamily="18" charset="0"/>
-            </a:endParaRPr>
-          </a:p>
-        </p:txBody>
-      </p:sp>
-      <p:sp>
-        <p:nvSpPr>
-          <p:cNvPr id="5" name="Прямоугольник 4"/>
-          <p:cNvSpPr/>
-          <p:nvPr/>
-        </p:nvSpPr>
-        <p:spPr>
-          <a:xfrm>
-            <a:off x="155151" y="1036820"/>
-            <a:ext cx="3658566" cy="369332"/>
-          </a:xfrm>
-          <a:prstGeom prst="rect">
-            <a:avLst/>
-          </a:prstGeom>
-          <a:solidFill>
-            <a:srgbClr val="FFFF00"/>
-          </a:solidFill>
-        </p:spPr>
-        <p:txBody>
-          <a:bodyPr wrap="none">
-            <a:spAutoFit/>
-          </a:bodyPr>
-          <a:lstStyle/>
-          <a:p>
-            <a:pPr indent="450215">
-              <a:spcBef>
-                <a:spcPts val="600"/>
-              </a:spcBef>
-              <a:spcAft>
-                <a:spcPts val="600"/>
-              </a:spcAft>
-            </a:pPr>
-            <a:r>
-              <a:rPr lang="uk-UA" b="1" dirty="0">
-                <a:solidFill>
-                  <a:srgbClr val="000000"/>
-                </a:solidFill>
-                <a:latin typeface="Arial" panose="020B0604020202020204" pitchFamily="34" charset="0"/>
-                <a:cs typeface="Times New Roman" panose="02020603050405020304" pitchFamily="18" charset="0"/>
-              </a:rPr>
-              <a:t>Символи як об</a:t>
-            </a:r>
-            <a:r>
-              <a:rPr lang="en-US" b="1" dirty="0">
-                <a:solidFill>
-                  <a:srgbClr val="000000"/>
-                </a:solidFill>
-                <a:latin typeface="Arial" panose="020B0604020202020204" pitchFamily="34" charset="0"/>
-                <a:cs typeface="Times New Roman" panose="02020603050405020304" pitchFamily="18" charset="0"/>
-              </a:rPr>
-              <a:t>’</a:t>
-            </a:r>
-            <a:r>
-              <a:rPr lang="uk-UA" b="1" dirty="0" err="1">
-                <a:solidFill>
-                  <a:srgbClr val="000000"/>
-                </a:solidFill>
-                <a:latin typeface="Arial" panose="020B0604020202020204" pitchFamily="34" charset="0"/>
-                <a:cs typeface="Times New Roman" panose="02020603050405020304" pitchFamily="18" charset="0"/>
-              </a:rPr>
-              <a:t>єкти</a:t>
-            </a:r>
-            <a:r>
-              <a:rPr lang="uk-UA" b="1" dirty="0">
-                <a:solidFill>
-                  <a:srgbClr val="000000"/>
-                </a:solidFill>
-                <a:latin typeface="Arial" panose="020B0604020202020204" pitchFamily="34" charset="0"/>
-                <a:cs typeface="Times New Roman" panose="02020603050405020304" pitchFamily="18" charset="0"/>
-              </a:rPr>
-              <a:t> даних</a:t>
-            </a:r>
-            <a:endParaRPr lang="ru-RU" b="1" dirty="0">
-              <a:solidFill>
-                <a:srgbClr val="000000"/>
-              </a:solidFill>
-              <a:latin typeface="Arial" panose="020B0604020202020204" pitchFamily="34" charset="0"/>
-              <a:cs typeface="Times New Roman" panose="02020603050405020304" pitchFamily="18" charset="0"/>
-            </a:endParaRPr>
-          </a:p>
-        </p:txBody>
-      </p:sp>
-      <p:sp>
-        <p:nvSpPr>
-          <p:cNvPr id="6" name="Прямоугольник 5"/>
-          <p:cNvSpPr/>
-          <p:nvPr/>
-        </p:nvSpPr>
-        <p:spPr>
-          <a:xfrm>
-            <a:off x="155151" y="1340356"/>
-            <a:ext cx="6389649" cy="369332"/>
-          </a:xfrm>
-          <a:prstGeom prst="rect">
-            <a:avLst/>
-          </a:prstGeom>
-          <a:solidFill>
-            <a:srgbClr val="FFFF00"/>
-          </a:solidFill>
-        </p:spPr>
-        <p:txBody>
-          <a:bodyPr wrap="square">
-            <a:spAutoFit/>
-          </a:bodyPr>
-          <a:lstStyle/>
-          <a:p>
-            <a:pPr indent="450215">
-              <a:spcBef>
-                <a:spcPts val="600"/>
-              </a:spcBef>
-              <a:spcAft>
-                <a:spcPts val="600"/>
-              </a:spcAft>
-            </a:pPr>
-            <a:r>
-              <a:rPr lang="uk-UA" b="1" dirty="0">
-                <a:solidFill>
-                  <a:srgbClr val="000000"/>
-                </a:solidFill>
-                <a:latin typeface="Arial" panose="020B0604020202020204" pitchFamily="34" charset="0"/>
-                <a:cs typeface="Times New Roman" panose="02020603050405020304" pitchFamily="18" charset="0"/>
-              </a:rPr>
-              <a:t>Примітиви для роботи з символами</a:t>
-            </a:r>
-            <a:endParaRPr lang="ru-RU" b="1" dirty="0">
-              <a:solidFill>
-                <a:srgbClr val="000000"/>
-              </a:solidFill>
-              <a:latin typeface="Arial" panose="020B0604020202020204" pitchFamily="34" charset="0"/>
-              <a:cs typeface="Times New Roman" panose="02020603050405020304" pitchFamily="18" charset="0"/>
-            </a:endParaRPr>
-          </a:p>
-        </p:txBody>
-      </p:sp>
-      <p:sp>
-        <p:nvSpPr>
-          <p:cNvPr id="7" name="Прямоугольник 6"/>
-          <p:cNvSpPr/>
-          <p:nvPr/>
-        </p:nvSpPr>
-        <p:spPr>
-          <a:xfrm>
-            <a:off x="155151" y="1675563"/>
-            <a:ext cx="6226232" cy="369332"/>
-          </a:xfrm>
-          <a:prstGeom prst="rect">
-            <a:avLst/>
-          </a:prstGeom>
-          <a:solidFill>
-            <a:srgbClr val="FFFF00"/>
-          </a:solidFill>
-        </p:spPr>
-        <p:txBody>
-          <a:bodyPr wrap="square">
-            <a:spAutoFit/>
-          </a:bodyPr>
-          <a:lstStyle/>
-          <a:p>
-            <a:pPr indent="450215">
-              <a:spcBef>
-                <a:spcPts val="600"/>
-              </a:spcBef>
-              <a:spcAft>
-                <a:spcPts val="600"/>
-              </a:spcAft>
-            </a:pPr>
-            <a:r>
-              <a:rPr lang="uk-UA" b="1" dirty="0">
-                <a:solidFill>
-                  <a:srgbClr val="000000"/>
-                </a:solidFill>
-                <a:latin typeface="Arial" panose="020B0604020202020204" pitchFamily="34" charset="0"/>
-                <a:cs typeface="Times New Roman" panose="02020603050405020304" pitchFamily="18" charset="0"/>
-              </a:rPr>
-              <a:t>Приклад: символьне диференціювання</a:t>
-            </a:r>
-            <a:endParaRPr lang="ru-RU" b="1" dirty="0">
-              <a:solidFill>
-                <a:srgbClr val="000000"/>
-              </a:solidFill>
-              <a:latin typeface="Arial" panose="020B0604020202020204" pitchFamily="34" charset="0"/>
-              <a:cs typeface="Times New Roman" panose="02020603050405020304" pitchFamily="18" charset="0"/>
-            </a:endParaRPr>
-          </a:p>
-        </p:txBody>
-      </p:sp>
-      <p:sp>
-        <p:nvSpPr>
-          <p:cNvPr id="8" name="Прямоугольник 7"/>
-          <p:cNvSpPr/>
-          <p:nvPr/>
-        </p:nvSpPr>
-        <p:spPr>
-          <a:xfrm>
-            <a:off x="155151" y="2044895"/>
-            <a:ext cx="7437863" cy="313932"/>
-          </a:xfrm>
-          <a:prstGeom prst="rect">
-            <a:avLst/>
-          </a:prstGeom>
-          <a:solidFill>
-            <a:srgbClr val="FFFF00"/>
-          </a:solidFill>
-        </p:spPr>
-        <p:txBody>
-          <a:bodyPr wrap="square">
-            <a:spAutoFit/>
-          </a:bodyPr>
-          <a:lstStyle/>
-          <a:p>
-            <a:pPr indent="450215">
-              <a:lnSpc>
-                <a:spcPct val="80000"/>
-              </a:lnSpc>
-              <a:spcBef>
-                <a:spcPts val="600"/>
-              </a:spcBef>
-              <a:spcAft>
-                <a:spcPts val="600"/>
-              </a:spcAft>
-            </a:pPr>
-            <a:r>
-              <a:rPr lang="ru-RU" b="1" dirty="0" err="1">
-                <a:solidFill>
-                  <a:srgbClr val="000000"/>
-                </a:solidFill>
-                <a:latin typeface="Arial" panose="020B0604020202020204" pitchFamily="34" charset="0"/>
-                <a:cs typeface="Times New Roman" panose="02020603050405020304" pitchFamily="18" charset="0"/>
-              </a:rPr>
-              <a:t>Програма</a:t>
-            </a:r>
-            <a:r>
-              <a:rPr lang="ru-RU" b="1" dirty="0">
-                <a:solidFill>
-                  <a:srgbClr val="000000"/>
-                </a:solidFill>
-                <a:latin typeface="Arial" panose="020B0604020202020204" pitchFamily="34" charset="0"/>
-                <a:cs typeface="Times New Roman" panose="02020603050405020304" pitchFamily="18" charset="0"/>
-              </a:rPr>
-              <a:t> </a:t>
-            </a:r>
-            <a:r>
-              <a:rPr lang="ru-RU" b="1" dirty="0" err="1">
-                <a:solidFill>
-                  <a:srgbClr val="000000"/>
-                </a:solidFill>
-                <a:latin typeface="Arial" panose="020B0604020202020204" pitchFamily="34" charset="0"/>
-                <a:cs typeface="Times New Roman" panose="02020603050405020304" pitchFamily="18" charset="0"/>
-              </a:rPr>
-              <a:t>диференціювання</a:t>
-            </a:r>
-            <a:r>
-              <a:rPr lang="ru-RU" b="1" dirty="0">
-                <a:solidFill>
-                  <a:srgbClr val="000000"/>
-                </a:solidFill>
-                <a:latin typeface="Arial" panose="020B0604020202020204" pitchFamily="34" charset="0"/>
-                <a:cs typeface="Times New Roman" panose="02020603050405020304" pitchFamily="18" charset="0"/>
-              </a:rPr>
-              <a:t> з </a:t>
-            </a:r>
-            <a:r>
-              <a:rPr lang="ru-RU" b="1" dirty="0" err="1">
-                <a:solidFill>
-                  <a:srgbClr val="000000"/>
-                </a:solidFill>
-                <a:latin typeface="Arial" panose="020B0604020202020204" pitchFamily="34" charset="0"/>
-                <a:cs typeface="Times New Roman" panose="02020603050405020304" pitchFamily="18" charset="0"/>
-              </a:rPr>
-              <a:t>абстрактними</a:t>
-            </a:r>
-            <a:r>
-              <a:rPr lang="ru-RU" b="1" dirty="0">
-                <a:solidFill>
-                  <a:srgbClr val="000000"/>
-                </a:solidFill>
-                <a:latin typeface="Arial" panose="020B0604020202020204" pitchFamily="34" charset="0"/>
-                <a:cs typeface="Times New Roman" panose="02020603050405020304" pitchFamily="18" charset="0"/>
-              </a:rPr>
-              <a:t> </a:t>
-            </a:r>
-            <a:r>
-              <a:rPr lang="ru-RU" b="1" dirty="0" err="1">
-                <a:solidFill>
-                  <a:srgbClr val="000000"/>
-                </a:solidFill>
-                <a:latin typeface="Arial" panose="020B0604020202020204" pitchFamily="34" charset="0"/>
-                <a:cs typeface="Times New Roman" panose="02020603050405020304" pitchFamily="18" charset="0"/>
-              </a:rPr>
-              <a:t>даними</a:t>
-            </a:r>
-            <a:endParaRPr lang="ru-RU" b="1" dirty="0">
-              <a:solidFill>
-                <a:srgbClr val="000000"/>
-              </a:solidFill>
-              <a:latin typeface="Arial" panose="020B0604020202020204" pitchFamily="34" charset="0"/>
-              <a:cs typeface="Times New Roman" panose="02020603050405020304" pitchFamily="18" charset="0"/>
-            </a:endParaRPr>
-          </a:p>
-        </p:txBody>
-      </p:sp>
-      <p:sp>
-        <p:nvSpPr>
-          <p:cNvPr id="9" name="Прямоугольник 8"/>
-          <p:cNvSpPr/>
-          <p:nvPr/>
-        </p:nvSpPr>
-        <p:spPr>
-          <a:xfrm>
-            <a:off x="628238" y="2352458"/>
-            <a:ext cx="2135906" cy="369332"/>
-          </a:xfrm>
-          <a:prstGeom prst="rect">
-            <a:avLst/>
-          </a:prstGeom>
-          <a:solidFill>
-            <a:srgbClr val="FFFF00"/>
-          </a:solidFill>
-        </p:spPr>
-        <p:txBody>
-          <a:bodyPr wrap="none">
-            <a:spAutoFit/>
-          </a:bodyPr>
-          <a:lstStyle/>
-          <a:p>
-            <a:r>
-              <a:rPr lang="uk-UA" b="1" dirty="0" smtClean="0">
-                <a:latin typeface="Arial" panose="020B0604020202020204" pitchFamily="34" charset="0"/>
-                <a:cs typeface="Arial" panose="020B0604020202020204" pitchFamily="34" charset="0"/>
-              </a:rPr>
-              <a:t>Подання </a:t>
-            </a:r>
-            <a:r>
-              <a:rPr lang="uk-UA" b="1" dirty="0">
-                <a:latin typeface="Arial" panose="020B0604020202020204" pitchFamily="34" charset="0"/>
-                <a:cs typeface="Arial" panose="020B0604020202020204" pitchFamily="34" charset="0"/>
-              </a:rPr>
-              <a:t>множин</a:t>
-            </a:r>
-            <a:endParaRPr lang="uk-UA" dirty="0">
-              <a:latin typeface="Arial" panose="020B0604020202020204" pitchFamily="34" charset="0"/>
-              <a:cs typeface="Arial" panose="020B0604020202020204" pitchFamily="34" charset="0"/>
-            </a:endParaRPr>
-          </a:p>
-        </p:txBody>
-      </p:sp>
-      <p:sp>
-        <p:nvSpPr>
-          <p:cNvPr id="10" name="Прямоугольник 9"/>
-          <p:cNvSpPr/>
-          <p:nvPr/>
-        </p:nvSpPr>
-        <p:spPr>
-          <a:xfrm>
-            <a:off x="628238" y="2716913"/>
-            <a:ext cx="4048673" cy="369332"/>
-          </a:xfrm>
-          <a:prstGeom prst="rect">
-            <a:avLst/>
-          </a:prstGeom>
-          <a:solidFill>
-            <a:srgbClr val="FFFF00"/>
-          </a:solidFill>
-        </p:spPr>
-        <p:txBody>
-          <a:bodyPr wrap="none">
-            <a:spAutoFit/>
-          </a:bodyPr>
-          <a:lstStyle/>
-          <a:p>
-            <a:pPr algn="ctr"/>
-            <a:r>
-              <a:rPr lang="uk-UA" b="1" dirty="0">
-                <a:latin typeface="Arial" panose="020B0604020202020204" pitchFamily="34" charset="0"/>
-                <a:cs typeface="Arial" panose="020B0604020202020204" pitchFamily="34" charset="0"/>
-              </a:rPr>
-              <a:t>Множини як впорядковані списки</a:t>
-            </a:r>
-          </a:p>
-        </p:txBody>
-      </p:sp>
-      <p:sp>
-        <p:nvSpPr>
-          <p:cNvPr id="11" name="Прямоугольник 10"/>
-          <p:cNvSpPr/>
-          <p:nvPr/>
-        </p:nvSpPr>
-        <p:spPr>
-          <a:xfrm>
-            <a:off x="628238" y="3056508"/>
-            <a:ext cx="3315716" cy="369332"/>
-          </a:xfrm>
-          <a:prstGeom prst="rect">
-            <a:avLst/>
-          </a:prstGeom>
-          <a:solidFill>
-            <a:srgbClr val="FFFF00"/>
-          </a:solidFill>
-        </p:spPr>
-        <p:txBody>
-          <a:bodyPr wrap="none">
-            <a:spAutoFit/>
-          </a:bodyPr>
-          <a:lstStyle/>
-          <a:p>
-            <a:r>
-              <a:rPr lang="uk-UA" b="1" dirty="0">
-                <a:latin typeface="Arial" panose="020B0604020202020204" pitchFamily="34" charset="0"/>
-                <a:cs typeface="Arial" panose="020B0604020202020204" pitchFamily="34" charset="0"/>
-              </a:rPr>
-              <a:t>Множини як бінарні дерева</a:t>
-            </a:r>
-            <a:endParaRPr lang="uk-UA" dirty="0">
-              <a:latin typeface="Arial" panose="020B0604020202020204" pitchFamily="34" charset="0"/>
-              <a:cs typeface="Arial" panose="020B0604020202020204" pitchFamily="34" charset="0"/>
-            </a:endParaRPr>
-          </a:p>
-        </p:txBody>
-      </p:sp>
-      <p:sp>
-        <p:nvSpPr>
-          <p:cNvPr id="12" name="Прямоугольник 11"/>
-          <p:cNvSpPr/>
-          <p:nvPr/>
-        </p:nvSpPr>
-        <p:spPr>
-          <a:xfrm>
-            <a:off x="628238" y="3386400"/>
-            <a:ext cx="5174173" cy="369332"/>
-          </a:xfrm>
-          <a:prstGeom prst="rect">
-            <a:avLst/>
-          </a:prstGeom>
-          <a:solidFill>
-            <a:srgbClr val="FFFF00"/>
-          </a:solidFill>
-        </p:spPr>
-        <p:txBody>
-          <a:bodyPr wrap="none">
-            <a:spAutoFit/>
-          </a:bodyPr>
-          <a:lstStyle/>
-          <a:p>
-            <a:pPr algn="ctr"/>
-            <a:r>
-              <a:rPr lang="uk-UA" b="1" dirty="0">
-                <a:latin typeface="Arial" panose="020B0604020202020204" pitchFamily="34" charset="0"/>
-                <a:cs typeface="Arial" panose="020B0604020202020204" pitchFamily="34" charset="0"/>
-              </a:rPr>
-              <a:t>Множинні уявлення для абстрактних даних</a:t>
-            </a:r>
-          </a:p>
-        </p:txBody>
-      </p:sp>
-      <p:sp>
-        <p:nvSpPr>
-          <p:cNvPr id="13" name="Прямоугольник 12"/>
-          <p:cNvSpPr/>
-          <p:nvPr/>
-        </p:nvSpPr>
-        <p:spPr>
-          <a:xfrm>
-            <a:off x="155151" y="3765435"/>
-            <a:ext cx="8017727" cy="369332"/>
-          </a:xfrm>
-          <a:prstGeom prst="rect">
-            <a:avLst/>
-          </a:prstGeom>
-          <a:solidFill>
-            <a:srgbClr val="FFFF00"/>
-          </a:solidFill>
-        </p:spPr>
-        <p:txBody>
-          <a:bodyPr wrap="square">
-            <a:spAutoFit/>
-          </a:bodyPr>
-          <a:lstStyle/>
-          <a:p>
-            <a:pPr algn="ctr"/>
-            <a:r>
-              <a:rPr lang="uk-UA" b="1" dirty="0">
-                <a:latin typeface="Arial" panose="020B0604020202020204" pitchFamily="34" charset="0"/>
-                <a:cs typeface="Arial" panose="020B0604020202020204" pitchFamily="34" charset="0"/>
-              </a:rPr>
-              <a:t>Приклад. Арифметичні операції над комплексними числами</a:t>
-            </a:r>
-          </a:p>
-        </p:txBody>
-      </p:sp>
-      <p:sp>
-        <p:nvSpPr>
-          <p:cNvPr id="14" name="Прямоугольник 13"/>
-          <p:cNvSpPr/>
-          <p:nvPr/>
-        </p:nvSpPr>
-        <p:spPr>
-          <a:xfrm>
-            <a:off x="493089" y="4192374"/>
-            <a:ext cx="8650911" cy="341632"/>
-          </a:xfrm>
-          <a:prstGeom prst="rect">
-            <a:avLst/>
-          </a:prstGeom>
-        </p:spPr>
-        <p:txBody>
-          <a:bodyPr wrap="square">
-            <a:spAutoFit/>
-          </a:bodyPr>
-          <a:lstStyle/>
-          <a:p>
-            <a:pPr algn="ctr">
-              <a:lnSpc>
-                <a:spcPct val="90000"/>
-              </a:lnSpc>
-            </a:pPr>
-            <a:r>
-              <a:rPr lang="ru-RU" b="1" dirty="0" err="1">
-                <a:solidFill>
-                  <a:srgbClr val="FF0000"/>
-                </a:solidFill>
-                <a:hlinkClick r:id="rId2" action="ppaction://hlinksldjump"/>
-              </a:rPr>
-              <a:t>Лабораторна</a:t>
-            </a:r>
-            <a:r>
-              <a:rPr lang="ru-RU" b="1" dirty="0">
-                <a:solidFill>
-                  <a:srgbClr val="FF0000"/>
-                </a:solidFill>
-                <a:hlinkClick r:id="rId2" action="ppaction://hlinksldjump"/>
-              </a:rPr>
-              <a:t> робота 5. </a:t>
-            </a:r>
-            <a:r>
-              <a:rPr lang="uk-UA" b="1" dirty="0">
-                <a:solidFill>
-                  <a:srgbClr val="FF0000"/>
-                </a:solidFill>
-                <a:hlinkClick r:id="rId2" action="ppaction://hlinksldjump"/>
-              </a:rPr>
-              <a:t>Символьні дані, множини, узагальнені арифметичні операції</a:t>
-            </a:r>
-            <a:endParaRPr lang="uk-UA" b="1" dirty="0">
-              <a:solidFill>
-                <a:srgbClr val="FF0000"/>
-              </a:solidFill>
-            </a:endParaRPr>
-          </a:p>
-        </p:txBody>
-      </p:sp>
-    </p:spTree>
-    <p:extLst>
-      <p:ext uri="{BB962C8B-B14F-4D97-AF65-F5344CB8AC3E}">
-        <p14:creationId xmlns:p14="http://schemas.microsoft.com/office/powerpoint/2010/main" val="3404044852"/>
-      </p:ext>
-    </p:extLst>
-  </p:cSld>
-  <p:clrMapOvr>
-    <a:masterClrMapping/>
-  </p:clrMapOvr>
-  <p:timing>
-    <p:tnLst>
-      <p:par>
-        <p:cTn id="1" dur="indefinite" restart="never" nodeType="tmRoot"/>
-      </p:par>
-    </p:tnLst>
-  </p:timing>
-</p:sld>
-</file>
-
-<file path=ppt/slides/slide30.xml><?xml version="1.0" encoding="utf-8"?>
+<file path=ppt/slides/slide29.xml><?xml version="1.0" encoding="utf-8"?>
 <p:sld xmlns:a="http://schemas.openxmlformats.org/drawingml/2006/main" xmlns:r="http://schemas.openxmlformats.org/officeDocument/2006/relationships" xmlns:p="http://schemas.openxmlformats.org/presentationml/2006/main">
   <p:cSld>
     <p:spTree>
@@ -15055,7 +13505,7 @@
             <a:fld id="{54BDC68D-FF80-4D4E-BAF3-F6A29ED33A36}" type="slidenum">
               <a:rPr lang="ru-RU" smtClean="0"/>
               <a:pPr/>
-              <a:t>30</a:t>
+              <a:t>29</a:t>
             </a:fld>
             <a:endParaRPr lang="ru-RU"/>
           </a:p>
@@ -15079,6 +13529,769 @@
       <p:transition spd="slow"/>
     </mc:Fallback>
   </mc:AlternateContent>
+</p:sld>
+</file>
+
+<file path=ppt/slides/slide3.xml><?xml version="1.0" encoding="utf-8"?>
+<p:sld xmlns:a="http://schemas.openxmlformats.org/drawingml/2006/main" xmlns:r="http://schemas.openxmlformats.org/officeDocument/2006/relationships" xmlns:p="http://schemas.openxmlformats.org/presentationml/2006/main">
+  <p:cSld>
+    <p:spTree>
+      <p:nvGrpSpPr>
+        <p:cNvPr id="1" name=""/>
+        <p:cNvGrpSpPr/>
+        <p:nvPr/>
+      </p:nvGrpSpPr>
+      <p:grpSpPr>
+        <a:xfrm>
+          <a:off x="0" y="0"/>
+          <a:ext cx="0" cy="0"/>
+          <a:chOff x="0" y="0"/>
+          <a:chExt cx="0" cy="0"/>
+        </a:xfrm>
+      </p:grpSpPr>
+      <p:sp>
+        <p:nvSpPr>
+          <p:cNvPr id="2" name="Номер слайда 1"/>
+          <p:cNvSpPr>
+            <a:spLocks noGrp="1"/>
+          </p:cNvSpPr>
+          <p:nvPr>
+            <p:ph type="sldNum" sz="quarter" idx="12"/>
+          </p:nvPr>
+        </p:nvSpPr>
+        <p:spPr/>
+        <p:txBody>
+          <a:bodyPr/>
+          <a:lstStyle/>
+          <a:p>
+            <a:fld id="{54BDC68D-FF80-4D4E-BAF3-F6A29ED33A36}" type="slidenum">
+              <a:rPr lang="ru-RU" smtClean="0"/>
+              <a:pPr/>
+              <a:t>3</a:t>
+            </a:fld>
+            <a:endParaRPr lang="ru-RU"/>
+          </a:p>
+        </p:txBody>
+      </p:sp>
+      <p:sp>
+        <p:nvSpPr>
+          <p:cNvPr id="3" name="TextBox 2"/>
+          <p:cNvSpPr txBox="1"/>
+          <p:nvPr/>
+        </p:nvSpPr>
+        <p:spPr>
+          <a:xfrm>
+            <a:off x="4002406" y="87868"/>
+            <a:ext cx="1223412" cy="646331"/>
+          </a:xfrm>
+          <a:prstGeom prst="rect">
+            <a:avLst/>
+          </a:prstGeom>
+          <a:noFill/>
+        </p:spPr>
+        <p:txBody>
+          <a:bodyPr wrap="none" rtlCol="0">
+            <a:spAutoFit/>
+          </a:bodyPr>
+          <a:lstStyle/>
+          <a:p>
+            <a:r>
+              <a:rPr lang="uk-UA" sz="3600" b="1" dirty="0" smtClean="0"/>
+              <a:t>Зміст</a:t>
+            </a:r>
+            <a:endParaRPr lang="uk-UA" sz="3600" b="1" dirty="0"/>
+          </a:p>
+        </p:txBody>
+      </p:sp>
+      <p:sp>
+        <p:nvSpPr>
+          <p:cNvPr id="4" name="Прямоугольник 3"/>
+          <p:cNvSpPr/>
+          <p:nvPr/>
+        </p:nvSpPr>
+        <p:spPr>
+          <a:xfrm>
+            <a:off x="0" y="778133"/>
+            <a:ext cx="9144000" cy="3170099"/>
+          </a:xfrm>
+          <a:prstGeom prst="rect">
+            <a:avLst/>
+          </a:prstGeom>
+        </p:spPr>
+        <p:txBody>
+          <a:bodyPr wrap="square">
+            <a:spAutoFit/>
+          </a:bodyPr>
+          <a:lstStyle/>
+          <a:p>
+            <a:pPr marL="0" lvl="2" indent="450215" algn="just">
+              <a:spcBef>
+                <a:spcPts val="600"/>
+              </a:spcBef>
+              <a:spcAft>
+                <a:spcPts val="600"/>
+              </a:spcAft>
+            </a:pPr>
+            <a:endParaRPr lang="uk-UA" sz="3200" b="1" dirty="0">
+              <a:solidFill>
+                <a:prstClr val="black"/>
+              </a:solidFill>
+            </a:endParaRPr>
+          </a:p>
+          <a:p>
+            <a:pPr marL="0" lvl="2" indent="450215" algn="just">
+              <a:spcBef>
+                <a:spcPts val="600"/>
+              </a:spcBef>
+              <a:spcAft>
+                <a:spcPts val="600"/>
+              </a:spcAft>
+            </a:pPr>
+            <a:endParaRPr lang="ru-RU" sz="3200" b="1" dirty="0"/>
+          </a:p>
+          <a:p>
+            <a:pPr marL="0" lvl="2" indent="450215" algn="just">
+              <a:spcBef>
+                <a:spcPts val="600"/>
+              </a:spcBef>
+              <a:spcAft>
+                <a:spcPts val="600"/>
+              </a:spcAft>
+            </a:pPr>
+            <a:endParaRPr lang="ru-RU" sz="3200" b="1" dirty="0">
+              <a:ea typeface="Palatino Linotype" panose="02040502050505030304" pitchFamily="18" charset="0"/>
+            </a:endParaRPr>
+          </a:p>
+          <a:p>
+            <a:pPr indent="450215" algn="just">
+              <a:spcBef>
+                <a:spcPts val="600"/>
+              </a:spcBef>
+              <a:spcAft>
+                <a:spcPts val="600"/>
+              </a:spcAft>
+            </a:pPr>
+            <a:endParaRPr lang="ru-RU" b="1" dirty="0">
+              <a:solidFill>
+                <a:srgbClr val="000000"/>
+              </a:solidFill>
+              <a:latin typeface="Arial" panose="020B0604020202020204" pitchFamily="34" charset="0"/>
+              <a:cs typeface="Times New Roman" panose="02020603050405020304" pitchFamily="18" charset="0"/>
+            </a:endParaRPr>
+          </a:p>
+          <a:p>
+            <a:pPr indent="450215" algn="just">
+              <a:spcBef>
+                <a:spcPts val="600"/>
+              </a:spcBef>
+              <a:spcAft>
+                <a:spcPts val="600"/>
+              </a:spcAft>
+            </a:pPr>
+            <a:endParaRPr lang="ru-RU" b="1" dirty="0">
+              <a:solidFill>
+                <a:srgbClr val="000000"/>
+              </a:solidFill>
+              <a:latin typeface="Arial" panose="020B0604020202020204" pitchFamily="34" charset="0"/>
+              <a:cs typeface="Times New Roman" panose="02020603050405020304" pitchFamily="18" charset="0"/>
+            </a:endParaRPr>
+          </a:p>
+          <a:p>
+            <a:pPr indent="450215" algn="just">
+              <a:spcBef>
+                <a:spcPts val="600"/>
+              </a:spcBef>
+              <a:spcAft>
+                <a:spcPts val="600"/>
+              </a:spcAft>
+            </a:pPr>
+            <a:r>
+              <a:rPr lang="uk-UA" b="1" dirty="0" smtClean="0">
+                <a:solidFill>
+                  <a:srgbClr val="000000"/>
+                </a:solidFill>
+                <a:latin typeface="Arial" panose="020B0604020202020204" pitchFamily="34" charset="0"/>
+                <a:cs typeface="Times New Roman" panose="02020603050405020304" pitchFamily="18" charset="0"/>
+              </a:rPr>
+              <a:t> </a:t>
+            </a:r>
+            <a:endParaRPr lang="ru-RU" b="1" dirty="0">
+              <a:solidFill>
+                <a:srgbClr val="000000"/>
+              </a:solidFill>
+              <a:latin typeface="Arial" panose="020B0604020202020204" pitchFamily="34" charset="0"/>
+              <a:cs typeface="Times New Roman" panose="02020603050405020304" pitchFamily="18" charset="0"/>
+            </a:endParaRPr>
+          </a:p>
+        </p:txBody>
+      </p:sp>
+      <p:sp>
+        <p:nvSpPr>
+          <p:cNvPr id="5" name="Прямоугольник 4"/>
+          <p:cNvSpPr/>
+          <p:nvPr/>
+        </p:nvSpPr>
+        <p:spPr>
+          <a:xfrm>
+            <a:off x="155151" y="1036820"/>
+            <a:ext cx="3658566" cy="369332"/>
+          </a:xfrm>
+          <a:prstGeom prst="rect">
+            <a:avLst/>
+          </a:prstGeom>
+          <a:solidFill>
+            <a:srgbClr val="FFFF00"/>
+          </a:solidFill>
+        </p:spPr>
+        <p:txBody>
+          <a:bodyPr wrap="none">
+            <a:spAutoFit/>
+          </a:bodyPr>
+          <a:lstStyle/>
+          <a:p>
+            <a:pPr indent="450215">
+              <a:spcBef>
+                <a:spcPts val="600"/>
+              </a:spcBef>
+              <a:spcAft>
+                <a:spcPts val="600"/>
+              </a:spcAft>
+            </a:pPr>
+            <a:r>
+              <a:rPr lang="uk-UA" b="1" dirty="0">
+                <a:solidFill>
+                  <a:srgbClr val="000000"/>
+                </a:solidFill>
+                <a:latin typeface="Arial" panose="020B0604020202020204" pitchFamily="34" charset="0"/>
+                <a:cs typeface="Times New Roman" panose="02020603050405020304" pitchFamily="18" charset="0"/>
+              </a:rPr>
+              <a:t>Символи як об</a:t>
+            </a:r>
+            <a:r>
+              <a:rPr lang="en-US" b="1" dirty="0">
+                <a:solidFill>
+                  <a:srgbClr val="000000"/>
+                </a:solidFill>
+                <a:latin typeface="Arial" panose="020B0604020202020204" pitchFamily="34" charset="0"/>
+                <a:cs typeface="Times New Roman" panose="02020603050405020304" pitchFamily="18" charset="0"/>
+              </a:rPr>
+              <a:t>’</a:t>
+            </a:r>
+            <a:r>
+              <a:rPr lang="uk-UA" b="1" dirty="0" err="1">
+                <a:solidFill>
+                  <a:srgbClr val="000000"/>
+                </a:solidFill>
+                <a:latin typeface="Arial" panose="020B0604020202020204" pitchFamily="34" charset="0"/>
+                <a:cs typeface="Times New Roman" panose="02020603050405020304" pitchFamily="18" charset="0"/>
+              </a:rPr>
+              <a:t>єкти</a:t>
+            </a:r>
+            <a:r>
+              <a:rPr lang="uk-UA" b="1" dirty="0">
+                <a:solidFill>
+                  <a:srgbClr val="000000"/>
+                </a:solidFill>
+                <a:latin typeface="Arial" panose="020B0604020202020204" pitchFamily="34" charset="0"/>
+                <a:cs typeface="Times New Roman" panose="02020603050405020304" pitchFamily="18" charset="0"/>
+              </a:rPr>
+              <a:t> даних</a:t>
+            </a:r>
+            <a:endParaRPr lang="ru-RU" b="1" dirty="0">
+              <a:solidFill>
+                <a:srgbClr val="000000"/>
+              </a:solidFill>
+              <a:latin typeface="Arial" panose="020B0604020202020204" pitchFamily="34" charset="0"/>
+              <a:cs typeface="Times New Roman" panose="02020603050405020304" pitchFamily="18" charset="0"/>
+            </a:endParaRPr>
+          </a:p>
+        </p:txBody>
+      </p:sp>
+      <p:sp>
+        <p:nvSpPr>
+          <p:cNvPr id="6" name="Прямоугольник 5"/>
+          <p:cNvSpPr/>
+          <p:nvPr/>
+        </p:nvSpPr>
+        <p:spPr>
+          <a:xfrm>
+            <a:off x="155151" y="1340356"/>
+            <a:ext cx="6389649" cy="369332"/>
+          </a:xfrm>
+          <a:prstGeom prst="rect">
+            <a:avLst/>
+          </a:prstGeom>
+          <a:solidFill>
+            <a:srgbClr val="FFFF00"/>
+          </a:solidFill>
+        </p:spPr>
+        <p:txBody>
+          <a:bodyPr wrap="square">
+            <a:spAutoFit/>
+          </a:bodyPr>
+          <a:lstStyle/>
+          <a:p>
+            <a:pPr indent="450215">
+              <a:spcBef>
+                <a:spcPts val="600"/>
+              </a:spcBef>
+              <a:spcAft>
+                <a:spcPts val="600"/>
+              </a:spcAft>
+            </a:pPr>
+            <a:r>
+              <a:rPr lang="uk-UA" b="1" dirty="0">
+                <a:solidFill>
+                  <a:srgbClr val="000000"/>
+                </a:solidFill>
+                <a:latin typeface="Arial" panose="020B0604020202020204" pitchFamily="34" charset="0"/>
+                <a:cs typeface="Times New Roman" panose="02020603050405020304" pitchFamily="18" charset="0"/>
+              </a:rPr>
+              <a:t>Примітиви для роботи з символами</a:t>
+            </a:r>
+            <a:endParaRPr lang="ru-RU" b="1" dirty="0">
+              <a:solidFill>
+                <a:srgbClr val="000000"/>
+              </a:solidFill>
+              <a:latin typeface="Arial" panose="020B0604020202020204" pitchFamily="34" charset="0"/>
+              <a:cs typeface="Times New Roman" panose="02020603050405020304" pitchFamily="18" charset="0"/>
+            </a:endParaRPr>
+          </a:p>
+        </p:txBody>
+      </p:sp>
+      <p:sp>
+        <p:nvSpPr>
+          <p:cNvPr id="7" name="Прямоугольник 6"/>
+          <p:cNvSpPr/>
+          <p:nvPr/>
+        </p:nvSpPr>
+        <p:spPr>
+          <a:xfrm>
+            <a:off x="155151" y="1675563"/>
+            <a:ext cx="6226232" cy="369332"/>
+          </a:xfrm>
+          <a:prstGeom prst="rect">
+            <a:avLst/>
+          </a:prstGeom>
+          <a:solidFill>
+            <a:srgbClr val="FFFF00"/>
+          </a:solidFill>
+        </p:spPr>
+        <p:txBody>
+          <a:bodyPr wrap="square">
+            <a:spAutoFit/>
+          </a:bodyPr>
+          <a:lstStyle/>
+          <a:p>
+            <a:pPr indent="450215">
+              <a:spcBef>
+                <a:spcPts val="600"/>
+              </a:spcBef>
+              <a:spcAft>
+                <a:spcPts val="600"/>
+              </a:spcAft>
+            </a:pPr>
+            <a:r>
+              <a:rPr lang="uk-UA" b="1" dirty="0">
+                <a:solidFill>
+                  <a:srgbClr val="000000"/>
+                </a:solidFill>
+                <a:latin typeface="Arial" panose="020B0604020202020204" pitchFamily="34" charset="0"/>
+                <a:cs typeface="Times New Roman" panose="02020603050405020304" pitchFamily="18" charset="0"/>
+              </a:rPr>
+              <a:t>Приклад: символьне диференціювання</a:t>
+            </a:r>
+            <a:endParaRPr lang="ru-RU" b="1" dirty="0">
+              <a:solidFill>
+                <a:srgbClr val="000000"/>
+              </a:solidFill>
+              <a:latin typeface="Arial" panose="020B0604020202020204" pitchFamily="34" charset="0"/>
+              <a:cs typeface="Times New Roman" panose="02020603050405020304" pitchFamily="18" charset="0"/>
+            </a:endParaRPr>
+          </a:p>
+        </p:txBody>
+      </p:sp>
+      <p:sp>
+        <p:nvSpPr>
+          <p:cNvPr id="8" name="Прямоугольник 7"/>
+          <p:cNvSpPr/>
+          <p:nvPr/>
+        </p:nvSpPr>
+        <p:spPr>
+          <a:xfrm>
+            <a:off x="155151" y="2044895"/>
+            <a:ext cx="7437863" cy="313932"/>
+          </a:xfrm>
+          <a:prstGeom prst="rect">
+            <a:avLst/>
+          </a:prstGeom>
+          <a:solidFill>
+            <a:srgbClr val="FFFF00"/>
+          </a:solidFill>
+        </p:spPr>
+        <p:txBody>
+          <a:bodyPr wrap="square">
+            <a:spAutoFit/>
+          </a:bodyPr>
+          <a:lstStyle/>
+          <a:p>
+            <a:pPr indent="450215">
+              <a:lnSpc>
+                <a:spcPct val="80000"/>
+              </a:lnSpc>
+              <a:spcBef>
+                <a:spcPts val="600"/>
+              </a:spcBef>
+              <a:spcAft>
+                <a:spcPts val="600"/>
+              </a:spcAft>
+            </a:pPr>
+            <a:r>
+              <a:rPr lang="ru-RU" b="1" dirty="0" err="1">
+                <a:solidFill>
+                  <a:srgbClr val="000000"/>
+                </a:solidFill>
+                <a:latin typeface="Arial" panose="020B0604020202020204" pitchFamily="34" charset="0"/>
+                <a:cs typeface="Times New Roman" panose="02020603050405020304" pitchFamily="18" charset="0"/>
+              </a:rPr>
+              <a:t>Програма</a:t>
+            </a:r>
+            <a:r>
+              <a:rPr lang="ru-RU" b="1" dirty="0">
+                <a:solidFill>
+                  <a:srgbClr val="000000"/>
+                </a:solidFill>
+                <a:latin typeface="Arial" panose="020B0604020202020204" pitchFamily="34" charset="0"/>
+                <a:cs typeface="Times New Roman" panose="02020603050405020304" pitchFamily="18" charset="0"/>
+              </a:rPr>
+              <a:t> </a:t>
+            </a:r>
+            <a:r>
+              <a:rPr lang="ru-RU" b="1" dirty="0" err="1">
+                <a:solidFill>
+                  <a:srgbClr val="000000"/>
+                </a:solidFill>
+                <a:latin typeface="Arial" panose="020B0604020202020204" pitchFamily="34" charset="0"/>
+                <a:cs typeface="Times New Roman" panose="02020603050405020304" pitchFamily="18" charset="0"/>
+              </a:rPr>
+              <a:t>диференціювання</a:t>
+            </a:r>
+            <a:r>
+              <a:rPr lang="ru-RU" b="1" dirty="0">
+                <a:solidFill>
+                  <a:srgbClr val="000000"/>
+                </a:solidFill>
+                <a:latin typeface="Arial" panose="020B0604020202020204" pitchFamily="34" charset="0"/>
+                <a:cs typeface="Times New Roman" panose="02020603050405020304" pitchFamily="18" charset="0"/>
+              </a:rPr>
+              <a:t> з </a:t>
+            </a:r>
+            <a:r>
+              <a:rPr lang="ru-RU" b="1" dirty="0" err="1">
+                <a:solidFill>
+                  <a:srgbClr val="000000"/>
+                </a:solidFill>
+                <a:latin typeface="Arial" panose="020B0604020202020204" pitchFamily="34" charset="0"/>
+                <a:cs typeface="Times New Roman" panose="02020603050405020304" pitchFamily="18" charset="0"/>
+              </a:rPr>
+              <a:t>абстрактними</a:t>
+            </a:r>
+            <a:r>
+              <a:rPr lang="ru-RU" b="1" dirty="0">
+                <a:solidFill>
+                  <a:srgbClr val="000000"/>
+                </a:solidFill>
+                <a:latin typeface="Arial" panose="020B0604020202020204" pitchFamily="34" charset="0"/>
+                <a:cs typeface="Times New Roman" panose="02020603050405020304" pitchFamily="18" charset="0"/>
+              </a:rPr>
+              <a:t> </a:t>
+            </a:r>
+            <a:r>
+              <a:rPr lang="ru-RU" b="1" dirty="0" err="1">
+                <a:solidFill>
+                  <a:srgbClr val="000000"/>
+                </a:solidFill>
+                <a:latin typeface="Arial" panose="020B0604020202020204" pitchFamily="34" charset="0"/>
+                <a:cs typeface="Times New Roman" panose="02020603050405020304" pitchFamily="18" charset="0"/>
+              </a:rPr>
+              <a:t>даними</a:t>
+            </a:r>
+            <a:endParaRPr lang="ru-RU" b="1" dirty="0">
+              <a:solidFill>
+                <a:srgbClr val="000000"/>
+              </a:solidFill>
+              <a:latin typeface="Arial" panose="020B0604020202020204" pitchFamily="34" charset="0"/>
+              <a:cs typeface="Times New Roman" panose="02020603050405020304" pitchFamily="18" charset="0"/>
+            </a:endParaRPr>
+          </a:p>
+        </p:txBody>
+      </p:sp>
+      <p:sp>
+        <p:nvSpPr>
+          <p:cNvPr id="9" name="Прямоугольник 8"/>
+          <p:cNvSpPr/>
+          <p:nvPr/>
+        </p:nvSpPr>
+        <p:spPr>
+          <a:xfrm>
+            <a:off x="628238" y="2352458"/>
+            <a:ext cx="2135906" cy="369332"/>
+          </a:xfrm>
+          <a:prstGeom prst="rect">
+            <a:avLst/>
+          </a:prstGeom>
+          <a:solidFill>
+            <a:srgbClr val="FFFF00"/>
+          </a:solidFill>
+        </p:spPr>
+        <p:txBody>
+          <a:bodyPr wrap="none">
+            <a:spAutoFit/>
+          </a:bodyPr>
+          <a:lstStyle/>
+          <a:p>
+            <a:r>
+              <a:rPr lang="uk-UA" b="1" dirty="0" smtClean="0">
+                <a:latin typeface="Arial" panose="020B0604020202020204" pitchFamily="34" charset="0"/>
+                <a:cs typeface="Arial" panose="020B0604020202020204" pitchFamily="34" charset="0"/>
+              </a:rPr>
+              <a:t>Подання </a:t>
+            </a:r>
+            <a:r>
+              <a:rPr lang="uk-UA" b="1" dirty="0">
+                <a:latin typeface="Arial" panose="020B0604020202020204" pitchFamily="34" charset="0"/>
+                <a:cs typeface="Arial" panose="020B0604020202020204" pitchFamily="34" charset="0"/>
+              </a:rPr>
+              <a:t>множин</a:t>
+            </a:r>
+            <a:endParaRPr lang="uk-UA" dirty="0">
+              <a:latin typeface="Arial" panose="020B0604020202020204" pitchFamily="34" charset="0"/>
+              <a:cs typeface="Arial" panose="020B0604020202020204" pitchFamily="34" charset="0"/>
+            </a:endParaRPr>
+          </a:p>
+        </p:txBody>
+      </p:sp>
+      <p:sp>
+        <p:nvSpPr>
+          <p:cNvPr id="10" name="Прямоугольник 9"/>
+          <p:cNvSpPr/>
+          <p:nvPr/>
+        </p:nvSpPr>
+        <p:spPr>
+          <a:xfrm>
+            <a:off x="628238" y="2716913"/>
+            <a:ext cx="4048673" cy="369332"/>
+          </a:xfrm>
+          <a:prstGeom prst="rect">
+            <a:avLst/>
+          </a:prstGeom>
+          <a:solidFill>
+            <a:srgbClr val="FFFF00"/>
+          </a:solidFill>
+        </p:spPr>
+        <p:txBody>
+          <a:bodyPr wrap="none">
+            <a:spAutoFit/>
+          </a:bodyPr>
+          <a:lstStyle/>
+          <a:p>
+            <a:pPr algn="ctr"/>
+            <a:r>
+              <a:rPr lang="uk-UA" b="1" dirty="0">
+                <a:latin typeface="Arial" panose="020B0604020202020204" pitchFamily="34" charset="0"/>
+                <a:cs typeface="Arial" panose="020B0604020202020204" pitchFamily="34" charset="0"/>
+              </a:rPr>
+              <a:t>Множини як впорядковані списки</a:t>
+            </a:r>
+          </a:p>
+        </p:txBody>
+      </p:sp>
+      <p:sp>
+        <p:nvSpPr>
+          <p:cNvPr id="11" name="Прямоугольник 10"/>
+          <p:cNvSpPr/>
+          <p:nvPr/>
+        </p:nvSpPr>
+        <p:spPr>
+          <a:xfrm>
+            <a:off x="628238" y="3056508"/>
+            <a:ext cx="3315716" cy="369332"/>
+          </a:xfrm>
+          <a:prstGeom prst="rect">
+            <a:avLst/>
+          </a:prstGeom>
+          <a:solidFill>
+            <a:srgbClr val="FFFF00"/>
+          </a:solidFill>
+        </p:spPr>
+        <p:txBody>
+          <a:bodyPr wrap="none">
+            <a:spAutoFit/>
+          </a:bodyPr>
+          <a:lstStyle/>
+          <a:p>
+            <a:r>
+              <a:rPr lang="uk-UA" b="1" dirty="0">
+                <a:latin typeface="Arial" panose="020B0604020202020204" pitchFamily="34" charset="0"/>
+                <a:cs typeface="Arial" panose="020B0604020202020204" pitchFamily="34" charset="0"/>
+              </a:rPr>
+              <a:t>Множини як бінарні дерева</a:t>
+            </a:r>
+            <a:endParaRPr lang="uk-UA" dirty="0">
+              <a:latin typeface="Arial" panose="020B0604020202020204" pitchFamily="34" charset="0"/>
+              <a:cs typeface="Arial" panose="020B0604020202020204" pitchFamily="34" charset="0"/>
+            </a:endParaRPr>
+          </a:p>
+        </p:txBody>
+      </p:sp>
+      <p:sp>
+        <p:nvSpPr>
+          <p:cNvPr id="12" name="Прямоугольник 11"/>
+          <p:cNvSpPr/>
+          <p:nvPr/>
+        </p:nvSpPr>
+        <p:spPr>
+          <a:xfrm>
+            <a:off x="628238" y="3386400"/>
+            <a:ext cx="5174173" cy="369332"/>
+          </a:xfrm>
+          <a:prstGeom prst="rect">
+            <a:avLst/>
+          </a:prstGeom>
+          <a:solidFill>
+            <a:srgbClr val="FFFF00"/>
+          </a:solidFill>
+        </p:spPr>
+        <p:txBody>
+          <a:bodyPr wrap="none">
+            <a:spAutoFit/>
+          </a:bodyPr>
+          <a:lstStyle/>
+          <a:p>
+            <a:pPr algn="ctr"/>
+            <a:r>
+              <a:rPr lang="uk-UA" b="1" dirty="0">
+                <a:latin typeface="Arial" panose="020B0604020202020204" pitchFamily="34" charset="0"/>
+                <a:cs typeface="Arial" panose="020B0604020202020204" pitchFamily="34" charset="0"/>
+              </a:rPr>
+              <a:t>Множинні уявлення для абстрактних даних</a:t>
+            </a:r>
+          </a:p>
+        </p:txBody>
+      </p:sp>
+      <p:sp>
+        <p:nvSpPr>
+          <p:cNvPr id="13" name="Прямоугольник 12"/>
+          <p:cNvSpPr/>
+          <p:nvPr/>
+        </p:nvSpPr>
+        <p:spPr>
+          <a:xfrm>
+            <a:off x="155151" y="3765435"/>
+            <a:ext cx="8017727" cy="369332"/>
+          </a:xfrm>
+          <a:prstGeom prst="rect">
+            <a:avLst/>
+          </a:prstGeom>
+          <a:solidFill>
+            <a:srgbClr val="FFFF00"/>
+          </a:solidFill>
+        </p:spPr>
+        <p:txBody>
+          <a:bodyPr wrap="square">
+            <a:spAutoFit/>
+          </a:bodyPr>
+          <a:lstStyle/>
+          <a:p>
+            <a:pPr algn="ctr"/>
+            <a:r>
+              <a:rPr lang="uk-UA" b="1" dirty="0">
+                <a:latin typeface="Arial" panose="020B0604020202020204" pitchFamily="34" charset="0"/>
+                <a:cs typeface="Arial" panose="020B0604020202020204" pitchFamily="34" charset="0"/>
+              </a:rPr>
+              <a:t>Приклад. Арифметичні операції над комплексними числами</a:t>
+            </a:r>
+          </a:p>
+        </p:txBody>
+      </p:sp>
+      <p:sp>
+        <p:nvSpPr>
+          <p:cNvPr id="14" name="Прямоугольник 13"/>
+          <p:cNvSpPr/>
+          <p:nvPr/>
+        </p:nvSpPr>
+        <p:spPr>
+          <a:xfrm>
+            <a:off x="493089" y="4192374"/>
+            <a:ext cx="8650911" cy="341632"/>
+          </a:xfrm>
+          <a:prstGeom prst="rect">
+            <a:avLst/>
+          </a:prstGeom>
+        </p:spPr>
+        <p:txBody>
+          <a:bodyPr wrap="square">
+            <a:spAutoFit/>
+          </a:bodyPr>
+          <a:lstStyle/>
+          <a:p>
+            <a:pPr algn="ctr">
+              <a:lnSpc>
+                <a:spcPct val="90000"/>
+              </a:lnSpc>
+            </a:pPr>
+            <a:r>
+              <a:rPr lang="ru-RU" b="1" dirty="0" err="1">
+                <a:solidFill>
+                  <a:srgbClr val="FF0000"/>
+                </a:solidFill>
+                <a:hlinkClick r:id="rId2" action="ppaction://hlinksldjump"/>
+              </a:rPr>
+              <a:t>Лабораторна</a:t>
+            </a:r>
+            <a:r>
+              <a:rPr lang="ru-RU" b="1" dirty="0">
+                <a:solidFill>
+                  <a:srgbClr val="FF0000"/>
+                </a:solidFill>
+                <a:hlinkClick r:id="rId2" action="ppaction://hlinksldjump"/>
+              </a:rPr>
+              <a:t> робота 5. </a:t>
+            </a:r>
+            <a:r>
+              <a:rPr lang="uk-UA" b="1" dirty="0">
+                <a:solidFill>
+                  <a:srgbClr val="FF0000"/>
+                </a:solidFill>
+                <a:hlinkClick r:id="rId2" action="ppaction://hlinksldjump"/>
+              </a:rPr>
+              <a:t>Символьні дані, множини, узагальнені арифметичні операції</a:t>
+            </a:r>
+            <a:endParaRPr lang="uk-UA" b="1" dirty="0">
+              <a:solidFill>
+                <a:srgbClr val="FF0000"/>
+              </a:solidFill>
+            </a:endParaRPr>
+          </a:p>
+        </p:txBody>
+      </p:sp>
+    </p:spTree>
+    <p:extLst>
+      <p:ext uri="{BB962C8B-B14F-4D97-AF65-F5344CB8AC3E}">
+        <p14:creationId xmlns:p14="http://schemas.microsoft.com/office/powerpoint/2010/main" val="3404044852"/>
+      </p:ext>
+    </p:extLst>
+  </p:cSld>
+  <p:clrMapOvr>
+    <a:masterClrMapping/>
+  </p:clrMapOvr>
+  <p:timing>
+    <p:tnLst>
+      <p:par>
+        <p:cTn id="1" dur="indefinite" restart="never" nodeType="tmRoot"/>
+      </p:par>
+    </p:tnLst>
+  </p:timing>
 </p:sld>
 </file>
 

--- a/лек6. Системи узагальнених операцій.pptx
+++ b/лек6. Системи узагальнених операцій.pptx
@@ -13727,502 +13727,13 @@
       </p:sp>
       <p:sp>
         <p:nvSpPr>
-          <p:cNvPr id="5" name="Прямоугольник 4"/>
-          <p:cNvSpPr/>
-          <p:nvPr/>
-        </p:nvSpPr>
-        <p:spPr>
-          <a:xfrm>
-            <a:off x="155151" y="1036820"/>
-            <a:ext cx="3658566" cy="369332"/>
-          </a:xfrm>
-          <a:prstGeom prst="rect">
-            <a:avLst/>
-          </a:prstGeom>
-          <a:solidFill>
-            <a:srgbClr val="FFFF00"/>
-          </a:solidFill>
-        </p:spPr>
-        <p:txBody>
-          <a:bodyPr wrap="none">
-            <a:spAutoFit/>
-          </a:bodyPr>
-          <a:lstStyle/>
-          <a:p>
-            <a:pPr indent="450215">
-              <a:spcBef>
-                <a:spcPts val="600"/>
-              </a:spcBef>
-              <a:spcAft>
-                <a:spcPts val="600"/>
-              </a:spcAft>
-            </a:pPr>
-            <a:r>
-              <a:rPr lang="uk-UA" b="1" dirty="0">
-                <a:solidFill>
-                  <a:srgbClr val="000000"/>
-                </a:solidFill>
-                <a:latin typeface="Arial" panose="020B0604020202020204" pitchFamily="34" charset="0"/>
-                <a:cs typeface="Times New Roman" panose="02020603050405020304" pitchFamily="18" charset="0"/>
-              </a:rPr>
-              <a:t>Символи як об</a:t>
-            </a:r>
-            <a:r>
-              <a:rPr lang="en-US" b="1" dirty="0">
-                <a:solidFill>
-                  <a:srgbClr val="000000"/>
-                </a:solidFill>
-                <a:latin typeface="Arial" panose="020B0604020202020204" pitchFamily="34" charset="0"/>
-                <a:cs typeface="Times New Roman" panose="02020603050405020304" pitchFamily="18" charset="0"/>
-              </a:rPr>
-              <a:t>’</a:t>
-            </a:r>
-            <a:r>
-              <a:rPr lang="uk-UA" b="1" dirty="0" err="1">
-                <a:solidFill>
-                  <a:srgbClr val="000000"/>
-                </a:solidFill>
-                <a:latin typeface="Arial" panose="020B0604020202020204" pitchFamily="34" charset="0"/>
-                <a:cs typeface="Times New Roman" panose="02020603050405020304" pitchFamily="18" charset="0"/>
-              </a:rPr>
-              <a:t>єкти</a:t>
-            </a:r>
-            <a:r>
-              <a:rPr lang="uk-UA" b="1" dirty="0">
-                <a:solidFill>
-                  <a:srgbClr val="000000"/>
-                </a:solidFill>
-                <a:latin typeface="Arial" panose="020B0604020202020204" pitchFamily="34" charset="0"/>
-                <a:cs typeface="Times New Roman" panose="02020603050405020304" pitchFamily="18" charset="0"/>
-              </a:rPr>
-              <a:t> даних</a:t>
-            </a:r>
-            <a:endParaRPr lang="ru-RU" b="1" dirty="0">
-              <a:solidFill>
-                <a:srgbClr val="000000"/>
-              </a:solidFill>
-              <a:latin typeface="Arial" panose="020B0604020202020204" pitchFamily="34" charset="0"/>
-              <a:cs typeface="Times New Roman" panose="02020603050405020304" pitchFamily="18" charset="0"/>
-            </a:endParaRPr>
-          </a:p>
-        </p:txBody>
-      </p:sp>
-      <p:sp>
-        <p:nvSpPr>
-          <p:cNvPr id="6" name="Прямоугольник 5"/>
-          <p:cNvSpPr/>
-          <p:nvPr/>
-        </p:nvSpPr>
-        <p:spPr>
-          <a:xfrm>
-            <a:off x="155151" y="1340356"/>
-            <a:ext cx="6389649" cy="369332"/>
-          </a:xfrm>
-          <a:prstGeom prst="rect">
-            <a:avLst/>
-          </a:prstGeom>
-          <a:solidFill>
-            <a:srgbClr val="FFFF00"/>
-          </a:solidFill>
-        </p:spPr>
-        <p:txBody>
-          <a:bodyPr wrap="square">
-            <a:spAutoFit/>
-          </a:bodyPr>
-          <a:lstStyle/>
-          <a:p>
-            <a:pPr indent="450215">
-              <a:spcBef>
-                <a:spcPts val="600"/>
-              </a:spcBef>
-              <a:spcAft>
-                <a:spcPts val="600"/>
-              </a:spcAft>
-            </a:pPr>
-            <a:r>
-              <a:rPr lang="uk-UA" b="1" dirty="0">
-                <a:solidFill>
-                  <a:srgbClr val="000000"/>
-                </a:solidFill>
-                <a:latin typeface="Arial" panose="020B0604020202020204" pitchFamily="34" charset="0"/>
-                <a:cs typeface="Times New Roman" panose="02020603050405020304" pitchFamily="18" charset="0"/>
-              </a:rPr>
-              <a:t>Примітиви для роботи з символами</a:t>
-            </a:r>
-            <a:endParaRPr lang="ru-RU" b="1" dirty="0">
-              <a:solidFill>
-                <a:srgbClr val="000000"/>
-              </a:solidFill>
-              <a:latin typeface="Arial" panose="020B0604020202020204" pitchFamily="34" charset="0"/>
-              <a:cs typeface="Times New Roman" panose="02020603050405020304" pitchFamily="18" charset="0"/>
-            </a:endParaRPr>
-          </a:p>
-        </p:txBody>
-      </p:sp>
-      <p:sp>
-        <p:nvSpPr>
-          <p:cNvPr id="7" name="Прямоугольник 6"/>
-          <p:cNvSpPr/>
-          <p:nvPr/>
-        </p:nvSpPr>
-        <p:spPr>
-          <a:xfrm>
-            <a:off x="155151" y="1675563"/>
-            <a:ext cx="6226232" cy="369332"/>
-          </a:xfrm>
-          <a:prstGeom prst="rect">
-            <a:avLst/>
-          </a:prstGeom>
-          <a:solidFill>
-            <a:srgbClr val="FFFF00"/>
-          </a:solidFill>
-        </p:spPr>
-        <p:txBody>
-          <a:bodyPr wrap="square">
-            <a:spAutoFit/>
-          </a:bodyPr>
-          <a:lstStyle/>
-          <a:p>
-            <a:pPr indent="450215">
-              <a:spcBef>
-                <a:spcPts val="600"/>
-              </a:spcBef>
-              <a:spcAft>
-                <a:spcPts val="600"/>
-              </a:spcAft>
-            </a:pPr>
-            <a:r>
-              <a:rPr lang="uk-UA" b="1" dirty="0">
-                <a:solidFill>
-                  <a:srgbClr val="000000"/>
-                </a:solidFill>
-                <a:latin typeface="Arial" panose="020B0604020202020204" pitchFamily="34" charset="0"/>
-                <a:cs typeface="Times New Roman" panose="02020603050405020304" pitchFamily="18" charset="0"/>
-              </a:rPr>
-              <a:t>Приклад: символьне диференціювання</a:t>
-            </a:r>
-            <a:endParaRPr lang="ru-RU" b="1" dirty="0">
-              <a:solidFill>
-                <a:srgbClr val="000000"/>
-              </a:solidFill>
-              <a:latin typeface="Arial" panose="020B0604020202020204" pitchFamily="34" charset="0"/>
-              <a:cs typeface="Times New Roman" panose="02020603050405020304" pitchFamily="18" charset="0"/>
-            </a:endParaRPr>
-          </a:p>
-        </p:txBody>
-      </p:sp>
-      <p:sp>
-        <p:nvSpPr>
-          <p:cNvPr id="8" name="Прямоугольник 7"/>
-          <p:cNvSpPr/>
-          <p:nvPr/>
-        </p:nvSpPr>
-        <p:spPr>
-          <a:xfrm>
-            <a:off x="155151" y="2044895"/>
-            <a:ext cx="7437863" cy="313932"/>
-          </a:xfrm>
-          <a:prstGeom prst="rect">
-            <a:avLst/>
-          </a:prstGeom>
-          <a:solidFill>
-            <a:srgbClr val="FFFF00"/>
-          </a:solidFill>
-        </p:spPr>
-        <p:txBody>
-          <a:bodyPr wrap="square">
-            <a:spAutoFit/>
-          </a:bodyPr>
-          <a:lstStyle/>
-          <a:p>
-            <a:pPr indent="450215">
-              <a:lnSpc>
-                <a:spcPct val="80000"/>
-              </a:lnSpc>
-              <a:spcBef>
-                <a:spcPts val="600"/>
-              </a:spcBef>
-              <a:spcAft>
-                <a:spcPts val="600"/>
-              </a:spcAft>
-            </a:pPr>
-            <a:r>
-              <a:rPr lang="ru-RU" b="1" dirty="0" err="1">
-                <a:solidFill>
-                  <a:srgbClr val="000000"/>
-                </a:solidFill>
-                <a:latin typeface="Arial" panose="020B0604020202020204" pitchFamily="34" charset="0"/>
-                <a:cs typeface="Times New Roman" panose="02020603050405020304" pitchFamily="18" charset="0"/>
-              </a:rPr>
-              <a:t>Програма</a:t>
-            </a:r>
-            <a:r>
-              <a:rPr lang="ru-RU" b="1" dirty="0">
-                <a:solidFill>
-                  <a:srgbClr val="000000"/>
-                </a:solidFill>
-                <a:latin typeface="Arial" panose="020B0604020202020204" pitchFamily="34" charset="0"/>
-                <a:cs typeface="Times New Roman" panose="02020603050405020304" pitchFamily="18" charset="0"/>
-              </a:rPr>
-              <a:t> </a:t>
-            </a:r>
-            <a:r>
-              <a:rPr lang="ru-RU" b="1" dirty="0" err="1">
-                <a:solidFill>
-                  <a:srgbClr val="000000"/>
-                </a:solidFill>
-                <a:latin typeface="Arial" panose="020B0604020202020204" pitchFamily="34" charset="0"/>
-                <a:cs typeface="Times New Roman" panose="02020603050405020304" pitchFamily="18" charset="0"/>
-              </a:rPr>
-              <a:t>диференціювання</a:t>
-            </a:r>
-            <a:r>
-              <a:rPr lang="ru-RU" b="1" dirty="0">
-                <a:solidFill>
-                  <a:srgbClr val="000000"/>
-                </a:solidFill>
-                <a:latin typeface="Arial" panose="020B0604020202020204" pitchFamily="34" charset="0"/>
-                <a:cs typeface="Times New Roman" panose="02020603050405020304" pitchFamily="18" charset="0"/>
-              </a:rPr>
-              <a:t> з </a:t>
-            </a:r>
-            <a:r>
-              <a:rPr lang="ru-RU" b="1" dirty="0" err="1">
-                <a:solidFill>
-                  <a:srgbClr val="000000"/>
-                </a:solidFill>
-                <a:latin typeface="Arial" panose="020B0604020202020204" pitchFamily="34" charset="0"/>
-                <a:cs typeface="Times New Roman" panose="02020603050405020304" pitchFamily="18" charset="0"/>
-              </a:rPr>
-              <a:t>абстрактними</a:t>
-            </a:r>
-            <a:r>
-              <a:rPr lang="ru-RU" b="1" dirty="0">
-                <a:solidFill>
-                  <a:srgbClr val="000000"/>
-                </a:solidFill>
-                <a:latin typeface="Arial" panose="020B0604020202020204" pitchFamily="34" charset="0"/>
-                <a:cs typeface="Times New Roman" panose="02020603050405020304" pitchFamily="18" charset="0"/>
-              </a:rPr>
-              <a:t> </a:t>
-            </a:r>
-            <a:r>
-              <a:rPr lang="ru-RU" b="1" dirty="0" err="1">
-                <a:solidFill>
-                  <a:srgbClr val="000000"/>
-                </a:solidFill>
-                <a:latin typeface="Arial" panose="020B0604020202020204" pitchFamily="34" charset="0"/>
-                <a:cs typeface="Times New Roman" panose="02020603050405020304" pitchFamily="18" charset="0"/>
-              </a:rPr>
-              <a:t>даними</a:t>
-            </a:r>
-            <a:endParaRPr lang="ru-RU" b="1" dirty="0">
-              <a:solidFill>
-                <a:srgbClr val="000000"/>
-              </a:solidFill>
-              <a:latin typeface="Arial" panose="020B0604020202020204" pitchFamily="34" charset="0"/>
-              <a:cs typeface="Times New Roman" panose="02020603050405020304" pitchFamily="18" charset="0"/>
-            </a:endParaRPr>
-          </a:p>
-        </p:txBody>
-      </p:sp>
-      <p:sp>
-        <p:nvSpPr>
-          <p:cNvPr id="9" name="Прямоугольник 8"/>
-          <p:cNvSpPr/>
-          <p:nvPr/>
-        </p:nvSpPr>
-        <p:spPr>
-          <a:xfrm>
-            <a:off x="628238" y="2352458"/>
-            <a:ext cx="2135906" cy="369332"/>
-          </a:xfrm>
-          <a:prstGeom prst="rect">
-            <a:avLst/>
-          </a:prstGeom>
-          <a:solidFill>
-            <a:srgbClr val="FFFF00"/>
-          </a:solidFill>
-        </p:spPr>
-        <p:txBody>
-          <a:bodyPr wrap="none">
-            <a:spAutoFit/>
-          </a:bodyPr>
-          <a:lstStyle/>
-          <a:p>
-            <a:r>
-              <a:rPr lang="uk-UA" b="1" dirty="0" smtClean="0">
-                <a:latin typeface="Arial" panose="020B0604020202020204" pitchFamily="34" charset="0"/>
-                <a:cs typeface="Arial" panose="020B0604020202020204" pitchFamily="34" charset="0"/>
-              </a:rPr>
-              <a:t>Подання </a:t>
-            </a:r>
-            <a:r>
-              <a:rPr lang="uk-UA" b="1" dirty="0">
-                <a:latin typeface="Arial" panose="020B0604020202020204" pitchFamily="34" charset="0"/>
-                <a:cs typeface="Arial" panose="020B0604020202020204" pitchFamily="34" charset="0"/>
-              </a:rPr>
-              <a:t>множин</a:t>
-            </a:r>
-            <a:endParaRPr lang="uk-UA" dirty="0">
-              <a:latin typeface="Arial" panose="020B0604020202020204" pitchFamily="34" charset="0"/>
-              <a:cs typeface="Arial" panose="020B0604020202020204" pitchFamily="34" charset="0"/>
-            </a:endParaRPr>
-          </a:p>
-        </p:txBody>
-      </p:sp>
-      <p:sp>
-        <p:nvSpPr>
-          <p:cNvPr id="10" name="Прямоугольник 9"/>
-          <p:cNvSpPr/>
-          <p:nvPr/>
-        </p:nvSpPr>
-        <p:spPr>
-          <a:xfrm>
-            <a:off x="628238" y="2716913"/>
-            <a:ext cx="4048673" cy="369332"/>
-          </a:xfrm>
-          <a:prstGeom prst="rect">
-            <a:avLst/>
-          </a:prstGeom>
-          <a:solidFill>
-            <a:srgbClr val="FFFF00"/>
-          </a:solidFill>
-        </p:spPr>
-        <p:txBody>
-          <a:bodyPr wrap="none">
-            <a:spAutoFit/>
-          </a:bodyPr>
-          <a:lstStyle/>
-          <a:p>
-            <a:pPr algn="ctr"/>
-            <a:r>
-              <a:rPr lang="uk-UA" b="1" dirty="0">
-                <a:latin typeface="Arial" panose="020B0604020202020204" pitchFamily="34" charset="0"/>
-                <a:cs typeface="Arial" panose="020B0604020202020204" pitchFamily="34" charset="0"/>
-              </a:rPr>
-              <a:t>Множини як впорядковані списки</a:t>
-            </a:r>
-          </a:p>
-        </p:txBody>
-      </p:sp>
-      <p:sp>
-        <p:nvSpPr>
-          <p:cNvPr id="11" name="Прямоугольник 10"/>
-          <p:cNvSpPr/>
-          <p:nvPr/>
-        </p:nvSpPr>
-        <p:spPr>
-          <a:xfrm>
-            <a:off x="628238" y="3056508"/>
-            <a:ext cx="3315716" cy="369332"/>
-          </a:xfrm>
-          <a:prstGeom prst="rect">
-            <a:avLst/>
-          </a:prstGeom>
-          <a:solidFill>
-            <a:srgbClr val="FFFF00"/>
-          </a:solidFill>
-        </p:spPr>
-        <p:txBody>
-          <a:bodyPr wrap="none">
-            <a:spAutoFit/>
-          </a:bodyPr>
-          <a:lstStyle/>
-          <a:p>
-            <a:r>
-              <a:rPr lang="uk-UA" b="1" dirty="0">
-                <a:latin typeface="Arial" panose="020B0604020202020204" pitchFamily="34" charset="0"/>
-                <a:cs typeface="Arial" panose="020B0604020202020204" pitchFamily="34" charset="0"/>
-              </a:rPr>
-              <a:t>Множини як бінарні дерева</a:t>
-            </a:r>
-            <a:endParaRPr lang="uk-UA" dirty="0">
-              <a:latin typeface="Arial" panose="020B0604020202020204" pitchFamily="34" charset="0"/>
-              <a:cs typeface="Arial" panose="020B0604020202020204" pitchFamily="34" charset="0"/>
-            </a:endParaRPr>
-          </a:p>
-        </p:txBody>
-      </p:sp>
-      <p:sp>
-        <p:nvSpPr>
-          <p:cNvPr id="12" name="Прямоугольник 11"/>
-          <p:cNvSpPr/>
-          <p:nvPr/>
-        </p:nvSpPr>
-        <p:spPr>
-          <a:xfrm>
-            <a:off x="628238" y="3386400"/>
-            <a:ext cx="5174173" cy="369332"/>
-          </a:xfrm>
-          <a:prstGeom prst="rect">
-            <a:avLst/>
-          </a:prstGeom>
-          <a:solidFill>
-            <a:srgbClr val="FFFF00"/>
-          </a:solidFill>
-        </p:spPr>
-        <p:txBody>
-          <a:bodyPr wrap="none">
-            <a:spAutoFit/>
-          </a:bodyPr>
-          <a:lstStyle/>
-          <a:p>
-            <a:pPr algn="ctr"/>
-            <a:r>
-              <a:rPr lang="uk-UA" b="1" dirty="0">
-                <a:latin typeface="Arial" panose="020B0604020202020204" pitchFamily="34" charset="0"/>
-                <a:cs typeface="Arial" panose="020B0604020202020204" pitchFamily="34" charset="0"/>
-              </a:rPr>
-              <a:t>Множинні уявлення для абстрактних даних</a:t>
-            </a:r>
-          </a:p>
-        </p:txBody>
-      </p:sp>
-      <p:sp>
-        <p:nvSpPr>
-          <p:cNvPr id="13" name="Прямоугольник 12"/>
-          <p:cNvSpPr/>
-          <p:nvPr/>
-        </p:nvSpPr>
-        <p:spPr>
-          <a:xfrm>
-            <a:off x="155151" y="3765435"/>
-            <a:ext cx="8017727" cy="369332"/>
-          </a:xfrm>
-          <a:prstGeom prst="rect">
-            <a:avLst/>
-          </a:prstGeom>
-          <a:solidFill>
-            <a:srgbClr val="FFFF00"/>
-          </a:solidFill>
-        </p:spPr>
-        <p:txBody>
-          <a:bodyPr wrap="square">
-            <a:spAutoFit/>
-          </a:bodyPr>
-          <a:lstStyle/>
-          <a:p>
-            <a:pPr algn="ctr"/>
-            <a:r>
-              <a:rPr lang="uk-UA" b="1" dirty="0">
-                <a:latin typeface="Arial" panose="020B0604020202020204" pitchFamily="34" charset="0"/>
-                <a:cs typeface="Arial" panose="020B0604020202020204" pitchFamily="34" charset="0"/>
-              </a:rPr>
-              <a:t>Приклад. Арифметичні операції над комплексними числами</a:t>
-            </a:r>
-          </a:p>
-        </p:txBody>
-      </p:sp>
-      <p:sp>
-        <p:nvSpPr>
           <p:cNvPr id="14" name="Прямоугольник 13"/>
           <p:cNvSpPr/>
           <p:nvPr/>
         </p:nvSpPr>
         <p:spPr>
           <a:xfrm>
-            <a:off x="493089" y="4192374"/>
+            <a:off x="-1168443" y="3396607"/>
             <a:ext cx="8650911" cy="341632"/>
           </a:xfrm>
           <a:prstGeom prst="rect">
@@ -14256,22 +13767,234 @@
                 </a:solidFill>
                 <a:hlinkClick r:id="rId2" action="ppaction://hlinksldjump"/>
               </a:rPr>
-              <a:t> робота 5. </a:t>
-            </a:r>
-            <a:r>
-              <a:rPr lang="uk-UA" b="1" dirty="0">
+              <a:t> робота </a:t>
+            </a:r>
+            <a:r>
+              <a:rPr lang="ru-RU" b="1" dirty="0" smtClean="0">
                 <a:solidFill>
                   <a:srgbClr val="FF0000"/>
                 </a:solidFill>
                 <a:hlinkClick r:id="rId2" action="ppaction://hlinksldjump"/>
               </a:rPr>
-              <a:t>Символьні дані, множини, узагальнені арифметичні операції</a:t>
+              <a:t>6. </a:t>
+            </a:r>
+            <a:r>
+              <a:rPr lang="ru-RU" b="1" dirty="0" smtClean="0">
+                <a:solidFill>
+                  <a:srgbClr val="FF0000"/>
+                </a:solidFill>
+              </a:rPr>
+              <a:t>П</a:t>
+            </a:r>
+            <a:r>
+              <a:rPr lang="uk-UA" b="1" dirty="0" err="1" smtClean="0">
+                <a:solidFill>
+                  <a:srgbClr val="FF0000"/>
+                </a:solidFill>
+              </a:rPr>
+              <a:t>рограмування</a:t>
+            </a:r>
+            <a:r>
+              <a:rPr lang="uk-UA" b="1" dirty="0" smtClean="0">
+                <a:solidFill>
+                  <a:srgbClr val="FF0000"/>
+                </a:solidFill>
+              </a:rPr>
+              <a:t> многочленів</a:t>
             </a:r>
             <a:endParaRPr lang="uk-UA" b="1" dirty="0">
               <a:solidFill>
                 <a:srgbClr val="FF0000"/>
               </a:solidFill>
             </a:endParaRPr>
+          </a:p>
+        </p:txBody>
+      </p:sp>
+      <p:sp>
+        <p:nvSpPr>
+          <p:cNvPr id="16" name="Прямоугольник 15"/>
+          <p:cNvSpPr/>
+          <p:nvPr/>
+        </p:nvSpPr>
+        <p:spPr>
+          <a:xfrm>
+            <a:off x="0" y="978341"/>
+            <a:ext cx="5575610" cy="400110"/>
+          </a:xfrm>
+          <a:prstGeom prst="rect">
+            <a:avLst/>
+          </a:prstGeom>
+        </p:spPr>
+        <p:txBody>
+          <a:bodyPr wrap="square">
+            <a:spAutoFit/>
+          </a:bodyPr>
+          <a:lstStyle/>
+          <a:p>
+            <a:pPr indent="450215">
+              <a:spcBef>
+                <a:spcPts val="600"/>
+              </a:spcBef>
+              <a:spcAft>
+                <a:spcPts val="600"/>
+              </a:spcAft>
+            </a:pPr>
+            <a:r>
+              <a:rPr lang="uk-UA" sz="2000" b="1" dirty="0" err="1" smtClean="0">
+                <a:solidFill>
+                  <a:srgbClr val="000000"/>
+                </a:solidFill>
+                <a:effectLst/>
+                <a:cs typeface="Times New Roman" panose="02020603050405020304" pitchFamily="18" charset="0"/>
+              </a:rPr>
+              <a:t>Си</a:t>
+            </a:r>
+            <a:r>
+              <a:rPr lang="en-US" sz="2000" b="1" dirty="0" smtClean="0">
+                <a:solidFill>
+                  <a:srgbClr val="000000"/>
+                </a:solidFill>
+                <a:effectLst/>
+                <a:cs typeface="Times New Roman" panose="02020603050405020304" pitchFamily="18" charset="0"/>
+              </a:rPr>
+              <a:t>c</a:t>
+            </a:r>
+            <a:r>
+              <a:rPr lang="uk-UA" sz="2000" b="1" dirty="0" smtClean="0">
+                <a:solidFill>
+                  <a:srgbClr val="000000"/>
+                </a:solidFill>
+                <a:effectLst/>
+                <a:cs typeface="Times New Roman" panose="02020603050405020304" pitchFamily="18" charset="0"/>
+              </a:rPr>
+              <a:t>теми з узагальненими операціями</a:t>
+            </a:r>
+            <a:endParaRPr lang="ru-RU" sz="2000" b="1" dirty="0">
+              <a:solidFill>
+                <a:srgbClr val="000000"/>
+              </a:solidFill>
+              <a:effectLst/>
+              <a:cs typeface="Times New Roman" panose="02020603050405020304" pitchFamily="18" charset="0"/>
+            </a:endParaRPr>
+          </a:p>
+        </p:txBody>
+      </p:sp>
+      <p:sp>
+        <p:nvSpPr>
+          <p:cNvPr id="17" name="Прямоугольник 16"/>
+          <p:cNvSpPr/>
+          <p:nvPr/>
+        </p:nvSpPr>
+        <p:spPr>
+          <a:xfrm>
+            <a:off x="493089" y="1457986"/>
+            <a:ext cx="4017254" cy="400110"/>
+          </a:xfrm>
+          <a:prstGeom prst="rect">
+            <a:avLst/>
+          </a:prstGeom>
+        </p:spPr>
+        <p:txBody>
+          <a:bodyPr wrap="none">
+            <a:spAutoFit/>
+          </a:bodyPr>
+          <a:lstStyle/>
+          <a:p>
+            <a:r>
+              <a:rPr lang="uk-UA" sz="2000" b="1" dirty="0"/>
+              <a:t>Узагальнені арифметичні операції</a:t>
+            </a:r>
+          </a:p>
+        </p:txBody>
+      </p:sp>
+      <p:sp>
+        <p:nvSpPr>
+          <p:cNvPr id="18" name="Прямоугольник 17"/>
+          <p:cNvSpPr/>
+          <p:nvPr/>
+        </p:nvSpPr>
+        <p:spPr>
+          <a:xfrm>
+            <a:off x="493089" y="1946578"/>
+            <a:ext cx="6544740" cy="400110"/>
+          </a:xfrm>
+          <a:prstGeom prst="rect">
+            <a:avLst/>
+          </a:prstGeom>
+        </p:spPr>
+        <p:txBody>
+          <a:bodyPr wrap="none">
+            <a:spAutoFit/>
+          </a:bodyPr>
+          <a:lstStyle/>
+          <a:p>
+            <a:r>
+              <a:rPr lang="uk-UA" sz="2000" b="1" dirty="0" smtClean="0"/>
+              <a:t>Пакет узагальненої арифметики для раціональних чисел</a:t>
+            </a:r>
+            <a:endParaRPr lang="uk-UA" sz="2000" b="1" dirty="0"/>
+          </a:p>
+        </p:txBody>
+      </p:sp>
+      <p:sp>
+        <p:nvSpPr>
+          <p:cNvPr id="19" name="Прямоугольник 18"/>
+          <p:cNvSpPr/>
+          <p:nvPr/>
+        </p:nvSpPr>
+        <p:spPr>
+          <a:xfrm>
+            <a:off x="493089" y="2426223"/>
+            <a:ext cx="3059427" cy="400110"/>
+          </a:xfrm>
+          <a:prstGeom prst="rect">
+            <a:avLst/>
+          </a:prstGeom>
+        </p:spPr>
+        <p:txBody>
+          <a:bodyPr wrap="none">
+            <a:spAutoFit/>
+          </a:bodyPr>
+          <a:lstStyle/>
+          <a:p>
+            <a:r>
+              <a:rPr lang="uk-UA" sz="2000" b="1" dirty="0"/>
+              <a:t>Арифметика </a:t>
+            </a:r>
+            <a:r>
+              <a:rPr lang="uk-UA" sz="2000" b="1" dirty="0" smtClean="0"/>
+              <a:t>многочленів</a:t>
+            </a:r>
+            <a:endParaRPr lang="uk-UA" sz="2000" dirty="0"/>
+          </a:p>
+        </p:txBody>
+      </p:sp>
+      <p:sp>
+        <p:nvSpPr>
+          <p:cNvPr id="20" name="Прямоугольник 19"/>
+          <p:cNvSpPr/>
+          <p:nvPr/>
+        </p:nvSpPr>
+        <p:spPr>
+          <a:xfrm>
+            <a:off x="493089" y="2853039"/>
+            <a:ext cx="2823209" cy="400110"/>
+          </a:xfrm>
+          <a:prstGeom prst="rect">
+            <a:avLst/>
+          </a:prstGeom>
+        </p:spPr>
+        <p:txBody>
+          <a:bodyPr wrap="none">
+            <a:spAutoFit/>
+          </a:bodyPr>
+          <a:lstStyle/>
+          <a:p>
+            <a:r>
+              <a:rPr lang="uk-UA" sz="2000" b="1" dirty="0"/>
+              <a:t>Подання списків термів</a:t>
+            </a:r>
+            <a:endParaRPr lang="uk-UA" sz="2000" b="1" dirty="0"/>
           </a:p>
         </p:txBody>
       </p:sp>
